--- a/testAutomation/docs/Team6_presentation.pptx
+++ b/testAutomation/docs/Team6_presentation.pptx
@@ -1,39 +1,31 @@
 
 <file path=ppt/presentation.xml><?xml version="1.0" encoding="utf-8"?>
-<p:presentation xmlns:a="http://schemas.openxmlformats.org/drawingml/2006/main" xmlns:r="http://schemas.openxmlformats.org/officeDocument/2006/relationships" xmlns:mc="http://schemas.openxmlformats.org/markup-compatibility/2006" xmlns:mv="urn:schemas-microsoft-com:mac:vml" xmlns:p="http://schemas.openxmlformats.org/presentationml/2006/main" xmlns:c="http://schemas.openxmlformats.org/drawingml/2006/chart" xmlns:dgm="http://schemas.openxmlformats.org/drawingml/2006/diagram" xmlns:o="urn:schemas-microsoft-com:office:office" xmlns:v="urn:schemas-microsoft-com:vml" xmlns:pvml="urn:schemas-microsoft-com:office:powerpoint" xmlns:com="http://schemas.openxmlformats.org/drawingml/2006/compatibility" xmlns:p14="http://schemas.microsoft.com/office/powerpoint/2010/main" autoCompressPictures="0" embedTrueTypeFonts="1" strictFirstAndLastChars="0" saveSubsetFonts="1">
+<p:presentation xmlns:a="http://schemas.openxmlformats.org/drawingml/2006/main" xmlns:r="http://schemas.openxmlformats.org/officeDocument/2006/relationships" xmlns:p="http://schemas.openxmlformats.org/presentationml/2006/main" strictFirstAndLastChars="0" embedTrueTypeFonts="1" saveSubsetFonts="1" autoCompressPictures="0">
   <p:sldMasterIdLst>
-    <p:sldMasterId id="2147483659" r:id="rId3"/>
+    <p:sldMasterId id="2147483659" r:id="rId1"/>
   </p:sldMasterIdLst>
   <p:notesMasterIdLst>
-    <p:notesMasterId r:id="rId4"/>
+    <p:notesMasterId r:id="rId15"/>
   </p:notesMasterIdLst>
   <p:sldIdLst>
-    <p:sldId id="256" r:id="rId5"/>
-    <p:sldId id="257" r:id="rId6"/>
-    <p:sldId id="258" r:id="rId7"/>
-    <p:sldId id="259" r:id="rId8"/>
-    <p:sldId id="260" r:id="rId9"/>
-    <p:sldId id="261" r:id="rId10"/>
-    <p:sldId id="262" r:id="rId11"/>
-    <p:sldId id="263" r:id="rId12"/>
-    <p:sldId id="264" r:id="rId13"/>
-    <p:sldId id="265" r:id="rId14"/>
-    <p:sldId id="266" r:id="rId15"/>
-    <p:sldId id="267" r:id="rId16"/>
-    <p:sldId id="268" r:id="rId17"/>
+    <p:sldId id="256" r:id="rId2"/>
+    <p:sldId id="257" r:id="rId3"/>
+    <p:sldId id="258" r:id="rId4"/>
+    <p:sldId id="259" r:id="rId5"/>
+    <p:sldId id="260" r:id="rId6"/>
+    <p:sldId id="261" r:id="rId7"/>
+    <p:sldId id="262" r:id="rId8"/>
+    <p:sldId id="263" r:id="rId9"/>
+    <p:sldId id="264" r:id="rId10"/>
+    <p:sldId id="265" r:id="rId11"/>
+    <p:sldId id="266" r:id="rId12"/>
+    <p:sldId id="267" r:id="rId13"/>
+    <p:sldId id="268" r:id="rId14"/>
   </p:sldIdLst>
-  <p:sldSz cy="5143500" cx="9144000"/>
+  <p:sldSz cx="9144000" cy="5143500" type="screen16x9"/>
   <p:notesSz cx="6858000" cy="9144000"/>
-  <p:embeddedFontLst>
-    <p:embeddedFont>
-      <p:font typeface="Old Standard TT"/>
-      <p:regular r:id="rId18"/>
-      <p:bold r:id="rId19"/>
-      <p:italic r:id="rId20"/>
-    </p:embeddedFont>
-  </p:embeddedFontLst>
   <p:defaultTextStyle>
-    <a:defPPr marR="0" rtl="0" algn="l">
+    <a:defPPr marR="0" algn="l" rtl="0">
       <a:lnSpc>
         <a:spcPct val="100000"/>
       </a:lnSpc>
@@ -44,7 +36,7 @@
         <a:spcPts val="0"/>
       </a:spcAft>
     </a:defPPr>
-    <a:lvl1pPr marR="0" rtl="0" algn="l">
+    <a:lvl1pPr marR="0" algn="l" rtl="0">
       <a:lnSpc>
         <a:spcPct val="100000"/>
       </a:lnSpc>
@@ -55,7 +47,7 @@
         <a:spcPts val="0"/>
       </a:spcAft>
       <a:buNone/>
-      <a:defRPr b="0" baseline="0" i="0" sz="1400" u="none" cap="none" strike="noStrike">
+      <a:defRPr sz="1400" b="0" i="0" u="none" strike="noStrike" cap="none" baseline="0">
         <a:solidFill>
           <a:srgbClr val="000000"/>
         </a:solidFill>
@@ -66,7 +58,7 @@
         <a:rtl val="0"/>
       </a:defRPr>
     </a:lvl1pPr>
-    <a:lvl2pPr marR="0" rtl="0" algn="l">
+    <a:lvl2pPr marR="0" algn="l" rtl="0">
       <a:lnSpc>
         <a:spcPct val="100000"/>
       </a:lnSpc>
@@ -77,7 +69,7 @@
         <a:spcPts val="0"/>
       </a:spcAft>
       <a:buNone/>
-      <a:defRPr b="0" baseline="0" i="0" sz="1400" u="none" cap="none" strike="noStrike">
+      <a:defRPr sz="1400" b="0" i="0" u="none" strike="noStrike" cap="none" baseline="0">
         <a:solidFill>
           <a:srgbClr val="000000"/>
         </a:solidFill>
@@ -88,7 +80,7 @@
         <a:rtl val="0"/>
       </a:defRPr>
     </a:lvl2pPr>
-    <a:lvl3pPr marR="0" rtl="0" algn="l">
+    <a:lvl3pPr marR="0" algn="l" rtl="0">
       <a:lnSpc>
         <a:spcPct val="100000"/>
       </a:lnSpc>
@@ -99,7 +91,7 @@
         <a:spcPts val="0"/>
       </a:spcAft>
       <a:buNone/>
-      <a:defRPr b="0" baseline="0" i="0" sz="1400" u="none" cap="none" strike="noStrike">
+      <a:defRPr sz="1400" b="0" i="0" u="none" strike="noStrike" cap="none" baseline="0">
         <a:solidFill>
           <a:srgbClr val="000000"/>
         </a:solidFill>
@@ -110,7 +102,7 @@
         <a:rtl val="0"/>
       </a:defRPr>
     </a:lvl3pPr>
-    <a:lvl4pPr marR="0" rtl="0" algn="l">
+    <a:lvl4pPr marR="0" algn="l" rtl="0">
       <a:lnSpc>
         <a:spcPct val="100000"/>
       </a:lnSpc>
@@ -121,7 +113,7 @@
         <a:spcPts val="0"/>
       </a:spcAft>
       <a:buNone/>
-      <a:defRPr b="0" baseline="0" i="0" sz="1400" u="none" cap="none" strike="noStrike">
+      <a:defRPr sz="1400" b="0" i="0" u="none" strike="noStrike" cap="none" baseline="0">
         <a:solidFill>
           <a:srgbClr val="000000"/>
         </a:solidFill>
@@ -132,7 +124,7 @@
         <a:rtl val="0"/>
       </a:defRPr>
     </a:lvl4pPr>
-    <a:lvl5pPr marR="0" rtl="0" algn="l">
+    <a:lvl5pPr marR="0" algn="l" rtl="0">
       <a:lnSpc>
         <a:spcPct val="100000"/>
       </a:lnSpc>
@@ -143,7 +135,7 @@
         <a:spcPts val="0"/>
       </a:spcAft>
       <a:buNone/>
-      <a:defRPr b="0" baseline="0" i="0" sz="1400" u="none" cap="none" strike="noStrike">
+      <a:defRPr sz="1400" b="0" i="0" u="none" strike="noStrike" cap="none" baseline="0">
         <a:solidFill>
           <a:srgbClr val="000000"/>
         </a:solidFill>
@@ -154,7 +146,7 @@
         <a:rtl val="0"/>
       </a:defRPr>
     </a:lvl5pPr>
-    <a:lvl6pPr marR="0" rtl="0" algn="l">
+    <a:lvl6pPr marR="0" algn="l" rtl="0">
       <a:lnSpc>
         <a:spcPct val="100000"/>
       </a:lnSpc>
@@ -165,7 +157,7 @@
         <a:spcPts val="0"/>
       </a:spcAft>
       <a:buNone/>
-      <a:defRPr b="0" baseline="0" i="0" sz="1400" u="none" cap="none" strike="noStrike">
+      <a:defRPr sz="1400" b="0" i="0" u="none" strike="noStrike" cap="none" baseline="0">
         <a:solidFill>
           <a:srgbClr val="000000"/>
         </a:solidFill>
@@ -176,7 +168,7 @@
         <a:rtl val="0"/>
       </a:defRPr>
     </a:lvl6pPr>
-    <a:lvl7pPr marR="0" rtl="0" algn="l">
+    <a:lvl7pPr marR="0" algn="l" rtl="0">
       <a:lnSpc>
         <a:spcPct val="100000"/>
       </a:lnSpc>
@@ -187,7 +179,7 @@
         <a:spcPts val="0"/>
       </a:spcAft>
       <a:buNone/>
-      <a:defRPr b="0" baseline="0" i="0" sz="1400" u="none" cap="none" strike="noStrike">
+      <a:defRPr sz="1400" b="0" i="0" u="none" strike="noStrike" cap="none" baseline="0">
         <a:solidFill>
           <a:srgbClr val="000000"/>
         </a:solidFill>
@@ -198,7 +190,7 @@
         <a:rtl val="0"/>
       </a:defRPr>
     </a:lvl7pPr>
-    <a:lvl8pPr marR="0" rtl="0" algn="l">
+    <a:lvl8pPr marR="0" algn="l" rtl="0">
       <a:lnSpc>
         <a:spcPct val="100000"/>
       </a:lnSpc>
@@ -209,7 +201,7 @@
         <a:spcPts val="0"/>
       </a:spcAft>
       <a:buNone/>
-      <a:defRPr b="0" baseline="0" i="0" sz="1400" u="none" cap="none" strike="noStrike">
+      <a:defRPr sz="1400" b="0" i="0" u="none" strike="noStrike" cap="none" baseline="0">
         <a:solidFill>
           <a:srgbClr val="000000"/>
         </a:solidFill>
@@ -220,7 +212,7 @@
         <a:rtl val="0"/>
       </a:defRPr>
     </a:lvl8pPr>
-    <a:lvl9pPr marR="0" rtl="0" algn="l">
+    <a:lvl9pPr marR="0" algn="l" rtl="0">
       <a:lnSpc>
         <a:spcPct val="100000"/>
       </a:lnSpc>
@@ -231,7 +223,7 @@
         <a:spcPts val="0"/>
       </a:spcAft>
       <a:buNone/>
-      <a:defRPr b="0" baseline="0" i="0" sz="1400" u="none" cap="none" strike="noStrike">
+      <a:defRPr sz="1400" b="0" i="0" u="none" strike="noStrike" cap="none" baseline="0">
         <a:solidFill>
           <a:srgbClr val="000000"/>
         </a:solidFill>
@@ -247,8 +239,13 @@
 </file>
 
 <file path=ppt/notesMasters/notesMaster1.xml><?xml version="1.0" encoding="utf-8"?>
-<p:notesMaster xmlns:a="http://schemas.openxmlformats.org/drawingml/2006/main" xmlns:r="http://schemas.openxmlformats.org/officeDocument/2006/relationships" xmlns:mc="http://schemas.openxmlformats.org/markup-compatibility/2006" xmlns:mv="urn:schemas-microsoft-com:mac:vml" xmlns:p="http://schemas.openxmlformats.org/presentationml/2006/main" xmlns:c="http://schemas.openxmlformats.org/drawingml/2006/chart" xmlns:dgm="http://schemas.openxmlformats.org/drawingml/2006/diagram" xmlns:o="urn:schemas-microsoft-com:office:office" xmlns:v="urn:schemas-microsoft-com:vml" xmlns:pvml="urn:schemas-microsoft-com:office:powerpoint" xmlns:com="http://schemas.openxmlformats.org/drawingml/2006/compatibility" xmlns:p14="http://schemas.microsoft.com/office/powerpoint/2010/main">
+<p:notesMaster xmlns:a="http://schemas.openxmlformats.org/drawingml/2006/main" xmlns:r="http://schemas.openxmlformats.org/officeDocument/2006/relationships" xmlns:p="http://schemas.openxmlformats.org/presentationml/2006/main">
   <p:cSld>
+    <p:bg>
+      <p:bgRef idx="1001">
+        <a:schemeClr val="bg1"/>
+      </p:bgRef>
+    </p:bg>
     <p:spTree>
       <p:nvGrpSpPr>
         <p:cNvPr id="1" name="Shape 1"/>
@@ -266,9 +263,11 @@
       <p:sp>
         <p:nvSpPr>
           <p:cNvPr id="2" name="Shape 2"/>
-          <p:cNvSpPr/>
+          <p:cNvSpPr>
+            <a:spLocks noGrp="1" noRot="1" noChangeAspect="1"/>
+          </p:cNvSpPr>
           <p:nvPr>
-            <p:ph idx="2" type="sldImg"/>
+            <p:ph type="sldImg" idx="2"/>
           </p:nvPr>
         </p:nvSpPr>
         <p:spPr>
@@ -277,8 +276,13 @@
             <a:ext cx="6096075" cy="3429000"/>
           </a:xfrm>
           <a:custGeom>
+            <a:avLst/>
+            <a:gdLst/>
+            <a:ahLst/>
+            <a:cxnLst/>
+            <a:rect l="0" t="0" r="0" b="0"/>
             <a:pathLst>
-              <a:path extrusionOk="0" h="120000" w="120000">
+              <a:path w="120000" h="120000" extrusionOk="0">
                 <a:moveTo>
                   <a:pt x="0" y="0"/>
                 </a:moveTo>
@@ -296,23 +300,25 @@
             </a:pathLst>
           </a:custGeom>
           <a:noFill/>
-          <a:ln cap="flat" cmpd="sng" w="9525">
+          <a:ln w="9525" cap="flat" cmpd="sng">
             <a:solidFill>
               <a:srgbClr val="000000"/>
             </a:solidFill>
             <a:prstDash val="solid"/>
             <a:round/>
-            <a:headEnd len="med" w="med" type="none"/>
-            <a:tailEnd len="med" w="med" type="none"/>
+            <a:headEnd type="none" w="med" len="med"/>
+            <a:tailEnd type="none" w="med" len="med"/>
           </a:ln>
         </p:spPr>
       </p:sp>
       <p:sp>
         <p:nvSpPr>
           <p:cNvPr id="3" name="Shape 3"/>
-          <p:cNvSpPr txBox="1"/>
+          <p:cNvSpPr txBox="1">
+            <a:spLocks noGrp="1"/>
+          </p:cNvSpPr>
           <p:nvPr>
-            <p:ph idx="1" type="body"/>
+            <p:ph type="body" idx="1"/>
           </p:nvPr>
         </p:nvSpPr>
         <p:spPr>
@@ -329,7 +335,7 @@
           </a:ln>
         </p:spPr>
         <p:txBody>
-          <a:bodyPr anchorCtr="0" anchor="t" bIns="91425" lIns="91425" rIns="91425" tIns="91425"/>
+          <a:bodyPr lIns="91425" tIns="91425" rIns="91425" bIns="91425" anchor="t" anchorCtr="0"/>
           <a:lstStyle>
             <a:lvl1pPr>
               <a:spcBef>
@@ -386,21 +392,120 @@
               <a:defRPr sz="1100"/>
             </a:lvl9pPr>
           </a:lstStyle>
-          <a:p/>
+          <a:p>
+            <a:endParaRPr/>
+          </a:p>
         </p:txBody>
       </p:sp>
     </p:spTree>
+    <p:extLst>
+      <p:ext uri="{BB962C8B-B14F-4D97-AF65-F5344CB8AC3E}">
+        <p14:creationId xmlns:p14="http://schemas.microsoft.com/office/powerpoint/2010/main" val="679926451"/>
+      </p:ext>
+    </p:extLst>
   </p:cSld>
-  <p:clrMap accent1="accent1" accent2="accent2" accent3="accent3" accent4="accent4" accent5="accent5" accent6="accent6" bg1="lt1" bg2="dk2" tx1="dk1" tx2="lt2" folHlink="folHlink" hlink="hlink"/>
+  <p:clrMap bg1="lt1" tx1="dk1" bg2="dk2" tx2="lt2" accent1="accent1" accent2="accent2" accent3="accent3" accent4="accent4" accent5="accent5" accent6="accent6" hlink="hlink" folHlink="folHlink"/>
+  <p:notesStyle>
+    <a:lvl1pPr marL="0" algn="l" defTabSz="457200" rtl="0" eaLnBrk="1" latinLnBrk="0" hangingPunct="1">
+      <a:defRPr sz="1200" kern="1200">
+        <a:solidFill>
+          <a:schemeClr val="tx1"/>
+        </a:solidFill>
+        <a:latin typeface="+mn-lt"/>
+        <a:ea typeface="+mn-ea"/>
+        <a:cs typeface="+mn-cs"/>
+      </a:defRPr>
+    </a:lvl1pPr>
+    <a:lvl2pPr marL="457200" algn="l" defTabSz="457200" rtl="0" eaLnBrk="1" latinLnBrk="0" hangingPunct="1">
+      <a:defRPr sz="1200" kern="1200">
+        <a:solidFill>
+          <a:schemeClr val="tx1"/>
+        </a:solidFill>
+        <a:latin typeface="+mn-lt"/>
+        <a:ea typeface="+mn-ea"/>
+        <a:cs typeface="+mn-cs"/>
+      </a:defRPr>
+    </a:lvl2pPr>
+    <a:lvl3pPr marL="914400" algn="l" defTabSz="457200" rtl="0" eaLnBrk="1" latinLnBrk="0" hangingPunct="1">
+      <a:defRPr sz="1200" kern="1200">
+        <a:solidFill>
+          <a:schemeClr val="tx1"/>
+        </a:solidFill>
+        <a:latin typeface="+mn-lt"/>
+        <a:ea typeface="+mn-ea"/>
+        <a:cs typeface="+mn-cs"/>
+      </a:defRPr>
+    </a:lvl3pPr>
+    <a:lvl4pPr marL="1371600" algn="l" defTabSz="457200" rtl="0" eaLnBrk="1" latinLnBrk="0" hangingPunct="1">
+      <a:defRPr sz="1200" kern="1200">
+        <a:solidFill>
+          <a:schemeClr val="tx1"/>
+        </a:solidFill>
+        <a:latin typeface="+mn-lt"/>
+        <a:ea typeface="+mn-ea"/>
+        <a:cs typeface="+mn-cs"/>
+      </a:defRPr>
+    </a:lvl4pPr>
+    <a:lvl5pPr marL="1828800" algn="l" defTabSz="457200" rtl="0" eaLnBrk="1" latinLnBrk="0" hangingPunct="1">
+      <a:defRPr sz="1200" kern="1200">
+        <a:solidFill>
+          <a:schemeClr val="tx1"/>
+        </a:solidFill>
+        <a:latin typeface="+mn-lt"/>
+        <a:ea typeface="+mn-ea"/>
+        <a:cs typeface="+mn-cs"/>
+      </a:defRPr>
+    </a:lvl5pPr>
+    <a:lvl6pPr marL="2286000" algn="l" defTabSz="457200" rtl="0" eaLnBrk="1" latinLnBrk="0" hangingPunct="1">
+      <a:defRPr sz="1200" kern="1200">
+        <a:solidFill>
+          <a:schemeClr val="tx1"/>
+        </a:solidFill>
+        <a:latin typeface="+mn-lt"/>
+        <a:ea typeface="+mn-ea"/>
+        <a:cs typeface="+mn-cs"/>
+      </a:defRPr>
+    </a:lvl6pPr>
+    <a:lvl7pPr marL="2743200" algn="l" defTabSz="457200" rtl="0" eaLnBrk="1" latinLnBrk="0" hangingPunct="1">
+      <a:defRPr sz="1200" kern="1200">
+        <a:solidFill>
+          <a:schemeClr val="tx1"/>
+        </a:solidFill>
+        <a:latin typeface="+mn-lt"/>
+        <a:ea typeface="+mn-ea"/>
+        <a:cs typeface="+mn-cs"/>
+      </a:defRPr>
+    </a:lvl7pPr>
+    <a:lvl8pPr marL="3200400" algn="l" defTabSz="457200" rtl="0" eaLnBrk="1" latinLnBrk="0" hangingPunct="1">
+      <a:defRPr sz="1200" kern="1200">
+        <a:solidFill>
+          <a:schemeClr val="tx1"/>
+        </a:solidFill>
+        <a:latin typeface="+mn-lt"/>
+        <a:ea typeface="+mn-ea"/>
+        <a:cs typeface="+mn-cs"/>
+      </a:defRPr>
+    </a:lvl8pPr>
+    <a:lvl9pPr marL="3657600" algn="l" defTabSz="457200" rtl="0" eaLnBrk="1" latinLnBrk="0" hangingPunct="1">
+      <a:defRPr sz="1200" kern="1200">
+        <a:solidFill>
+          <a:schemeClr val="tx1"/>
+        </a:solidFill>
+        <a:latin typeface="+mn-lt"/>
+        <a:ea typeface="+mn-ea"/>
+        <a:cs typeface="+mn-cs"/>
+      </a:defRPr>
+    </a:lvl9pPr>
+  </p:notesStyle>
 </p:notesMaster>
 </file>
 
 <file path=ppt/notesSlides/notesSlide1.xml><?xml version="1.0" encoding="utf-8"?>
-<p:notes xmlns:a="http://schemas.openxmlformats.org/drawingml/2006/main" xmlns:r="http://schemas.openxmlformats.org/officeDocument/2006/relationships" xmlns:mc="http://schemas.openxmlformats.org/markup-compatibility/2006" xmlns:mv="urn:schemas-microsoft-com:mac:vml" xmlns:p="http://schemas.openxmlformats.org/presentationml/2006/main" xmlns:c="http://schemas.openxmlformats.org/drawingml/2006/chart" xmlns:dgm="http://schemas.openxmlformats.org/drawingml/2006/diagram" xmlns:o="urn:schemas-microsoft-com:office:office" xmlns:v="urn:schemas-microsoft-com:vml" xmlns:pvml="urn:schemas-microsoft-com:office:powerpoint" xmlns:com="http://schemas.openxmlformats.org/drawingml/2006/compatibility" xmlns:p14="http://schemas.microsoft.com/office/powerpoint/2010/main" showMasterPhAnim="0" showMasterSp="0">
+<p:notes xmlns:a="http://schemas.openxmlformats.org/drawingml/2006/main" xmlns:r="http://schemas.openxmlformats.org/officeDocument/2006/relationships" xmlns:p="http://schemas.openxmlformats.org/presentationml/2006/main" showMasterSp="0" showMasterPhAnim="0">
   <p:cSld>
     <p:spTree>
       <p:nvGrpSpPr>
-        <p:cNvPr id="54" name="Shape 54"/>
+        <p:cNvPr id="1" name="Shape 54"/>
         <p:cNvGrpSpPr/>
         <p:nvPr/>
       </p:nvGrpSpPr>
@@ -415,9 +520,11 @@
       <p:sp>
         <p:nvSpPr>
           <p:cNvPr id="55" name="Shape 55"/>
-          <p:cNvSpPr/>
+          <p:cNvSpPr>
+            <a:spLocks noGrp="1" noRot="1" noChangeAspect="1"/>
+          </p:cNvSpPr>
           <p:nvPr>
-            <p:ph idx="2" type="sldImg"/>
+            <p:ph type="sldImg" idx="2"/>
           </p:nvPr>
         </p:nvSpPr>
         <p:spPr>
@@ -426,8 +533,13 @@
             <a:ext cx="6096299" cy="3429000"/>
           </a:xfrm>
           <a:custGeom>
+            <a:avLst/>
+            <a:gdLst/>
+            <a:ahLst/>
+            <a:cxnLst/>
+            <a:rect l="0" t="0" r="0" b="0"/>
             <a:pathLst>
-              <a:path extrusionOk="0" h="120000" w="120000">
+              <a:path w="120000" h="120000" extrusionOk="0">
                 <a:moveTo>
                   <a:pt x="0" y="0"/>
                 </a:moveTo>
@@ -445,23 +557,25 @@
             </a:pathLst>
           </a:custGeom>
           <a:noFill/>
-          <a:ln cap="flat" cmpd="sng" w="9525">
+          <a:ln w="9525" cap="flat" cmpd="sng">
             <a:solidFill>
               <a:srgbClr val="000000"/>
             </a:solidFill>
             <a:prstDash val="solid"/>
             <a:round/>
-            <a:headEnd len="med" w="med" type="none"/>
-            <a:tailEnd len="med" w="med" type="none"/>
+            <a:headEnd type="none" w="med" len="med"/>
+            <a:tailEnd type="none" w="med" len="med"/>
           </a:ln>
         </p:spPr>
       </p:sp>
       <p:sp>
         <p:nvSpPr>
           <p:cNvPr id="56" name="Shape 56"/>
-          <p:cNvSpPr txBox="1"/>
+          <p:cNvSpPr txBox="1">
+            <a:spLocks noGrp="1"/>
+          </p:cNvSpPr>
           <p:nvPr>
-            <p:ph idx="1" type="body"/>
+            <p:ph type="body" idx="1"/>
           </p:nvPr>
         </p:nvSpPr>
         <p:spPr>
@@ -474,7 +588,7 @@
           </a:prstGeom>
         </p:spPr>
         <p:txBody>
-          <a:bodyPr anchorCtr="0" anchor="t" bIns="91425" lIns="91425" rIns="91425" tIns="91425">
+          <a:bodyPr lIns="91425" tIns="91425" rIns="91425" bIns="91425" anchor="t" anchorCtr="0">
             <a:noAutofit/>
           </a:bodyPr>
           <a:lstStyle/>
@@ -485,9 +599,6 @@
               </a:spcBef>
               <a:buNone/>
             </a:pPr>
-            <a:r>
-              <a:t/>
-            </a:r>
             <a:endParaRPr/>
           </a:p>
         </p:txBody>
@@ -501,11 +612,11 @@
 </file>
 
 <file path=ppt/notesSlides/notesSlide10.xml><?xml version="1.0" encoding="utf-8"?>
-<p:notes xmlns:a="http://schemas.openxmlformats.org/drawingml/2006/main" xmlns:r="http://schemas.openxmlformats.org/officeDocument/2006/relationships" xmlns:mc="http://schemas.openxmlformats.org/markup-compatibility/2006" xmlns:mv="urn:schemas-microsoft-com:mac:vml" xmlns:p="http://schemas.openxmlformats.org/presentationml/2006/main" xmlns:c="http://schemas.openxmlformats.org/drawingml/2006/chart" xmlns:dgm="http://schemas.openxmlformats.org/drawingml/2006/diagram" xmlns:o="urn:schemas-microsoft-com:office:office" xmlns:v="urn:schemas-microsoft-com:vml" xmlns:pvml="urn:schemas-microsoft-com:office:powerpoint" xmlns:com="http://schemas.openxmlformats.org/drawingml/2006/compatibility" xmlns:p14="http://schemas.microsoft.com/office/powerpoint/2010/main" showMasterPhAnim="0" showMasterSp="0">
+<p:notes xmlns:a="http://schemas.openxmlformats.org/drawingml/2006/main" xmlns:r="http://schemas.openxmlformats.org/officeDocument/2006/relationships" xmlns:p="http://schemas.openxmlformats.org/presentationml/2006/main" showMasterSp="0" showMasterPhAnim="0">
   <p:cSld>
     <p:spTree>
       <p:nvGrpSpPr>
-        <p:cNvPr id="122" name="Shape 122"/>
+        <p:cNvPr id="1" name="Shape 120"/>
         <p:cNvGrpSpPr/>
         <p:nvPr/>
       </p:nvGrpSpPr>
@@ -519,10 +630,12 @@
       </p:grpSpPr>
       <p:sp>
         <p:nvSpPr>
-          <p:cNvPr id="123" name="Shape 123"/>
-          <p:cNvSpPr/>
+          <p:cNvPr id="121" name="Shape 121"/>
+          <p:cNvSpPr>
+            <a:spLocks noGrp="1" noRot="1" noChangeAspect="1"/>
+          </p:cNvSpPr>
           <p:nvPr>
-            <p:ph idx="2" type="sldImg"/>
+            <p:ph type="sldImg" idx="2"/>
           </p:nvPr>
         </p:nvSpPr>
         <p:spPr>
@@ -531,8 +644,13 @@
             <a:ext cx="6096299" cy="3429000"/>
           </a:xfrm>
           <a:custGeom>
+            <a:avLst/>
+            <a:gdLst/>
+            <a:ahLst/>
+            <a:cxnLst/>
+            <a:rect l="0" t="0" r="0" b="0"/>
             <a:pathLst>
-              <a:path extrusionOk="0" h="120000" w="120000">
+              <a:path w="120000" h="120000" extrusionOk="0">
                 <a:moveTo>
                   <a:pt x="0" y="0"/>
                 </a:moveTo>
@@ -550,23 +668,25 @@
             </a:pathLst>
           </a:custGeom>
           <a:noFill/>
-          <a:ln cap="flat" cmpd="sng" w="9525">
+          <a:ln w="9525" cap="flat" cmpd="sng">
             <a:solidFill>
               <a:srgbClr val="000000"/>
             </a:solidFill>
             <a:prstDash val="solid"/>
             <a:round/>
-            <a:headEnd len="med" w="med" type="none"/>
-            <a:tailEnd len="med" w="med" type="none"/>
+            <a:headEnd type="none" w="med" len="med"/>
+            <a:tailEnd type="none" w="med" len="med"/>
           </a:ln>
         </p:spPr>
       </p:sp>
       <p:sp>
         <p:nvSpPr>
-          <p:cNvPr id="124" name="Shape 124"/>
-          <p:cNvSpPr txBox="1"/>
+          <p:cNvPr id="122" name="Shape 122"/>
+          <p:cNvSpPr txBox="1">
+            <a:spLocks noGrp="1"/>
+          </p:cNvSpPr>
           <p:nvPr>
-            <p:ph idx="1" type="body"/>
+            <p:ph type="body" idx="1"/>
           </p:nvPr>
         </p:nvSpPr>
         <p:spPr>
@@ -579,7 +699,7 @@
           </a:prstGeom>
         </p:spPr>
         <p:txBody>
-          <a:bodyPr anchorCtr="0" anchor="t" bIns="91425" lIns="91425" rIns="91425" tIns="91425">
+          <a:bodyPr lIns="91425" tIns="91425" rIns="91425" bIns="91425" anchor="t" anchorCtr="0">
             <a:noAutofit/>
           </a:bodyPr>
           <a:lstStyle/>
@@ -590,9 +710,6 @@
               </a:spcBef>
               <a:buNone/>
             </a:pPr>
-            <a:r>
-              <a:t/>
-            </a:r>
             <a:endParaRPr/>
           </a:p>
         </p:txBody>
@@ -606,11 +723,11 @@
 </file>
 
 <file path=ppt/notesSlides/notesSlide11.xml><?xml version="1.0" encoding="utf-8"?>
-<p:notes xmlns:a="http://schemas.openxmlformats.org/drawingml/2006/main" xmlns:r="http://schemas.openxmlformats.org/officeDocument/2006/relationships" xmlns:mc="http://schemas.openxmlformats.org/markup-compatibility/2006" xmlns:mv="urn:schemas-microsoft-com:mac:vml" xmlns:p="http://schemas.openxmlformats.org/presentationml/2006/main" xmlns:c="http://schemas.openxmlformats.org/drawingml/2006/chart" xmlns:dgm="http://schemas.openxmlformats.org/drawingml/2006/diagram" xmlns:o="urn:schemas-microsoft-com:office:office" xmlns:v="urn:schemas-microsoft-com:vml" xmlns:pvml="urn:schemas-microsoft-com:office:powerpoint" xmlns:com="http://schemas.openxmlformats.org/drawingml/2006/compatibility" xmlns:p14="http://schemas.microsoft.com/office/powerpoint/2010/main" showMasterPhAnim="0" showMasterSp="0">
+<p:notes xmlns:a="http://schemas.openxmlformats.org/drawingml/2006/main" xmlns:r="http://schemas.openxmlformats.org/officeDocument/2006/relationships" xmlns:p="http://schemas.openxmlformats.org/presentationml/2006/main" showMasterSp="0" showMasterPhAnim="0">
   <p:cSld>
     <p:spTree>
       <p:nvGrpSpPr>
-        <p:cNvPr id="129" name="Shape 129"/>
+        <p:cNvPr id="1" name="Shape 127"/>
         <p:cNvGrpSpPr/>
         <p:nvPr/>
       </p:nvGrpSpPr>
@@ -624,10 +741,12 @@
       </p:grpSpPr>
       <p:sp>
         <p:nvSpPr>
-          <p:cNvPr id="130" name="Shape 130"/>
-          <p:cNvSpPr/>
+          <p:cNvPr id="128" name="Shape 128"/>
+          <p:cNvSpPr>
+            <a:spLocks noGrp="1" noRot="1" noChangeAspect="1"/>
+          </p:cNvSpPr>
           <p:nvPr>
-            <p:ph idx="2" type="sldImg"/>
+            <p:ph type="sldImg" idx="2"/>
           </p:nvPr>
         </p:nvSpPr>
         <p:spPr>
@@ -636,8 +755,13 @@
             <a:ext cx="6096299" cy="3429000"/>
           </a:xfrm>
           <a:custGeom>
+            <a:avLst/>
+            <a:gdLst/>
+            <a:ahLst/>
+            <a:cxnLst/>
+            <a:rect l="0" t="0" r="0" b="0"/>
             <a:pathLst>
-              <a:path extrusionOk="0" h="120000" w="120000">
+              <a:path w="120000" h="120000" extrusionOk="0">
                 <a:moveTo>
                   <a:pt x="0" y="0"/>
                 </a:moveTo>
@@ -655,23 +779,25 @@
             </a:pathLst>
           </a:custGeom>
           <a:noFill/>
-          <a:ln cap="flat" cmpd="sng" w="9525">
+          <a:ln w="9525" cap="flat" cmpd="sng">
             <a:solidFill>
               <a:srgbClr val="000000"/>
             </a:solidFill>
             <a:prstDash val="solid"/>
             <a:round/>
-            <a:headEnd len="med" w="med" type="none"/>
-            <a:tailEnd len="med" w="med" type="none"/>
+            <a:headEnd type="none" w="med" len="med"/>
+            <a:tailEnd type="none" w="med" len="med"/>
           </a:ln>
         </p:spPr>
       </p:sp>
       <p:sp>
         <p:nvSpPr>
-          <p:cNvPr id="131" name="Shape 131"/>
-          <p:cNvSpPr txBox="1"/>
+          <p:cNvPr id="129" name="Shape 129"/>
+          <p:cNvSpPr txBox="1">
+            <a:spLocks noGrp="1"/>
+          </p:cNvSpPr>
           <p:nvPr>
-            <p:ph idx="1" type="body"/>
+            <p:ph type="body" idx="1"/>
           </p:nvPr>
         </p:nvSpPr>
         <p:spPr>
@@ -684,7 +810,7 @@
           </a:prstGeom>
         </p:spPr>
         <p:txBody>
-          <a:bodyPr anchorCtr="0" anchor="t" bIns="91425" lIns="91425" rIns="91425" tIns="91425">
+          <a:bodyPr lIns="91425" tIns="91425" rIns="91425" bIns="91425" anchor="t" anchorCtr="0">
             <a:noAutofit/>
           </a:bodyPr>
           <a:lstStyle/>
@@ -695,9 +821,6 @@
               </a:spcBef>
               <a:buNone/>
             </a:pPr>
-            <a:r>
-              <a:t/>
-            </a:r>
             <a:endParaRPr/>
           </a:p>
         </p:txBody>
@@ -711,11 +834,11 @@
 </file>
 
 <file path=ppt/notesSlides/notesSlide12.xml><?xml version="1.0" encoding="utf-8"?>
-<p:notes xmlns:a="http://schemas.openxmlformats.org/drawingml/2006/main" xmlns:r="http://schemas.openxmlformats.org/officeDocument/2006/relationships" xmlns:mc="http://schemas.openxmlformats.org/markup-compatibility/2006" xmlns:mv="urn:schemas-microsoft-com:mac:vml" xmlns:p="http://schemas.openxmlformats.org/presentationml/2006/main" xmlns:c="http://schemas.openxmlformats.org/drawingml/2006/chart" xmlns:dgm="http://schemas.openxmlformats.org/drawingml/2006/diagram" xmlns:o="urn:schemas-microsoft-com:office:office" xmlns:v="urn:schemas-microsoft-com:vml" xmlns:pvml="urn:schemas-microsoft-com:office:powerpoint" xmlns:com="http://schemas.openxmlformats.org/drawingml/2006/compatibility" xmlns:p14="http://schemas.microsoft.com/office/powerpoint/2010/main" showMasterPhAnim="0" showMasterSp="0">
+<p:notes xmlns:a="http://schemas.openxmlformats.org/drawingml/2006/main" xmlns:r="http://schemas.openxmlformats.org/officeDocument/2006/relationships" xmlns:p="http://schemas.openxmlformats.org/presentationml/2006/main" showMasterSp="0" showMasterPhAnim="0">
   <p:cSld>
     <p:spTree>
       <p:nvGrpSpPr>
-        <p:cNvPr id="136" name="Shape 136"/>
+        <p:cNvPr id="1" name="Shape 134"/>
         <p:cNvGrpSpPr/>
         <p:nvPr/>
       </p:nvGrpSpPr>
@@ -729,10 +852,12 @@
       </p:grpSpPr>
       <p:sp>
         <p:nvSpPr>
-          <p:cNvPr id="137" name="Shape 137"/>
-          <p:cNvSpPr/>
+          <p:cNvPr id="135" name="Shape 135"/>
+          <p:cNvSpPr>
+            <a:spLocks noGrp="1" noRot="1" noChangeAspect="1"/>
+          </p:cNvSpPr>
           <p:nvPr>
-            <p:ph idx="2" type="sldImg"/>
+            <p:ph type="sldImg" idx="2"/>
           </p:nvPr>
         </p:nvSpPr>
         <p:spPr>
@@ -741,8 +866,13 @@
             <a:ext cx="6096299" cy="3429000"/>
           </a:xfrm>
           <a:custGeom>
+            <a:avLst/>
+            <a:gdLst/>
+            <a:ahLst/>
+            <a:cxnLst/>
+            <a:rect l="0" t="0" r="0" b="0"/>
             <a:pathLst>
-              <a:path extrusionOk="0" h="120000" w="120000">
+              <a:path w="120000" h="120000" extrusionOk="0">
                 <a:moveTo>
                   <a:pt x="0" y="0"/>
                 </a:moveTo>
@@ -760,23 +890,25 @@
             </a:pathLst>
           </a:custGeom>
           <a:noFill/>
-          <a:ln cap="flat" cmpd="sng" w="9525">
+          <a:ln w="9525" cap="flat" cmpd="sng">
             <a:solidFill>
               <a:srgbClr val="000000"/>
             </a:solidFill>
             <a:prstDash val="solid"/>
             <a:round/>
-            <a:headEnd len="med" w="med" type="none"/>
-            <a:tailEnd len="med" w="med" type="none"/>
+            <a:headEnd type="none" w="med" len="med"/>
+            <a:tailEnd type="none" w="med" len="med"/>
           </a:ln>
         </p:spPr>
       </p:sp>
       <p:sp>
         <p:nvSpPr>
-          <p:cNvPr id="138" name="Shape 138"/>
-          <p:cNvSpPr txBox="1"/>
+          <p:cNvPr id="136" name="Shape 136"/>
+          <p:cNvSpPr txBox="1">
+            <a:spLocks noGrp="1"/>
+          </p:cNvSpPr>
           <p:nvPr>
-            <p:ph idx="1" type="body"/>
+            <p:ph type="body" idx="1"/>
           </p:nvPr>
         </p:nvSpPr>
         <p:spPr>
@@ -789,7 +921,7 @@
           </a:prstGeom>
         </p:spPr>
         <p:txBody>
-          <a:bodyPr anchorCtr="0" anchor="t" bIns="91425" lIns="91425" rIns="91425" tIns="91425">
+          <a:bodyPr lIns="91425" tIns="91425" rIns="91425" bIns="91425" anchor="t" anchorCtr="0">
             <a:noAutofit/>
           </a:bodyPr>
           <a:lstStyle/>
@@ -800,9 +932,6 @@
               </a:spcBef>
               <a:buNone/>
             </a:pPr>
-            <a:r>
-              <a:t/>
-            </a:r>
             <a:endParaRPr/>
           </a:p>
         </p:txBody>
@@ -815,12 +944,12 @@
 </p:notes>
 </file>
 
-<file path=ppt/notesSlides/notesSlide13.xml><?xml version="1.0" encoding="utf-8"?>
-<p:notes xmlns:a="http://schemas.openxmlformats.org/drawingml/2006/main" xmlns:r="http://schemas.openxmlformats.org/officeDocument/2006/relationships" xmlns:mc="http://schemas.openxmlformats.org/markup-compatibility/2006" xmlns:mv="urn:schemas-microsoft-com:mac:vml" xmlns:p="http://schemas.openxmlformats.org/presentationml/2006/main" xmlns:c="http://schemas.openxmlformats.org/drawingml/2006/chart" xmlns:dgm="http://schemas.openxmlformats.org/drawingml/2006/diagram" xmlns:o="urn:schemas-microsoft-com:office:office" xmlns:v="urn:schemas-microsoft-com:vml" xmlns:pvml="urn:schemas-microsoft-com:office:powerpoint" xmlns:com="http://schemas.openxmlformats.org/drawingml/2006/compatibility" xmlns:p14="http://schemas.microsoft.com/office/powerpoint/2010/main" showMasterPhAnim="0" showMasterSp="0">
+<file path=ppt/notesSlides/notesSlide2.xml><?xml version="1.0" encoding="utf-8"?>
+<p:notes xmlns:a="http://schemas.openxmlformats.org/drawingml/2006/main" xmlns:r="http://schemas.openxmlformats.org/officeDocument/2006/relationships" xmlns:p="http://schemas.openxmlformats.org/presentationml/2006/main" showMasterSp="0" showMasterPhAnim="0">
   <p:cSld>
     <p:spTree>
       <p:nvGrpSpPr>
-        <p:cNvPr id="143" name="Shape 143"/>
+        <p:cNvPr id="1" name="Shape 60"/>
         <p:cNvGrpSpPr/>
         <p:nvPr/>
       </p:nvGrpSpPr>
@@ -834,20 +963,27 @@
       </p:grpSpPr>
       <p:sp>
         <p:nvSpPr>
-          <p:cNvPr id="144" name="Shape 144"/>
-          <p:cNvSpPr/>
+          <p:cNvPr id="61" name="Shape 61"/>
+          <p:cNvSpPr>
+            <a:spLocks noGrp="1" noRot="1" noChangeAspect="1"/>
+          </p:cNvSpPr>
           <p:nvPr>
-            <p:ph idx="2" type="sldImg"/>
+            <p:ph type="sldImg" idx="2"/>
           </p:nvPr>
         </p:nvSpPr>
         <p:spPr>
           <a:xfrm>
-            <a:off x="381300" y="685800"/>
+            <a:off x="381000" y="685800"/>
             <a:ext cx="6096000" cy="3429000"/>
           </a:xfrm>
           <a:custGeom>
+            <a:avLst/>
+            <a:gdLst/>
+            <a:ahLst/>
+            <a:cxnLst/>
+            <a:rect l="0" t="0" r="0" b="0"/>
             <a:pathLst>
-              <a:path extrusionOk="0" h="120000" w="120000">
+              <a:path w="120000" h="120000" extrusionOk="0">
                 <a:moveTo>
                   <a:pt x="0" y="0"/>
                 </a:moveTo>
@@ -865,23 +1001,25 @@
             </a:pathLst>
           </a:custGeom>
           <a:noFill/>
-          <a:ln cap="flat" cmpd="sng" w="9525">
+          <a:ln w="9525" cap="flat" cmpd="sng">
             <a:solidFill>
               <a:srgbClr val="000000"/>
             </a:solidFill>
             <a:prstDash val="solid"/>
             <a:round/>
-            <a:headEnd len="med" w="med" type="none"/>
-            <a:tailEnd len="med" w="med" type="none"/>
+            <a:headEnd type="none" w="med" len="med"/>
+            <a:tailEnd type="none" w="med" len="med"/>
           </a:ln>
         </p:spPr>
       </p:sp>
       <p:sp>
         <p:nvSpPr>
-          <p:cNvPr id="145" name="Shape 145"/>
-          <p:cNvSpPr txBox="1"/>
+          <p:cNvPr id="62" name="Shape 62"/>
+          <p:cNvSpPr txBox="1">
+            <a:spLocks noGrp="1"/>
+          </p:cNvSpPr>
           <p:nvPr>
-            <p:ph idx="1" type="body"/>
+            <p:ph type="body" idx="1"/>
           </p:nvPr>
         </p:nvSpPr>
         <p:spPr>
@@ -894,7 +1032,7 @@
           </a:prstGeom>
         </p:spPr>
         <p:txBody>
-          <a:bodyPr anchorCtr="0" anchor="t" bIns="91425" lIns="91425" rIns="91425" tIns="91425">
+          <a:bodyPr lIns="91425" tIns="91425" rIns="91425" bIns="91425" anchor="t" anchorCtr="0">
             <a:noAutofit/>
           </a:bodyPr>
           <a:lstStyle/>
@@ -905,9 +1043,6 @@
               </a:spcBef>
               <a:buNone/>
             </a:pPr>
-            <a:r>
-              <a:t/>
-            </a:r>
             <a:endParaRPr/>
           </a:p>
         </p:txBody>
@@ -920,12 +1055,12 @@
 </p:notes>
 </file>
 
-<file path=ppt/notesSlides/notesSlide2.xml><?xml version="1.0" encoding="utf-8"?>
-<p:notes xmlns:a="http://schemas.openxmlformats.org/drawingml/2006/main" xmlns:r="http://schemas.openxmlformats.org/officeDocument/2006/relationships" xmlns:mc="http://schemas.openxmlformats.org/markup-compatibility/2006" xmlns:mv="urn:schemas-microsoft-com:mac:vml" xmlns:p="http://schemas.openxmlformats.org/presentationml/2006/main" xmlns:c="http://schemas.openxmlformats.org/drawingml/2006/chart" xmlns:dgm="http://schemas.openxmlformats.org/drawingml/2006/diagram" xmlns:o="urn:schemas-microsoft-com:office:office" xmlns:v="urn:schemas-microsoft-com:vml" xmlns:pvml="urn:schemas-microsoft-com:office:powerpoint" xmlns:com="http://schemas.openxmlformats.org/drawingml/2006/compatibility" xmlns:p14="http://schemas.microsoft.com/office/powerpoint/2010/main" showMasterPhAnim="0" showMasterSp="0">
+<file path=ppt/notesSlides/notesSlide3.xml><?xml version="1.0" encoding="utf-8"?>
+<p:notes xmlns:a="http://schemas.openxmlformats.org/drawingml/2006/main" xmlns:r="http://schemas.openxmlformats.org/officeDocument/2006/relationships" xmlns:p="http://schemas.openxmlformats.org/presentationml/2006/main" showMasterSp="0" showMasterPhAnim="0">
   <p:cSld>
     <p:spTree>
       <p:nvGrpSpPr>
-        <p:cNvPr id="60" name="Shape 60"/>
+        <p:cNvPr id="1" name="Shape 69"/>
         <p:cNvGrpSpPr/>
         <p:nvPr/>
       </p:nvGrpSpPr>
@@ -939,20 +1074,27 @@
       </p:grpSpPr>
       <p:sp>
         <p:nvSpPr>
-          <p:cNvPr id="61" name="Shape 61"/>
-          <p:cNvSpPr/>
+          <p:cNvPr id="70" name="Shape 70"/>
+          <p:cNvSpPr>
+            <a:spLocks noGrp="1" noRot="1" noChangeAspect="1"/>
+          </p:cNvSpPr>
           <p:nvPr>
-            <p:ph idx="2" type="sldImg"/>
+            <p:ph type="sldImg" idx="2"/>
           </p:nvPr>
         </p:nvSpPr>
         <p:spPr>
           <a:xfrm>
-            <a:off x="381187" y="685800"/>
-            <a:ext cx="6096299" cy="3429000"/>
+            <a:off x="381000" y="685800"/>
+            <a:ext cx="6096000" cy="3429000"/>
           </a:xfrm>
           <a:custGeom>
+            <a:avLst/>
+            <a:gdLst/>
+            <a:ahLst/>
+            <a:cxnLst/>
+            <a:rect l="0" t="0" r="0" b="0"/>
             <a:pathLst>
-              <a:path extrusionOk="0" h="120000" w="120000">
+              <a:path w="120000" h="120000" extrusionOk="0">
                 <a:moveTo>
                   <a:pt x="0" y="0"/>
                 </a:moveTo>
@@ -970,23 +1112,25 @@
             </a:pathLst>
           </a:custGeom>
           <a:noFill/>
-          <a:ln cap="flat" cmpd="sng" w="9525">
+          <a:ln w="9525" cap="flat" cmpd="sng">
             <a:solidFill>
               <a:srgbClr val="000000"/>
             </a:solidFill>
             <a:prstDash val="solid"/>
             <a:round/>
-            <a:headEnd len="med" w="med" type="none"/>
-            <a:tailEnd len="med" w="med" type="none"/>
+            <a:headEnd type="none" w="med" len="med"/>
+            <a:tailEnd type="none" w="med" len="med"/>
           </a:ln>
         </p:spPr>
       </p:sp>
       <p:sp>
         <p:nvSpPr>
-          <p:cNvPr id="62" name="Shape 62"/>
-          <p:cNvSpPr txBox="1"/>
+          <p:cNvPr id="71" name="Shape 71"/>
+          <p:cNvSpPr txBox="1">
+            <a:spLocks noGrp="1"/>
+          </p:cNvSpPr>
           <p:nvPr>
-            <p:ph idx="1" type="body"/>
+            <p:ph type="body" idx="1"/>
           </p:nvPr>
         </p:nvSpPr>
         <p:spPr>
@@ -999,7 +1143,7 @@
           </a:prstGeom>
         </p:spPr>
         <p:txBody>
-          <a:bodyPr anchorCtr="0" anchor="t" bIns="91425" lIns="91425" rIns="91425" tIns="91425">
+          <a:bodyPr lIns="91425" tIns="91425" rIns="91425" bIns="91425" anchor="t" anchorCtr="0">
             <a:noAutofit/>
           </a:bodyPr>
           <a:lstStyle/>
@@ -1010,9 +1154,6 @@
               </a:spcBef>
               <a:buNone/>
             </a:pPr>
-            <a:r>
-              <a:t/>
-            </a:r>
             <a:endParaRPr/>
           </a:p>
         </p:txBody>
@@ -1025,12 +1166,12 @@
 </p:notes>
 </file>
 
-<file path=ppt/notesSlides/notesSlide3.xml><?xml version="1.0" encoding="utf-8"?>
-<p:notes xmlns:a="http://schemas.openxmlformats.org/drawingml/2006/main" xmlns:r="http://schemas.openxmlformats.org/officeDocument/2006/relationships" xmlns:mc="http://schemas.openxmlformats.org/markup-compatibility/2006" xmlns:mv="urn:schemas-microsoft-com:mac:vml" xmlns:p="http://schemas.openxmlformats.org/presentationml/2006/main" xmlns:c="http://schemas.openxmlformats.org/drawingml/2006/chart" xmlns:dgm="http://schemas.openxmlformats.org/drawingml/2006/diagram" xmlns:o="urn:schemas-microsoft-com:office:office" xmlns:v="urn:schemas-microsoft-com:vml" xmlns:pvml="urn:schemas-microsoft-com:office:powerpoint" xmlns:com="http://schemas.openxmlformats.org/drawingml/2006/compatibility" xmlns:p14="http://schemas.microsoft.com/office/powerpoint/2010/main" showMasterPhAnim="0" showMasterSp="0">
+<file path=ppt/notesSlides/notesSlide4.xml><?xml version="1.0" encoding="utf-8"?>
+<p:notes xmlns:a="http://schemas.openxmlformats.org/drawingml/2006/main" xmlns:r="http://schemas.openxmlformats.org/officeDocument/2006/relationships" xmlns:p="http://schemas.openxmlformats.org/presentationml/2006/main" showMasterSp="0" showMasterPhAnim="0">
   <p:cSld>
     <p:spTree>
       <p:nvGrpSpPr>
-        <p:cNvPr id="69" name="Shape 69"/>
+        <p:cNvPr id="1" name="Shape 76"/>
         <p:cNvGrpSpPr/>
         <p:nvPr/>
       </p:nvGrpSpPr>
@@ -1044,20 +1185,27 @@
       </p:grpSpPr>
       <p:sp>
         <p:nvSpPr>
-          <p:cNvPr id="70" name="Shape 70"/>
-          <p:cNvSpPr/>
+          <p:cNvPr id="77" name="Shape 77"/>
+          <p:cNvSpPr>
+            <a:spLocks noGrp="1" noRot="1" noChangeAspect="1"/>
+          </p:cNvSpPr>
           <p:nvPr>
-            <p:ph idx="2" type="sldImg"/>
+            <p:ph type="sldImg" idx="2"/>
           </p:nvPr>
         </p:nvSpPr>
         <p:spPr>
           <a:xfrm>
-            <a:off x="381187" y="685800"/>
-            <a:ext cx="6096299" cy="3429000"/>
+            <a:off x="381000" y="685800"/>
+            <a:ext cx="6096000" cy="3429000"/>
           </a:xfrm>
           <a:custGeom>
+            <a:avLst/>
+            <a:gdLst/>
+            <a:ahLst/>
+            <a:cxnLst/>
+            <a:rect l="0" t="0" r="0" b="0"/>
             <a:pathLst>
-              <a:path extrusionOk="0" h="120000" w="120000">
+              <a:path w="120000" h="120000" extrusionOk="0">
                 <a:moveTo>
                   <a:pt x="0" y="0"/>
                 </a:moveTo>
@@ -1075,23 +1223,25 @@
             </a:pathLst>
           </a:custGeom>
           <a:noFill/>
-          <a:ln cap="flat" cmpd="sng" w="9525">
+          <a:ln w="9525" cap="flat" cmpd="sng">
             <a:solidFill>
               <a:srgbClr val="000000"/>
             </a:solidFill>
             <a:prstDash val="solid"/>
             <a:round/>
-            <a:headEnd len="med" w="med" type="none"/>
-            <a:tailEnd len="med" w="med" type="none"/>
+            <a:headEnd type="none" w="med" len="med"/>
+            <a:tailEnd type="none" w="med" len="med"/>
           </a:ln>
         </p:spPr>
       </p:sp>
       <p:sp>
         <p:nvSpPr>
-          <p:cNvPr id="71" name="Shape 71"/>
-          <p:cNvSpPr txBox="1"/>
+          <p:cNvPr id="78" name="Shape 78"/>
+          <p:cNvSpPr txBox="1">
+            <a:spLocks noGrp="1"/>
+          </p:cNvSpPr>
           <p:nvPr>
-            <p:ph idx="1" type="body"/>
+            <p:ph type="body" idx="1"/>
           </p:nvPr>
         </p:nvSpPr>
         <p:spPr>
@@ -1104,20 +1254,17 @@
           </a:prstGeom>
         </p:spPr>
         <p:txBody>
-          <a:bodyPr anchorCtr="0" anchor="t" bIns="91425" lIns="91425" rIns="91425" tIns="91425">
+          <a:bodyPr lIns="91425" tIns="91425" rIns="91425" bIns="91425" anchor="t" anchorCtr="0">
             <a:noAutofit/>
           </a:bodyPr>
           <a:lstStyle/>
           <a:p>
-            <a:pPr>
+            <a:pPr lvl="0" rtl="0">
               <a:spcBef>
                 <a:spcPts val="0"/>
               </a:spcBef>
               <a:buNone/>
             </a:pPr>
-            <a:r>
-              <a:t/>
-            </a:r>
             <a:endParaRPr/>
           </a:p>
         </p:txBody>
@@ -1130,12 +1277,12 @@
 </p:notes>
 </file>
 
-<file path=ppt/notesSlides/notesSlide4.xml><?xml version="1.0" encoding="utf-8"?>
-<p:notes xmlns:a="http://schemas.openxmlformats.org/drawingml/2006/main" xmlns:r="http://schemas.openxmlformats.org/officeDocument/2006/relationships" xmlns:mc="http://schemas.openxmlformats.org/markup-compatibility/2006" xmlns:mv="urn:schemas-microsoft-com:mac:vml" xmlns:p="http://schemas.openxmlformats.org/presentationml/2006/main" xmlns:c="http://schemas.openxmlformats.org/drawingml/2006/chart" xmlns:dgm="http://schemas.openxmlformats.org/drawingml/2006/diagram" xmlns:o="urn:schemas-microsoft-com:office:office" xmlns:v="urn:schemas-microsoft-com:vml" xmlns:pvml="urn:schemas-microsoft-com:office:powerpoint" xmlns:com="http://schemas.openxmlformats.org/drawingml/2006/compatibility" xmlns:p14="http://schemas.microsoft.com/office/powerpoint/2010/main" showMasterPhAnim="0" showMasterSp="0">
+<file path=ppt/notesSlides/notesSlide5.xml><?xml version="1.0" encoding="utf-8"?>
+<p:notes xmlns:a="http://schemas.openxmlformats.org/drawingml/2006/main" xmlns:r="http://schemas.openxmlformats.org/officeDocument/2006/relationships" xmlns:p="http://schemas.openxmlformats.org/presentationml/2006/main" showMasterSp="0" showMasterPhAnim="0">
   <p:cSld>
     <p:spTree>
       <p:nvGrpSpPr>
-        <p:cNvPr id="76" name="Shape 76"/>
+        <p:cNvPr id="1" name="Shape 85"/>
         <p:cNvGrpSpPr/>
         <p:nvPr/>
       </p:nvGrpSpPr>
@@ -1149,20 +1296,27 @@
       </p:grpSpPr>
       <p:sp>
         <p:nvSpPr>
-          <p:cNvPr id="77" name="Shape 77"/>
-          <p:cNvSpPr/>
+          <p:cNvPr id="86" name="Shape 86"/>
+          <p:cNvSpPr>
+            <a:spLocks noGrp="1" noRot="1" noChangeAspect="1"/>
+          </p:cNvSpPr>
           <p:nvPr>
-            <p:ph idx="2" type="sldImg"/>
+            <p:ph type="sldImg" idx="2"/>
           </p:nvPr>
         </p:nvSpPr>
         <p:spPr>
           <a:xfrm>
-            <a:off x="381187" y="685800"/>
-            <a:ext cx="6096299" cy="3429000"/>
+            <a:off x="381000" y="685800"/>
+            <a:ext cx="6096000" cy="3429000"/>
           </a:xfrm>
           <a:custGeom>
+            <a:avLst/>
+            <a:gdLst/>
+            <a:ahLst/>
+            <a:cxnLst/>
+            <a:rect l="0" t="0" r="0" b="0"/>
             <a:pathLst>
-              <a:path extrusionOk="0" h="120000" w="120000">
+              <a:path w="120000" h="120000" extrusionOk="0">
                 <a:moveTo>
                   <a:pt x="0" y="0"/>
                 </a:moveTo>
@@ -1180,23 +1334,25 @@
             </a:pathLst>
           </a:custGeom>
           <a:noFill/>
-          <a:ln cap="flat" cmpd="sng" w="9525">
+          <a:ln w="9525" cap="flat" cmpd="sng">
             <a:solidFill>
               <a:srgbClr val="000000"/>
             </a:solidFill>
             <a:prstDash val="solid"/>
             <a:round/>
-            <a:headEnd len="med" w="med" type="none"/>
-            <a:tailEnd len="med" w="med" type="none"/>
+            <a:headEnd type="none" w="med" len="med"/>
+            <a:tailEnd type="none" w="med" len="med"/>
           </a:ln>
         </p:spPr>
       </p:sp>
       <p:sp>
         <p:nvSpPr>
-          <p:cNvPr id="78" name="Shape 78"/>
-          <p:cNvSpPr txBox="1"/>
+          <p:cNvPr id="87" name="Shape 87"/>
+          <p:cNvSpPr txBox="1">
+            <a:spLocks noGrp="1"/>
+          </p:cNvSpPr>
           <p:nvPr>
-            <p:ph idx="1" type="body"/>
+            <p:ph type="body" idx="1"/>
           </p:nvPr>
         </p:nvSpPr>
         <p:spPr>
@@ -1209,7 +1365,7 @@
           </a:prstGeom>
         </p:spPr>
         <p:txBody>
-          <a:bodyPr anchorCtr="0" anchor="t" bIns="91425" lIns="91425" rIns="91425" tIns="91425">
+          <a:bodyPr lIns="91425" tIns="91425" rIns="91425" bIns="91425" anchor="t" anchorCtr="0">
             <a:noAutofit/>
           </a:bodyPr>
           <a:lstStyle/>
@@ -1220,9 +1376,6 @@
               </a:spcBef>
               <a:buNone/>
             </a:pPr>
-            <a:r>
-              <a:t/>
-            </a:r>
             <a:endParaRPr/>
           </a:p>
         </p:txBody>
@@ -1235,12 +1388,12 @@
 </p:notes>
 </file>
 
-<file path=ppt/notesSlides/notesSlide5.xml><?xml version="1.0" encoding="utf-8"?>
-<p:notes xmlns:a="http://schemas.openxmlformats.org/drawingml/2006/main" xmlns:r="http://schemas.openxmlformats.org/officeDocument/2006/relationships" xmlns:mc="http://schemas.openxmlformats.org/markup-compatibility/2006" xmlns:mv="urn:schemas-microsoft-com:mac:vml" xmlns:p="http://schemas.openxmlformats.org/presentationml/2006/main" xmlns:c="http://schemas.openxmlformats.org/drawingml/2006/chart" xmlns:dgm="http://schemas.openxmlformats.org/drawingml/2006/diagram" xmlns:o="urn:schemas-microsoft-com:office:office" xmlns:v="urn:schemas-microsoft-com:vml" xmlns:pvml="urn:schemas-microsoft-com:office:powerpoint" xmlns:com="http://schemas.openxmlformats.org/drawingml/2006/compatibility" xmlns:p14="http://schemas.microsoft.com/office/powerpoint/2010/main" showMasterPhAnim="0" showMasterSp="0">
+<file path=ppt/notesSlides/notesSlide6.xml><?xml version="1.0" encoding="utf-8"?>
+<p:notes xmlns:a="http://schemas.openxmlformats.org/drawingml/2006/main" xmlns:r="http://schemas.openxmlformats.org/officeDocument/2006/relationships" xmlns:p="http://schemas.openxmlformats.org/presentationml/2006/main" showMasterSp="0" showMasterPhAnim="0">
   <p:cSld>
     <p:spTree>
       <p:nvGrpSpPr>
-        <p:cNvPr id="85" name="Shape 85"/>
+        <p:cNvPr id="1" name="Shape 93"/>
         <p:cNvGrpSpPr/>
         <p:nvPr/>
       </p:nvGrpSpPr>
@@ -1254,20 +1407,27 @@
       </p:grpSpPr>
       <p:sp>
         <p:nvSpPr>
-          <p:cNvPr id="86" name="Shape 86"/>
-          <p:cNvSpPr/>
+          <p:cNvPr id="94" name="Shape 94"/>
+          <p:cNvSpPr>
+            <a:spLocks noGrp="1" noRot="1" noChangeAspect="1"/>
+          </p:cNvSpPr>
           <p:nvPr>
-            <p:ph idx="2" type="sldImg"/>
+            <p:ph type="sldImg" idx="2"/>
           </p:nvPr>
         </p:nvSpPr>
         <p:spPr>
           <a:xfrm>
-            <a:off x="381187" y="685800"/>
-            <a:ext cx="6096299" cy="3429000"/>
+            <a:off x="381000" y="685800"/>
+            <a:ext cx="6096000" cy="3429000"/>
           </a:xfrm>
           <a:custGeom>
+            <a:avLst/>
+            <a:gdLst/>
+            <a:ahLst/>
+            <a:cxnLst/>
+            <a:rect l="0" t="0" r="0" b="0"/>
             <a:pathLst>
-              <a:path extrusionOk="0" h="120000" w="120000">
+              <a:path w="120000" h="120000" extrusionOk="0">
                 <a:moveTo>
                   <a:pt x="0" y="0"/>
                 </a:moveTo>
@@ -1285,23 +1445,25 @@
             </a:pathLst>
           </a:custGeom>
           <a:noFill/>
-          <a:ln cap="flat" cmpd="sng" w="9525">
+          <a:ln w="9525" cap="flat" cmpd="sng">
             <a:solidFill>
               <a:srgbClr val="000000"/>
             </a:solidFill>
             <a:prstDash val="solid"/>
             <a:round/>
-            <a:headEnd len="med" w="med" type="none"/>
-            <a:tailEnd len="med" w="med" type="none"/>
+            <a:headEnd type="none" w="med" len="med"/>
+            <a:tailEnd type="none" w="med" len="med"/>
           </a:ln>
         </p:spPr>
       </p:sp>
       <p:sp>
         <p:nvSpPr>
-          <p:cNvPr id="87" name="Shape 87"/>
-          <p:cNvSpPr txBox="1"/>
+          <p:cNvPr id="95" name="Shape 95"/>
+          <p:cNvSpPr txBox="1">
+            <a:spLocks noGrp="1"/>
+          </p:cNvSpPr>
           <p:nvPr>
-            <p:ph idx="1" type="body"/>
+            <p:ph type="body" idx="1"/>
           </p:nvPr>
         </p:nvSpPr>
         <p:spPr>
@@ -1314,7 +1476,7 @@
           </a:prstGeom>
         </p:spPr>
         <p:txBody>
-          <a:bodyPr anchorCtr="0" anchor="t" bIns="91425" lIns="91425" rIns="91425" tIns="91425">
+          <a:bodyPr lIns="91425" tIns="91425" rIns="91425" bIns="91425" anchor="t" anchorCtr="0">
             <a:noAutofit/>
           </a:bodyPr>
           <a:lstStyle/>
@@ -1325,9 +1487,6 @@
               </a:spcBef>
               <a:buNone/>
             </a:pPr>
-            <a:r>
-              <a:t/>
-            </a:r>
             <a:endParaRPr/>
           </a:p>
         </p:txBody>
@@ -1340,12 +1499,12 @@
 </p:notes>
 </file>
 
-<file path=ppt/notesSlides/notesSlide6.xml><?xml version="1.0" encoding="utf-8"?>
-<p:notes xmlns:a="http://schemas.openxmlformats.org/drawingml/2006/main" xmlns:r="http://schemas.openxmlformats.org/officeDocument/2006/relationships" xmlns:mc="http://schemas.openxmlformats.org/markup-compatibility/2006" xmlns:mv="urn:schemas-microsoft-com:mac:vml" xmlns:p="http://schemas.openxmlformats.org/presentationml/2006/main" xmlns:c="http://schemas.openxmlformats.org/drawingml/2006/chart" xmlns:dgm="http://schemas.openxmlformats.org/drawingml/2006/diagram" xmlns:o="urn:schemas-microsoft-com:office:office" xmlns:v="urn:schemas-microsoft-com:vml" xmlns:pvml="urn:schemas-microsoft-com:office:powerpoint" xmlns:com="http://schemas.openxmlformats.org/drawingml/2006/compatibility" xmlns:p14="http://schemas.microsoft.com/office/powerpoint/2010/main" showMasterPhAnim="0" showMasterSp="0">
+<file path=ppt/notesSlides/notesSlide7.xml><?xml version="1.0" encoding="utf-8"?>
+<p:notes xmlns:a="http://schemas.openxmlformats.org/drawingml/2006/main" xmlns:r="http://schemas.openxmlformats.org/officeDocument/2006/relationships" xmlns:p="http://schemas.openxmlformats.org/presentationml/2006/main" showMasterSp="0" showMasterPhAnim="0">
   <p:cSld>
     <p:spTree>
       <p:nvGrpSpPr>
-        <p:cNvPr id="95" name="Shape 95"/>
+        <p:cNvPr id="1" name="Shape 100"/>
         <p:cNvGrpSpPr/>
         <p:nvPr/>
       </p:nvGrpSpPr>
@@ -1359,20 +1518,27 @@
       </p:grpSpPr>
       <p:sp>
         <p:nvSpPr>
-          <p:cNvPr id="96" name="Shape 96"/>
-          <p:cNvSpPr/>
+          <p:cNvPr id="101" name="Shape 101"/>
+          <p:cNvSpPr>
+            <a:spLocks noGrp="1" noRot="1" noChangeAspect="1"/>
+          </p:cNvSpPr>
           <p:nvPr>
-            <p:ph idx="2" type="sldImg"/>
+            <p:ph type="sldImg" idx="2"/>
           </p:nvPr>
         </p:nvSpPr>
         <p:spPr>
           <a:xfrm>
-            <a:off x="381187" y="685800"/>
-            <a:ext cx="6096299" cy="3429000"/>
+            <a:off x="381000" y="685800"/>
+            <a:ext cx="6096000" cy="3429000"/>
           </a:xfrm>
           <a:custGeom>
+            <a:avLst/>
+            <a:gdLst/>
+            <a:ahLst/>
+            <a:cxnLst/>
+            <a:rect l="0" t="0" r="0" b="0"/>
             <a:pathLst>
-              <a:path extrusionOk="0" h="120000" w="120000">
+              <a:path w="120000" h="120000" extrusionOk="0">
                 <a:moveTo>
                   <a:pt x="0" y="0"/>
                 </a:moveTo>
@@ -1390,23 +1556,25 @@
             </a:pathLst>
           </a:custGeom>
           <a:noFill/>
-          <a:ln cap="flat" cmpd="sng" w="9525">
+          <a:ln w="9525" cap="flat" cmpd="sng">
             <a:solidFill>
               <a:srgbClr val="000000"/>
             </a:solidFill>
             <a:prstDash val="solid"/>
             <a:round/>
-            <a:headEnd len="med" w="med" type="none"/>
-            <a:tailEnd len="med" w="med" type="none"/>
+            <a:headEnd type="none" w="med" len="med"/>
+            <a:tailEnd type="none" w="med" len="med"/>
           </a:ln>
         </p:spPr>
       </p:sp>
       <p:sp>
         <p:nvSpPr>
-          <p:cNvPr id="97" name="Shape 97"/>
-          <p:cNvSpPr txBox="1"/>
+          <p:cNvPr id="102" name="Shape 102"/>
+          <p:cNvSpPr txBox="1">
+            <a:spLocks noGrp="1"/>
+          </p:cNvSpPr>
           <p:nvPr>
-            <p:ph idx="1" type="body"/>
+            <p:ph type="body" idx="1"/>
           </p:nvPr>
         </p:nvSpPr>
         <p:spPr>
@@ -1419,7 +1587,7 @@
           </a:prstGeom>
         </p:spPr>
         <p:txBody>
-          <a:bodyPr anchorCtr="0" anchor="t" bIns="91425" lIns="91425" rIns="91425" tIns="91425">
+          <a:bodyPr lIns="91425" tIns="91425" rIns="91425" bIns="91425" anchor="t" anchorCtr="0">
             <a:noAutofit/>
           </a:bodyPr>
           <a:lstStyle/>
@@ -1430,9 +1598,6 @@
               </a:spcBef>
               <a:buNone/>
             </a:pPr>
-            <a:r>
-              <a:t/>
-            </a:r>
             <a:endParaRPr/>
           </a:p>
         </p:txBody>
@@ -1445,12 +1610,12 @@
 </p:notes>
 </file>
 
-<file path=ppt/notesSlides/notesSlide7.xml><?xml version="1.0" encoding="utf-8"?>
-<p:notes xmlns:a="http://schemas.openxmlformats.org/drawingml/2006/main" xmlns:r="http://schemas.openxmlformats.org/officeDocument/2006/relationships" xmlns:mc="http://schemas.openxmlformats.org/markup-compatibility/2006" xmlns:mv="urn:schemas-microsoft-com:mac:vml" xmlns:p="http://schemas.openxmlformats.org/presentationml/2006/main" xmlns:c="http://schemas.openxmlformats.org/drawingml/2006/chart" xmlns:dgm="http://schemas.openxmlformats.org/drawingml/2006/diagram" xmlns:o="urn:schemas-microsoft-com:office:office" xmlns:v="urn:schemas-microsoft-com:vml" xmlns:pvml="urn:schemas-microsoft-com:office:powerpoint" xmlns:com="http://schemas.openxmlformats.org/drawingml/2006/compatibility" xmlns:p14="http://schemas.microsoft.com/office/powerpoint/2010/main" showMasterPhAnim="0" showMasterSp="0">
+<file path=ppt/notesSlides/notesSlide8.xml><?xml version="1.0" encoding="utf-8"?>
+<p:notes xmlns:a="http://schemas.openxmlformats.org/drawingml/2006/main" xmlns:r="http://schemas.openxmlformats.org/officeDocument/2006/relationships" xmlns:p="http://schemas.openxmlformats.org/presentationml/2006/main" showMasterSp="0" showMasterPhAnim="0">
   <p:cSld>
     <p:spTree>
       <p:nvGrpSpPr>
-        <p:cNvPr id="102" name="Shape 102"/>
+        <p:cNvPr id="1" name="Shape 107"/>
         <p:cNvGrpSpPr/>
         <p:nvPr/>
       </p:nvGrpSpPr>
@@ -1464,20 +1629,27 @@
       </p:grpSpPr>
       <p:sp>
         <p:nvSpPr>
-          <p:cNvPr id="103" name="Shape 103"/>
-          <p:cNvSpPr/>
+          <p:cNvPr id="108" name="Shape 108"/>
+          <p:cNvSpPr>
+            <a:spLocks noGrp="1" noRot="1" noChangeAspect="1"/>
+          </p:cNvSpPr>
           <p:nvPr>
-            <p:ph idx="2" type="sldImg"/>
+            <p:ph type="sldImg" idx="2"/>
           </p:nvPr>
         </p:nvSpPr>
         <p:spPr>
           <a:xfrm>
-            <a:off x="381187" y="685800"/>
-            <a:ext cx="6096299" cy="3429000"/>
+            <a:off x="381000" y="685800"/>
+            <a:ext cx="6096000" cy="3429000"/>
           </a:xfrm>
           <a:custGeom>
+            <a:avLst/>
+            <a:gdLst/>
+            <a:ahLst/>
+            <a:cxnLst/>
+            <a:rect l="0" t="0" r="0" b="0"/>
             <a:pathLst>
-              <a:path extrusionOk="0" h="120000" w="120000">
+              <a:path w="120000" h="120000" extrusionOk="0">
                 <a:moveTo>
                   <a:pt x="0" y="0"/>
                 </a:moveTo>
@@ -1495,23 +1667,25 @@
             </a:pathLst>
           </a:custGeom>
           <a:noFill/>
-          <a:ln cap="flat" cmpd="sng" w="9525">
+          <a:ln w="9525" cap="flat" cmpd="sng">
             <a:solidFill>
               <a:srgbClr val="000000"/>
             </a:solidFill>
             <a:prstDash val="solid"/>
             <a:round/>
-            <a:headEnd len="med" w="med" type="none"/>
-            <a:tailEnd len="med" w="med" type="none"/>
+            <a:headEnd type="none" w="med" len="med"/>
+            <a:tailEnd type="none" w="med" len="med"/>
           </a:ln>
         </p:spPr>
       </p:sp>
       <p:sp>
         <p:nvSpPr>
-          <p:cNvPr id="104" name="Shape 104"/>
-          <p:cNvSpPr txBox="1"/>
+          <p:cNvPr id="109" name="Shape 109"/>
+          <p:cNvSpPr txBox="1">
+            <a:spLocks noGrp="1"/>
+          </p:cNvSpPr>
           <p:nvPr>
-            <p:ph idx="1" type="body"/>
+            <p:ph type="body" idx="1"/>
           </p:nvPr>
         </p:nvSpPr>
         <p:spPr>
@@ -1524,20 +1698,17 @@
           </a:prstGeom>
         </p:spPr>
         <p:txBody>
-          <a:bodyPr anchorCtr="0" anchor="t" bIns="91425" lIns="91425" rIns="91425" tIns="91425">
+          <a:bodyPr lIns="91425" tIns="91425" rIns="91425" bIns="91425" anchor="t" anchorCtr="0">
             <a:noAutofit/>
           </a:bodyPr>
           <a:lstStyle/>
           <a:p>
-            <a:pPr lvl="0" rtl="0">
+            <a:pPr>
               <a:spcBef>
                 <a:spcPts val="0"/>
               </a:spcBef>
               <a:buNone/>
             </a:pPr>
-            <a:r>
-              <a:t/>
-            </a:r>
             <a:endParaRPr/>
           </a:p>
         </p:txBody>
@@ -1550,12 +1721,12 @@
 </p:notes>
 </file>
 
-<file path=ppt/notesSlides/notesSlide8.xml><?xml version="1.0" encoding="utf-8"?>
-<p:notes xmlns:a="http://schemas.openxmlformats.org/drawingml/2006/main" xmlns:r="http://schemas.openxmlformats.org/officeDocument/2006/relationships" xmlns:mc="http://schemas.openxmlformats.org/markup-compatibility/2006" xmlns:mv="urn:schemas-microsoft-com:mac:vml" xmlns:p="http://schemas.openxmlformats.org/presentationml/2006/main" xmlns:c="http://schemas.openxmlformats.org/drawingml/2006/chart" xmlns:dgm="http://schemas.openxmlformats.org/drawingml/2006/diagram" xmlns:o="urn:schemas-microsoft-com:office:office" xmlns:v="urn:schemas-microsoft-com:vml" xmlns:pvml="urn:schemas-microsoft-com:office:powerpoint" xmlns:com="http://schemas.openxmlformats.org/drawingml/2006/compatibility" xmlns:p14="http://schemas.microsoft.com/office/powerpoint/2010/main" showMasterPhAnim="0" showMasterSp="0">
+<file path=ppt/notesSlides/notesSlide9.xml><?xml version="1.0" encoding="utf-8"?>
+<p:notes xmlns:a="http://schemas.openxmlformats.org/drawingml/2006/main" xmlns:r="http://schemas.openxmlformats.org/officeDocument/2006/relationships" xmlns:p="http://schemas.openxmlformats.org/presentationml/2006/main" showMasterSp="0" showMasterPhAnim="0">
   <p:cSld>
     <p:spTree>
       <p:nvGrpSpPr>
-        <p:cNvPr id="109" name="Shape 109"/>
+        <p:cNvPr id="1" name="Shape 113"/>
         <p:cNvGrpSpPr/>
         <p:nvPr/>
       </p:nvGrpSpPr>
@@ -1569,10 +1740,12 @@
       </p:grpSpPr>
       <p:sp>
         <p:nvSpPr>
-          <p:cNvPr id="110" name="Shape 110"/>
-          <p:cNvSpPr/>
+          <p:cNvPr id="114" name="Shape 114"/>
+          <p:cNvSpPr>
+            <a:spLocks noGrp="1" noRot="1" noChangeAspect="1"/>
+          </p:cNvSpPr>
           <p:nvPr>
-            <p:ph idx="2" type="sldImg"/>
+            <p:ph type="sldImg" idx="2"/>
           </p:nvPr>
         </p:nvSpPr>
         <p:spPr>
@@ -1581,8 +1754,13 @@
             <a:ext cx="6096299" cy="3429000"/>
           </a:xfrm>
           <a:custGeom>
+            <a:avLst/>
+            <a:gdLst/>
+            <a:ahLst/>
+            <a:cxnLst/>
+            <a:rect l="0" t="0" r="0" b="0"/>
             <a:pathLst>
-              <a:path extrusionOk="0" h="120000" w="120000">
+              <a:path w="120000" h="120000" extrusionOk="0">
                 <a:moveTo>
                   <a:pt x="0" y="0"/>
                 </a:moveTo>
@@ -1600,23 +1778,25 @@
             </a:pathLst>
           </a:custGeom>
           <a:noFill/>
-          <a:ln cap="flat" cmpd="sng" w="9525">
+          <a:ln w="9525" cap="flat" cmpd="sng">
             <a:solidFill>
               <a:srgbClr val="000000"/>
             </a:solidFill>
             <a:prstDash val="solid"/>
             <a:round/>
-            <a:headEnd len="med" w="med" type="none"/>
-            <a:tailEnd len="med" w="med" type="none"/>
+            <a:headEnd type="none" w="med" len="med"/>
+            <a:tailEnd type="none" w="med" len="med"/>
           </a:ln>
         </p:spPr>
       </p:sp>
       <p:sp>
         <p:nvSpPr>
-          <p:cNvPr id="111" name="Shape 111"/>
-          <p:cNvSpPr txBox="1"/>
+          <p:cNvPr id="115" name="Shape 115"/>
+          <p:cNvSpPr txBox="1">
+            <a:spLocks noGrp="1"/>
+          </p:cNvSpPr>
           <p:nvPr>
-            <p:ph idx="1" type="body"/>
+            <p:ph type="body" idx="1"/>
           </p:nvPr>
         </p:nvSpPr>
         <p:spPr>
@@ -1629,7 +1809,7 @@
           </a:prstGeom>
         </p:spPr>
         <p:txBody>
-          <a:bodyPr anchorCtr="0" anchor="t" bIns="91425" lIns="91425" rIns="91425" tIns="91425">
+          <a:bodyPr lIns="91425" tIns="91425" rIns="91425" bIns="91425" anchor="t" anchorCtr="0">
             <a:noAutofit/>
           </a:bodyPr>
           <a:lstStyle/>
@@ -1640,114 +1820,6 @@
               </a:spcBef>
               <a:buNone/>
             </a:pPr>
-            <a:r>
-              <a:t/>
-            </a:r>
-            <a:endParaRPr/>
-          </a:p>
-        </p:txBody>
-      </p:sp>
-    </p:spTree>
-  </p:cSld>
-  <p:clrMapOvr>
-    <a:masterClrMapping/>
-  </p:clrMapOvr>
-</p:notes>
-</file>
-
-<file path=ppt/notesSlides/notesSlide9.xml><?xml version="1.0" encoding="utf-8"?>
-<p:notes xmlns:a="http://schemas.openxmlformats.org/drawingml/2006/main" xmlns:r="http://schemas.openxmlformats.org/officeDocument/2006/relationships" xmlns:mc="http://schemas.openxmlformats.org/markup-compatibility/2006" xmlns:mv="urn:schemas-microsoft-com:mac:vml" xmlns:p="http://schemas.openxmlformats.org/presentationml/2006/main" xmlns:c="http://schemas.openxmlformats.org/drawingml/2006/chart" xmlns:dgm="http://schemas.openxmlformats.org/drawingml/2006/diagram" xmlns:o="urn:schemas-microsoft-com:office:office" xmlns:v="urn:schemas-microsoft-com:vml" xmlns:pvml="urn:schemas-microsoft-com:office:powerpoint" xmlns:com="http://schemas.openxmlformats.org/drawingml/2006/compatibility" xmlns:p14="http://schemas.microsoft.com/office/powerpoint/2010/main" showMasterPhAnim="0" showMasterSp="0">
-  <p:cSld>
-    <p:spTree>
-      <p:nvGrpSpPr>
-        <p:cNvPr id="115" name="Shape 115"/>
-        <p:cNvGrpSpPr/>
-        <p:nvPr/>
-      </p:nvGrpSpPr>
-      <p:grpSpPr>
-        <a:xfrm>
-          <a:off x="0" y="0"/>
-          <a:ext cx="0" cy="0"/>
-          <a:chOff x="0" y="0"/>
-          <a:chExt cx="0" cy="0"/>
-        </a:xfrm>
-      </p:grpSpPr>
-      <p:sp>
-        <p:nvSpPr>
-          <p:cNvPr id="116" name="Shape 116"/>
-          <p:cNvSpPr/>
-          <p:nvPr>
-            <p:ph idx="2" type="sldImg"/>
-          </p:nvPr>
-        </p:nvSpPr>
-        <p:spPr>
-          <a:xfrm>
-            <a:off x="381187" y="685800"/>
-            <a:ext cx="6096299" cy="3429000"/>
-          </a:xfrm>
-          <a:custGeom>
-            <a:pathLst>
-              <a:path extrusionOk="0" h="120000" w="120000">
-                <a:moveTo>
-                  <a:pt x="0" y="0"/>
-                </a:moveTo>
-                <a:lnTo>
-                  <a:pt x="120000" y="0"/>
-                </a:lnTo>
-                <a:lnTo>
-                  <a:pt x="120000" y="120000"/>
-                </a:lnTo>
-                <a:lnTo>
-                  <a:pt x="0" y="120000"/>
-                </a:lnTo>
-                <a:close/>
-              </a:path>
-            </a:pathLst>
-          </a:custGeom>
-          <a:noFill/>
-          <a:ln cap="flat" cmpd="sng" w="9525">
-            <a:solidFill>
-              <a:srgbClr val="000000"/>
-            </a:solidFill>
-            <a:prstDash val="solid"/>
-            <a:round/>
-            <a:headEnd len="med" w="med" type="none"/>
-            <a:tailEnd len="med" w="med" type="none"/>
-          </a:ln>
-        </p:spPr>
-      </p:sp>
-      <p:sp>
-        <p:nvSpPr>
-          <p:cNvPr id="117" name="Shape 117"/>
-          <p:cNvSpPr txBox="1"/>
-          <p:nvPr>
-            <p:ph idx="1" type="body"/>
-          </p:nvPr>
-        </p:nvSpPr>
-        <p:spPr>
-          <a:xfrm>
-            <a:off x="685800" y="4343400"/>
-            <a:ext cx="5486399" cy="4114800"/>
-          </a:xfrm>
-          <a:prstGeom prst="rect">
-            <a:avLst/>
-          </a:prstGeom>
-        </p:spPr>
-        <p:txBody>
-          <a:bodyPr anchorCtr="0" anchor="t" bIns="91425" lIns="91425" rIns="91425" tIns="91425">
-            <a:noAutofit/>
-          </a:bodyPr>
-          <a:lstStyle/>
-          <a:p>
-            <a:pPr>
-              <a:spcBef>
-                <a:spcPts val="0"/>
-              </a:spcBef>
-              <a:buNone/>
-            </a:pPr>
-            <a:r>
-              <a:t/>
-            </a:r>
             <a:endParaRPr/>
           </a:p>
         </p:txBody>
@@ -1761,18 +1833,19 @@
 </file>
 
 <file path=ppt/slideLayouts/slideLayout1.xml><?xml version="1.0" encoding="utf-8"?>
-<p:sldLayout xmlns:a="http://schemas.openxmlformats.org/drawingml/2006/main" xmlns:r="http://schemas.openxmlformats.org/officeDocument/2006/relationships" xmlns:mc="http://schemas.openxmlformats.org/markup-compatibility/2006" xmlns:mv="urn:schemas-microsoft-com:mac:vml" xmlns:p="http://schemas.openxmlformats.org/presentationml/2006/main" xmlns:c="http://schemas.openxmlformats.org/drawingml/2006/chart" xmlns:dgm="http://schemas.openxmlformats.org/drawingml/2006/diagram" xmlns:o="urn:schemas-microsoft-com:office:office" xmlns:v="urn:schemas-microsoft-com:vml" xmlns:pvml="urn:schemas-microsoft-com:office:powerpoint" xmlns:com="http://schemas.openxmlformats.org/drawingml/2006/compatibility" xmlns:p14="http://schemas.microsoft.com/office/powerpoint/2010/main" type="title">
+<p:sldLayout xmlns:a="http://schemas.openxmlformats.org/drawingml/2006/main" xmlns:r="http://schemas.openxmlformats.org/officeDocument/2006/relationships" xmlns:p="http://schemas.openxmlformats.org/presentationml/2006/main" type="title">
   <p:cSld name="Title slide">
     <p:bg>
       <p:bgPr>
         <a:solidFill>
           <a:schemeClr val="dk1"/>
         </a:solidFill>
+        <a:effectLst/>
       </p:bgPr>
     </p:bg>
     <p:spTree>
       <p:nvGrpSpPr>
-        <p:cNvPr id="8" name="Shape 8"/>
+        <p:cNvPr id="1" name="Shape 8"/>
         <p:cNvGrpSpPr/>
         <p:nvPr/>
       </p:nvGrpSpPr>
@@ -1806,7 +1879,7 @@
           </a:ln>
         </p:spPr>
         <p:txBody>
-          <a:bodyPr anchorCtr="0" anchor="ctr" bIns="91425" lIns="91425" rIns="91425" tIns="91425">
+          <a:bodyPr lIns="91425" tIns="91425" rIns="91425" bIns="91425" anchor="ctr" anchorCtr="0">
             <a:noAutofit/>
           </a:bodyPr>
           <a:lstStyle/>
@@ -1817,9 +1890,6 @@
               </a:spcBef>
               <a:buNone/>
             </a:pPr>
-            <a:r>
-              <a:t/>
-            </a:r>
             <a:endParaRPr/>
           </a:p>
         </p:txBody>
@@ -1839,21 +1909,23 @@
             <a:avLst/>
           </a:prstGeom>
           <a:noFill/>
-          <a:ln cap="flat" cmpd="sng" w="28575">
+          <a:ln w="28575" cap="flat" cmpd="sng">
             <a:solidFill>
               <a:schemeClr val="accent1"/>
             </a:solidFill>
             <a:prstDash val="solid"/>
             <a:round/>
-            <a:headEnd len="med" w="med" type="none"/>
-            <a:tailEnd len="med" w="med" type="none"/>
+            <a:headEnd type="none" w="med" len="med"/>
+            <a:tailEnd type="none" w="med" len="med"/>
           </a:ln>
         </p:spPr>
       </p:cxnSp>
       <p:sp>
         <p:nvSpPr>
           <p:cNvPr id="11" name="Shape 11"/>
-          <p:cNvSpPr txBox="1"/>
+          <p:cNvSpPr txBox="1">
+            <a:spLocks noGrp="1"/>
+          </p:cNvSpPr>
           <p:nvPr>
             <p:ph type="ctrTitle"/>
           </p:nvPr>
@@ -1868,7 +1940,7 @@
           </a:prstGeom>
         </p:spPr>
         <p:txBody>
-          <a:bodyPr anchorCtr="0" anchor="b" bIns="91425" lIns="91425" rIns="91425" tIns="91425"/>
+          <a:bodyPr lIns="91425" tIns="91425" rIns="91425" bIns="91425" anchor="b" anchorCtr="0"/>
           <a:lstStyle>
             <a:lvl1pPr>
               <a:spcBef>
@@ -1997,15 +2069,19 @@
               </a:defRPr>
             </a:lvl9pPr>
           </a:lstStyle>
-          <a:p/>
+          <a:p>
+            <a:endParaRPr/>
+          </a:p>
         </p:txBody>
       </p:sp>
       <p:sp>
         <p:nvSpPr>
           <p:cNvPr id="12" name="Shape 12"/>
-          <p:cNvSpPr txBox="1"/>
+          <p:cNvSpPr txBox="1">
+            <a:spLocks noGrp="1"/>
+          </p:cNvSpPr>
           <p:nvPr>
-            <p:ph idx="1" type="subTitle"/>
+            <p:ph type="subTitle" idx="1"/>
           </p:nvPr>
         </p:nvSpPr>
         <p:spPr>
@@ -2018,7 +2094,7 @@
           </a:prstGeom>
         </p:spPr>
         <p:txBody>
-          <a:bodyPr anchorCtr="0" anchor="t" bIns="91425" lIns="91425" rIns="91425" tIns="91425"/>
+          <a:bodyPr lIns="91425" tIns="91425" rIns="91425" bIns="91425" anchor="t" anchorCtr="0"/>
           <a:lstStyle>
             <a:lvl1pPr>
               <a:lnSpc>
@@ -2210,15 +2286,19 @@
               </a:defRPr>
             </a:lvl9pPr>
           </a:lstStyle>
-          <a:p/>
+          <a:p>
+            <a:endParaRPr/>
+          </a:p>
         </p:txBody>
       </p:sp>
       <p:sp>
         <p:nvSpPr>
           <p:cNvPr id="13" name="Shape 13"/>
-          <p:cNvSpPr txBox="1"/>
+          <p:cNvSpPr txBox="1">
+            <a:spLocks noGrp="1"/>
+          </p:cNvSpPr>
           <p:nvPr>
-            <p:ph idx="12" type="sldNum"/>
+            <p:ph type="sldNum" idx="12"/>
           </p:nvPr>
         </p:nvSpPr>
         <p:spPr>
@@ -2231,7 +2311,7 @@
           </a:prstGeom>
         </p:spPr>
         <p:txBody>
-          <a:bodyPr anchorCtr="0" anchor="ctr" bIns="91425" lIns="91425" rIns="91425" tIns="91425">
+          <a:bodyPr lIns="91425" tIns="91425" rIns="91425" bIns="91425" anchor="ctr" anchorCtr="0">
             <a:noAutofit/>
           </a:bodyPr>
           <a:lstStyle/>
@@ -2250,6 +2330,11 @@
               </a:rPr>
               <a:t>‹#›</a:t>
             </a:fld>
+            <a:endParaRPr lang="en">
+              <a:solidFill>
+                <a:schemeClr val="accent1"/>
+              </a:solidFill>
+            </a:endParaRPr>
           </a:p>
         </p:txBody>
       </p:sp>
@@ -2262,11 +2347,11 @@
 </file>
 
 <file path=ppt/slideLayouts/slideLayout10.xml><?xml version="1.0" encoding="utf-8"?>
-<p:sldLayout xmlns:a="http://schemas.openxmlformats.org/drawingml/2006/main" xmlns:r="http://schemas.openxmlformats.org/officeDocument/2006/relationships" xmlns:mc="http://schemas.openxmlformats.org/markup-compatibility/2006" xmlns:mv="urn:schemas-microsoft-com:mac:vml" xmlns:p="http://schemas.openxmlformats.org/presentationml/2006/main" xmlns:c="http://schemas.openxmlformats.org/drawingml/2006/chart" xmlns:dgm="http://schemas.openxmlformats.org/drawingml/2006/diagram" xmlns:o="urn:schemas-microsoft-com:office:office" xmlns:v="urn:schemas-microsoft-com:vml" xmlns:pvml="urn:schemas-microsoft-com:office:powerpoint" xmlns:com="http://schemas.openxmlformats.org/drawingml/2006/compatibility" xmlns:p14="http://schemas.microsoft.com/office/powerpoint/2010/main">
+<p:sldLayout xmlns:a="http://schemas.openxmlformats.org/drawingml/2006/main" xmlns:r="http://schemas.openxmlformats.org/officeDocument/2006/relationships" xmlns:p="http://schemas.openxmlformats.org/presentationml/2006/main">
   <p:cSld name="Big number">
     <p:spTree>
       <p:nvGrpSpPr>
-        <p:cNvPr id="48" name="Shape 48"/>
+        <p:cNvPr id="1" name="Shape 48"/>
         <p:cNvGrpSpPr/>
         <p:nvPr/>
       </p:nvGrpSpPr>
@@ -2281,7 +2366,9 @@
       <p:sp>
         <p:nvSpPr>
           <p:cNvPr id="49" name="Shape 49"/>
-          <p:cNvSpPr txBox="1"/>
+          <p:cNvSpPr txBox="1">
+            <a:spLocks noGrp="1"/>
+          </p:cNvSpPr>
           <p:nvPr>
             <p:ph type="title"/>
           </p:nvPr>
@@ -2296,81 +2383,85 @@
           </a:prstGeom>
         </p:spPr>
         <p:txBody>
-          <a:bodyPr anchorCtr="0" anchor="b" bIns="91425" lIns="91425" rIns="91425" tIns="91425"/>
+          <a:bodyPr lIns="91425" tIns="91425" rIns="91425" bIns="91425" anchor="b" anchorCtr="0"/>
           <a:lstStyle>
             <a:lvl1pPr algn="ctr">
               <a:spcBef>
                 <a:spcPts val="0"/>
               </a:spcBef>
               <a:buSzPct val="100000"/>
-              <a:defRPr b="1" sz="14000"/>
+              <a:defRPr sz="14000" b="1"/>
             </a:lvl1pPr>
             <a:lvl2pPr algn="ctr">
               <a:spcBef>
                 <a:spcPts val="0"/>
               </a:spcBef>
               <a:buSzPct val="100000"/>
-              <a:defRPr b="1" sz="14000"/>
+              <a:defRPr sz="14000" b="1"/>
             </a:lvl2pPr>
             <a:lvl3pPr algn="ctr">
               <a:spcBef>
                 <a:spcPts val="0"/>
               </a:spcBef>
               <a:buSzPct val="100000"/>
-              <a:defRPr b="1" sz="14000"/>
+              <a:defRPr sz="14000" b="1"/>
             </a:lvl3pPr>
             <a:lvl4pPr algn="ctr">
               <a:spcBef>
                 <a:spcPts val="0"/>
               </a:spcBef>
               <a:buSzPct val="100000"/>
-              <a:defRPr b="1" sz="14000"/>
+              <a:defRPr sz="14000" b="1"/>
             </a:lvl4pPr>
             <a:lvl5pPr algn="ctr">
               <a:spcBef>
                 <a:spcPts val="0"/>
               </a:spcBef>
               <a:buSzPct val="100000"/>
-              <a:defRPr b="1" sz="14000"/>
+              <a:defRPr sz="14000" b="1"/>
             </a:lvl5pPr>
             <a:lvl6pPr algn="ctr">
               <a:spcBef>
                 <a:spcPts val="0"/>
               </a:spcBef>
               <a:buSzPct val="100000"/>
-              <a:defRPr b="1" sz="14000"/>
+              <a:defRPr sz="14000" b="1"/>
             </a:lvl6pPr>
             <a:lvl7pPr algn="ctr">
               <a:spcBef>
                 <a:spcPts val="0"/>
               </a:spcBef>
               <a:buSzPct val="100000"/>
-              <a:defRPr b="1" sz="14000"/>
+              <a:defRPr sz="14000" b="1"/>
             </a:lvl7pPr>
             <a:lvl8pPr algn="ctr">
               <a:spcBef>
                 <a:spcPts val="0"/>
               </a:spcBef>
               <a:buSzPct val="100000"/>
-              <a:defRPr b="1" sz="14000"/>
+              <a:defRPr sz="14000" b="1"/>
             </a:lvl8pPr>
             <a:lvl9pPr algn="ctr">
               <a:spcBef>
                 <a:spcPts val="0"/>
               </a:spcBef>
               <a:buSzPct val="100000"/>
-              <a:defRPr b="1" sz="14000"/>
+              <a:defRPr sz="14000" b="1"/>
             </a:lvl9pPr>
           </a:lstStyle>
-          <a:p/>
+          <a:p>
+            <a:endParaRPr/>
+          </a:p>
         </p:txBody>
       </p:sp>
       <p:sp>
         <p:nvSpPr>
           <p:cNvPr id="50" name="Shape 50"/>
-          <p:cNvSpPr txBox="1"/>
+          <p:cNvSpPr txBox="1">
+            <a:spLocks noGrp="1"/>
+          </p:cNvSpPr>
           <p:nvPr>
-            <p:ph idx="1" type="body"/>
+            <p:ph type="body" idx="1"/>
           </p:nvPr>
         </p:nvSpPr>
         <p:spPr>
@@ -2383,7 +2474,7 @@
           </a:prstGeom>
         </p:spPr>
         <p:txBody>
-          <a:bodyPr anchorCtr="0" anchor="t" bIns="91425" lIns="91425" rIns="91425" tIns="91425"/>
+          <a:bodyPr lIns="91425" tIns="91425" rIns="91425" bIns="91425" anchor="t" anchorCtr="0"/>
           <a:lstStyle>
             <a:lvl1pPr algn="ctr">
               <a:spcBef>
@@ -2440,15 +2531,19 @@
               <a:defRPr/>
             </a:lvl9pPr>
           </a:lstStyle>
-          <a:p/>
+          <a:p>
+            <a:endParaRPr/>
+          </a:p>
         </p:txBody>
       </p:sp>
       <p:sp>
         <p:nvSpPr>
           <p:cNvPr id="51" name="Shape 51"/>
-          <p:cNvSpPr txBox="1"/>
+          <p:cNvSpPr txBox="1">
+            <a:spLocks noGrp="1"/>
+          </p:cNvSpPr>
           <p:nvPr>
-            <p:ph idx="12" type="sldNum"/>
+            <p:ph type="sldNum" idx="12"/>
           </p:nvPr>
         </p:nvSpPr>
         <p:spPr>
@@ -2461,7 +2556,7 @@
           </a:prstGeom>
         </p:spPr>
         <p:txBody>
-          <a:bodyPr anchorCtr="0" anchor="ctr" bIns="91425" lIns="91425" rIns="91425" tIns="91425">
+          <a:bodyPr lIns="91425" tIns="91425" rIns="91425" bIns="91425" anchor="ctr" anchorCtr="0">
             <a:noAutofit/>
           </a:bodyPr>
           <a:lstStyle/>
@@ -2476,6 +2571,7 @@
               <a:rPr lang="en"/>
               <a:t>‹#›</a:t>
             </a:fld>
+            <a:endParaRPr lang="en"/>
           </a:p>
         </p:txBody>
       </p:sp>
@@ -2488,11 +2584,11 @@
 </file>
 
 <file path=ppt/slideLayouts/slideLayout11.xml><?xml version="1.0" encoding="utf-8"?>
-<p:sldLayout xmlns:a="http://schemas.openxmlformats.org/drawingml/2006/main" xmlns:r="http://schemas.openxmlformats.org/officeDocument/2006/relationships" xmlns:mc="http://schemas.openxmlformats.org/markup-compatibility/2006" xmlns:mv="urn:schemas-microsoft-com:mac:vml" xmlns:p="http://schemas.openxmlformats.org/presentationml/2006/main" xmlns:c="http://schemas.openxmlformats.org/drawingml/2006/chart" xmlns:dgm="http://schemas.openxmlformats.org/drawingml/2006/diagram" xmlns:o="urn:schemas-microsoft-com:office:office" xmlns:v="urn:schemas-microsoft-com:vml" xmlns:pvml="urn:schemas-microsoft-com:office:powerpoint" xmlns:com="http://schemas.openxmlformats.org/drawingml/2006/compatibility" xmlns:p14="http://schemas.microsoft.com/office/powerpoint/2010/main" type="blank">
+<p:sldLayout xmlns:a="http://schemas.openxmlformats.org/drawingml/2006/main" xmlns:r="http://schemas.openxmlformats.org/officeDocument/2006/relationships" xmlns:p="http://schemas.openxmlformats.org/presentationml/2006/main" type="blank">
   <p:cSld name="Blank">
     <p:spTree>
       <p:nvGrpSpPr>
-        <p:cNvPr id="52" name="Shape 52"/>
+        <p:cNvPr id="1" name="Shape 52"/>
         <p:cNvGrpSpPr/>
         <p:nvPr/>
       </p:nvGrpSpPr>
@@ -2507,9 +2603,11 @@
       <p:sp>
         <p:nvSpPr>
           <p:cNvPr id="53" name="Shape 53"/>
-          <p:cNvSpPr txBox="1"/>
+          <p:cNvSpPr txBox="1">
+            <a:spLocks noGrp="1"/>
+          </p:cNvSpPr>
           <p:nvPr>
-            <p:ph idx="12" type="sldNum"/>
+            <p:ph type="sldNum" idx="12"/>
           </p:nvPr>
         </p:nvSpPr>
         <p:spPr>
@@ -2522,7 +2620,7 @@
           </a:prstGeom>
         </p:spPr>
         <p:txBody>
-          <a:bodyPr anchorCtr="0" anchor="ctr" bIns="91425" lIns="91425" rIns="91425" tIns="91425">
+          <a:bodyPr lIns="91425" tIns="91425" rIns="91425" bIns="91425" anchor="ctr" anchorCtr="0">
             <a:noAutofit/>
           </a:bodyPr>
           <a:lstStyle/>
@@ -2537,6 +2635,7 @@
               <a:rPr lang="en"/>
               <a:t>‹#›</a:t>
             </a:fld>
+            <a:endParaRPr lang="en"/>
           </a:p>
         </p:txBody>
       </p:sp>
@@ -2549,18 +2648,19 @@
 </file>
 
 <file path=ppt/slideLayouts/slideLayout2.xml><?xml version="1.0" encoding="utf-8"?>
-<p:sldLayout xmlns:a="http://schemas.openxmlformats.org/drawingml/2006/main" xmlns:r="http://schemas.openxmlformats.org/officeDocument/2006/relationships" xmlns:mc="http://schemas.openxmlformats.org/markup-compatibility/2006" xmlns:mv="urn:schemas-microsoft-com:mac:vml" xmlns:p="http://schemas.openxmlformats.org/presentationml/2006/main" xmlns:c="http://schemas.openxmlformats.org/drawingml/2006/chart" xmlns:dgm="http://schemas.openxmlformats.org/drawingml/2006/diagram" xmlns:o="urn:schemas-microsoft-com:office:office" xmlns:v="urn:schemas-microsoft-com:vml" xmlns:pvml="urn:schemas-microsoft-com:office:powerpoint" xmlns:com="http://schemas.openxmlformats.org/drawingml/2006/compatibility" xmlns:p14="http://schemas.microsoft.com/office/powerpoint/2010/main" type="secHead">
+<p:sldLayout xmlns:a="http://schemas.openxmlformats.org/drawingml/2006/main" xmlns:r="http://schemas.openxmlformats.org/officeDocument/2006/relationships" xmlns:p="http://schemas.openxmlformats.org/presentationml/2006/main" type="secHead">
   <p:cSld name="Section title">
     <p:bg>
       <p:bgPr>
         <a:solidFill>
           <a:schemeClr val="dk1"/>
         </a:solidFill>
+        <a:effectLst/>
       </p:bgPr>
     </p:bg>
     <p:spTree>
       <p:nvGrpSpPr>
-        <p:cNvPr id="14" name="Shape 14"/>
+        <p:cNvPr id="1" name="Shape 14"/>
         <p:cNvGrpSpPr/>
         <p:nvPr/>
       </p:nvGrpSpPr>
@@ -2587,21 +2687,23 @@
             <a:avLst/>
           </a:prstGeom>
           <a:noFill/>
-          <a:ln cap="flat" cmpd="sng" w="28575">
+          <a:ln w="28575" cap="flat" cmpd="sng">
             <a:solidFill>
               <a:schemeClr val="lt2"/>
             </a:solidFill>
             <a:prstDash val="solid"/>
             <a:round/>
-            <a:headEnd len="med" w="med" type="none"/>
-            <a:tailEnd len="med" w="med" type="none"/>
+            <a:headEnd type="none" w="med" len="med"/>
+            <a:tailEnd type="none" w="med" len="med"/>
           </a:ln>
         </p:spPr>
       </p:cxnSp>
       <p:sp>
         <p:nvSpPr>
           <p:cNvPr id="16" name="Shape 16"/>
-          <p:cNvSpPr txBox="1"/>
+          <p:cNvSpPr txBox="1">
+            <a:spLocks noGrp="1"/>
+          </p:cNvSpPr>
           <p:nvPr>
             <p:ph type="title"/>
           </p:nvPr>
@@ -2616,7 +2718,7 @@
           </a:prstGeom>
         </p:spPr>
         <p:txBody>
-          <a:bodyPr anchorCtr="0" anchor="b" bIns="91425" lIns="91425" rIns="91425" tIns="91425"/>
+          <a:bodyPr lIns="91425" tIns="91425" rIns="91425" bIns="91425" anchor="b" anchorCtr="0"/>
           <a:lstStyle>
             <a:lvl1pPr>
               <a:spcBef>
@@ -2745,15 +2847,19 @@
               </a:defRPr>
             </a:lvl9pPr>
           </a:lstStyle>
-          <a:p/>
+          <a:p>
+            <a:endParaRPr/>
+          </a:p>
         </p:txBody>
       </p:sp>
       <p:sp>
         <p:nvSpPr>
           <p:cNvPr id="17" name="Shape 17"/>
-          <p:cNvSpPr txBox="1"/>
+          <p:cNvSpPr txBox="1">
+            <a:spLocks noGrp="1"/>
+          </p:cNvSpPr>
           <p:nvPr>
-            <p:ph idx="12" type="sldNum"/>
+            <p:ph type="sldNum" idx="12"/>
           </p:nvPr>
         </p:nvSpPr>
         <p:spPr>
@@ -2766,7 +2872,7 @@
           </a:prstGeom>
         </p:spPr>
         <p:txBody>
-          <a:bodyPr anchorCtr="0" anchor="ctr" bIns="91425" lIns="91425" rIns="91425" tIns="91425">
+          <a:bodyPr lIns="91425" tIns="91425" rIns="91425" bIns="91425" anchor="ctr" anchorCtr="0">
             <a:noAutofit/>
           </a:bodyPr>
           <a:lstStyle/>
@@ -2785,6 +2891,11 @@
               </a:rPr>
               <a:t>‹#›</a:t>
             </a:fld>
+            <a:endParaRPr lang="en">
+              <a:solidFill>
+                <a:schemeClr val="accent1"/>
+              </a:solidFill>
+            </a:endParaRPr>
           </a:p>
         </p:txBody>
       </p:sp>
@@ -2797,11 +2908,11 @@
 </file>
 
 <file path=ppt/slideLayouts/slideLayout3.xml><?xml version="1.0" encoding="utf-8"?>
-<p:sldLayout xmlns:a="http://schemas.openxmlformats.org/drawingml/2006/main" xmlns:r="http://schemas.openxmlformats.org/officeDocument/2006/relationships" xmlns:mc="http://schemas.openxmlformats.org/markup-compatibility/2006" xmlns:mv="urn:schemas-microsoft-com:mac:vml" xmlns:p="http://schemas.openxmlformats.org/presentationml/2006/main" xmlns:c="http://schemas.openxmlformats.org/drawingml/2006/chart" xmlns:dgm="http://schemas.openxmlformats.org/drawingml/2006/diagram" xmlns:o="urn:schemas-microsoft-com:office:office" xmlns:v="urn:schemas-microsoft-com:vml" xmlns:pvml="urn:schemas-microsoft-com:office:powerpoint" xmlns:com="http://schemas.openxmlformats.org/drawingml/2006/compatibility" xmlns:p14="http://schemas.microsoft.com/office/powerpoint/2010/main" type="tx">
+<p:sldLayout xmlns:a="http://schemas.openxmlformats.org/drawingml/2006/main" xmlns:r="http://schemas.openxmlformats.org/officeDocument/2006/relationships" xmlns:p="http://schemas.openxmlformats.org/presentationml/2006/main" type="tx">
   <p:cSld name="Title and body">
     <p:spTree>
       <p:nvGrpSpPr>
-        <p:cNvPr id="18" name="Shape 18"/>
+        <p:cNvPr id="1" name="Shape 18"/>
         <p:cNvGrpSpPr/>
         <p:nvPr/>
       </p:nvGrpSpPr>
@@ -2835,7 +2946,7 @@
           </a:ln>
         </p:spPr>
         <p:txBody>
-          <a:bodyPr anchorCtr="0" anchor="ctr" bIns="91425" lIns="91425" rIns="91425" tIns="91425">
+          <a:bodyPr lIns="91425" tIns="91425" rIns="91425" bIns="91425" anchor="ctr" anchorCtr="0">
             <a:noAutofit/>
           </a:bodyPr>
           <a:lstStyle/>
@@ -2846,9 +2957,6 @@
               </a:spcBef>
               <a:buNone/>
             </a:pPr>
-            <a:r>
-              <a:t/>
-            </a:r>
             <a:endParaRPr/>
           </a:p>
         </p:txBody>
@@ -2856,7 +2964,9 @@
       <p:sp>
         <p:nvSpPr>
           <p:cNvPr id="20" name="Shape 20"/>
-          <p:cNvSpPr txBox="1"/>
+          <p:cNvSpPr txBox="1">
+            <a:spLocks noGrp="1"/>
+          </p:cNvSpPr>
           <p:nvPr>
             <p:ph type="title"/>
           </p:nvPr>
@@ -2871,7 +2981,7 @@
           </a:prstGeom>
         </p:spPr>
         <p:txBody>
-          <a:bodyPr anchorCtr="0" anchor="t" bIns="91425" lIns="91425" rIns="91425" tIns="91425"/>
+          <a:bodyPr lIns="91425" tIns="91425" rIns="91425" bIns="91425" anchor="t" anchorCtr="0"/>
           <a:lstStyle>
             <a:lvl1pPr>
               <a:spcBef>
@@ -2928,15 +3038,19 @@
               <a:defRPr/>
             </a:lvl9pPr>
           </a:lstStyle>
-          <a:p/>
+          <a:p>
+            <a:endParaRPr/>
+          </a:p>
         </p:txBody>
       </p:sp>
       <p:sp>
         <p:nvSpPr>
           <p:cNvPr id="21" name="Shape 21"/>
-          <p:cNvSpPr txBox="1"/>
+          <p:cNvSpPr txBox="1">
+            <a:spLocks noGrp="1"/>
+          </p:cNvSpPr>
           <p:nvPr>
-            <p:ph idx="1" type="body"/>
+            <p:ph type="body" idx="1"/>
           </p:nvPr>
         </p:nvSpPr>
         <p:spPr>
@@ -2949,7 +3063,7 @@
           </a:prstGeom>
         </p:spPr>
         <p:txBody>
-          <a:bodyPr anchorCtr="0" anchor="t" bIns="91425" lIns="91425" rIns="91425" tIns="91425"/>
+          <a:bodyPr lIns="91425" tIns="91425" rIns="91425" bIns="91425" anchor="t" anchorCtr="0"/>
           <a:lstStyle>
             <a:lvl1pPr>
               <a:spcBef>
@@ -3006,15 +3120,19 @@
               <a:defRPr/>
             </a:lvl9pPr>
           </a:lstStyle>
-          <a:p/>
+          <a:p>
+            <a:endParaRPr/>
+          </a:p>
         </p:txBody>
       </p:sp>
       <p:sp>
         <p:nvSpPr>
           <p:cNvPr id="22" name="Shape 22"/>
-          <p:cNvSpPr txBox="1"/>
+          <p:cNvSpPr txBox="1">
+            <a:spLocks noGrp="1"/>
+          </p:cNvSpPr>
           <p:nvPr>
-            <p:ph idx="12" type="sldNum"/>
+            <p:ph type="sldNum" idx="12"/>
           </p:nvPr>
         </p:nvSpPr>
         <p:spPr>
@@ -3027,7 +3145,7 @@
           </a:prstGeom>
         </p:spPr>
         <p:txBody>
-          <a:bodyPr anchorCtr="0" anchor="ctr" bIns="91425" lIns="91425" rIns="91425" tIns="91425">
+          <a:bodyPr lIns="91425" tIns="91425" rIns="91425" bIns="91425" anchor="ctr" anchorCtr="0">
             <a:noAutofit/>
           </a:bodyPr>
           <a:lstStyle/>
@@ -3042,6 +3160,7 @@
               <a:rPr lang="en"/>
               <a:t>‹#›</a:t>
             </a:fld>
+            <a:endParaRPr lang="en"/>
           </a:p>
         </p:txBody>
       </p:sp>
@@ -3054,11 +3173,11 @@
 </file>
 
 <file path=ppt/slideLayouts/slideLayout4.xml><?xml version="1.0" encoding="utf-8"?>
-<p:sldLayout xmlns:a="http://schemas.openxmlformats.org/drawingml/2006/main" xmlns:r="http://schemas.openxmlformats.org/officeDocument/2006/relationships" xmlns:mc="http://schemas.openxmlformats.org/markup-compatibility/2006" xmlns:mv="urn:schemas-microsoft-com:mac:vml" xmlns:p="http://schemas.openxmlformats.org/presentationml/2006/main" xmlns:c="http://schemas.openxmlformats.org/drawingml/2006/chart" xmlns:dgm="http://schemas.openxmlformats.org/drawingml/2006/diagram" xmlns:o="urn:schemas-microsoft-com:office:office" xmlns:v="urn:schemas-microsoft-com:vml" xmlns:pvml="urn:schemas-microsoft-com:office:powerpoint" xmlns:com="http://schemas.openxmlformats.org/drawingml/2006/compatibility" xmlns:p14="http://schemas.microsoft.com/office/powerpoint/2010/main" type="twoColTx">
+<p:sldLayout xmlns:a="http://schemas.openxmlformats.org/drawingml/2006/main" xmlns:r="http://schemas.openxmlformats.org/officeDocument/2006/relationships" xmlns:p="http://schemas.openxmlformats.org/presentationml/2006/main" type="twoColTx">
   <p:cSld name="Title and two columns">
     <p:spTree>
       <p:nvGrpSpPr>
-        <p:cNvPr id="23" name="Shape 23"/>
+        <p:cNvPr id="1" name="Shape 23"/>
         <p:cNvGrpSpPr/>
         <p:nvPr/>
       </p:nvGrpSpPr>
@@ -3073,7 +3192,9 @@
       <p:sp>
         <p:nvSpPr>
           <p:cNvPr id="24" name="Shape 24"/>
-          <p:cNvSpPr txBox="1"/>
+          <p:cNvSpPr txBox="1">
+            <a:spLocks noGrp="1"/>
+          </p:cNvSpPr>
           <p:nvPr>
             <p:ph type="title"/>
           </p:nvPr>
@@ -3088,7 +3209,7 @@
           </a:prstGeom>
         </p:spPr>
         <p:txBody>
-          <a:bodyPr anchorCtr="0" anchor="t" bIns="91425" lIns="91425" rIns="91425" tIns="91425"/>
+          <a:bodyPr lIns="91425" tIns="91425" rIns="91425" bIns="91425" anchor="t" anchorCtr="0"/>
           <a:lstStyle>
             <a:lvl1pPr>
               <a:spcBef>
@@ -3145,15 +3266,19 @@
               <a:defRPr/>
             </a:lvl9pPr>
           </a:lstStyle>
-          <a:p/>
+          <a:p>
+            <a:endParaRPr/>
+          </a:p>
         </p:txBody>
       </p:sp>
       <p:sp>
         <p:nvSpPr>
           <p:cNvPr id="25" name="Shape 25"/>
-          <p:cNvSpPr txBox="1"/>
+          <p:cNvSpPr txBox="1">
+            <a:spLocks noGrp="1"/>
+          </p:cNvSpPr>
           <p:nvPr>
-            <p:ph idx="1" type="body"/>
+            <p:ph type="body" idx="1"/>
           </p:nvPr>
         </p:nvSpPr>
         <p:spPr>
@@ -3166,7 +3291,7 @@
           </a:prstGeom>
         </p:spPr>
         <p:txBody>
-          <a:bodyPr anchorCtr="0" anchor="t" bIns="91425" lIns="91425" rIns="91425" tIns="91425"/>
+          <a:bodyPr lIns="91425" tIns="91425" rIns="91425" bIns="91425" anchor="t" anchorCtr="0"/>
           <a:lstStyle>
             <a:lvl1pPr>
               <a:spcBef>
@@ -3232,15 +3357,19 @@
               <a:defRPr sz="1200"/>
             </a:lvl9pPr>
           </a:lstStyle>
-          <a:p/>
+          <a:p>
+            <a:endParaRPr/>
+          </a:p>
         </p:txBody>
       </p:sp>
       <p:sp>
         <p:nvSpPr>
           <p:cNvPr id="26" name="Shape 26"/>
-          <p:cNvSpPr txBox="1"/>
+          <p:cNvSpPr txBox="1">
+            <a:spLocks noGrp="1"/>
+          </p:cNvSpPr>
           <p:nvPr>
-            <p:ph idx="2" type="body"/>
+            <p:ph type="body" idx="2"/>
           </p:nvPr>
         </p:nvSpPr>
         <p:spPr>
@@ -3253,7 +3382,7 @@
           </a:prstGeom>
         </p:spPr>
         <p:txBody>
-          <a:bodyPr anchorCtr="0" anchor="t" bIns="91425" lIns="91425" rIns="91425" tIns="91425"/>
+          <a:bodyPr lIns="91425" tIns="91425" rIns="91425" bIns="91425" anchor="t" anchorCtr="0"/>
           <a:lstStyle>
             <a:lvl1pPr>
               <a:spcBef>
@@ -3319,15 +3448,19 @@
               <a:defRPr sz="1200"/>
             </a:lvl9pPr>
           </a:lstStyle>
-          <a:p/>
+          <a:p>
+            <a:endParaRPr/>
+          </a:p>
         </p:txBody>
       </p:sp>
       <p:sp>
         <p:nvSpPr>
           <p:cNvPr id="27" name="Shape 27"/>
-          <p:cNvSpPr txBox="1"/>
+          <p:cNvSpPr txBox="1">
+            <a:spLocks noGrp="1"/>
+          </p:cNvSpPr>
           <p:nvPr>
-            <p:ph idx="12" type="sldNum"/>
+            <p:ph type="sldNum" idx="12"/>
           </p:nvPr>
         </p:nvSpPr>
         <p:spPr>
@@ -3340,7 +3473,7 @@
           </a:prstGeom>
         </p:spPr>
         <p:txBody>
-          <a:bodyPr anchorCtr="0" anchor="ctr" bIns="91425" lIns="91425" rIns="91425" tIns="91425">
+          <a:bodyPr lIns="91425" tIns="91425" rIns="91425" bIns="91425" anchor="ctr" anchorCtr="0">
             <a:noAutofit/>
           </a:bodyPr>
           <a:lstStyle/>
@@ -3355,6 +3488,7 @@
               <a:rPr lang="en"/>
               <a:t>‹#›</a:t>
             </a:fld>
+            <a:endParaRPr lang="en"/>
           </a:p>
         </p:txBody>
       </p:sp>
@@ -3367,11 +3501,11 @@
 </file>
 
 <file path=ppt/slideLayouts/slideLayout5.xml><?xml version="1.0" encoding="utf-8"?>
-<p:sldLayout xmlns:a="http://schemas.openxmlformats.org/drawingml/2006/main" xmlns:r="http://schemas.openxmlformats.org/officeDocument/2006/relationships" xmlns:mc="http://schemas.openxmlformats.org/markup-compatibility/2006" xmlns:mv="urn:schemas-microsoft-com:mac:vml" xmlns:p="http://schemas.openxmlformats.org/presentationml/2006/main" xmlns:c="http://schemas.openxmlformats.org/drawingml/2006/chart" xmlns:dgm="http://schemas.openxmlformats.org/drawingml/2006/diagram" xmlns:o="urn:schemas-microsoft-com:office:office" xmlns:v="urn:schemas-microsoft-com:vml" xmlns:pvml="urn:schemas-microsoft-com:office:powerpoint" xmlns:com="http://schemas.openxmlformats.org/drawingml/2006/compatibility" xmlns:p14="http://schemas.microsoft.com/office/powerpoint/2010/main" type="titleOnly">
+<p:sldLayout xmlns:a="http://schemas.openxmlformats.org/drawingml/2006/main" xmlns:r="http://schemas.openxmlformats.org/officeDocument/2006/relationships" xmlns:p="http://schemas.openxmlformats.org/presentationml/2006/main" type="titleOnly">
   <p:cSld name="Title only">
     <p:spTree>
       <p:nvGrpSpPr>
-        <p:cNvPr id="28" name="Shape 28"/>
+        <p:cNvPr id="1" name="Shape 28"/>
         <p:cNvGrpSpPr/>
         <p:nvPr/>
       </p:nvGrpSpPr>
@@ -3386,7 +3520,9 @@
       <p:sp>
         <p:nvSpPr>
           <p:cNvPr id="29" name="Shape 29"/>
-          <p:cNvSpPr txBox="1"/>
+          <p:cNvSpPr txBox="1">
+            <a:spLocks noGrp="1"/>
+          </p:cNvSpPr>
           <p:nvPr>
             <p:ph type="title"/>
           </p:nvPr>
@@ -3401,7 +3537,7 @@
           </a:prstGeom>
         </p:spPr>
         <p:txBody>
-          <a:bodyPr anchorCtr="0" anchor="t" bIns="91425" lIns="91425" rIns="91425" tIns="91425"/>
+          <a:bodyPr lIns="91425" tIns="91425" rIns="91425" bIns="91425" anchor="t" anchorCtr="0"/>
           <a:lstStyle>
             <a:lvl1pPr>
               <a:spcBef>
@@ -3458,15 +3594,19 @@
               <a:defRPr/>
             </a:lvl9pPr>
           </a:lstStyle>
-          <a:p/>
+          <a:p>
+            <a:endParaRPr/>
+          </a:p>
         </p:txBody>
       </p:sp>
       <p:sp>
         <p:nvSpPr>
           <p:cNvPr id="30" name="Shape 30"/>
-          <p:cNvSpPr txBox="1"/>
+          <p:cNvSpPr txBox="1">
+            <a:spLocks noGrp="1"/>
+          </p:cNvSpPr>
           <p:nvPr>
-            <p:ph idx="12" type="sldNum"/>
+            <p:ph type="sldNum" idx="12"/>
           </p:nvPr>
         </p:nvSpPr>
         <p:spPr>
@@ -3479,7 +3619,7 @@
           </a:prstGeom>
         </p:spPr>
         <p:txBody>
-          <a:bodyPr anchorCtr="0" anchor="ctr" bIns="91425" lIns="91425" rIns="91425" tIns="91425">
+          <a:bodyPr lIns="91425" tIns="91425" rIns="91425" bIns="91425" anchor="ctr" anchorCtr="0">
             <a:noAutofit/>
           </a:bodyPr>
           <a:lstStyle/>
@@ -3494,6 +3634,7 @@
               <a:rPr lang="en"/>
               <a:t>‹#›</a:t>
             </a:fld>
+            <a:endParaRPr lang="en"/>
           </a:p>
         </p:txBody>
       </p:sp>
@@ -3506,11 +3647,11 @@
 </file>
 
 <file path=ppt/slideLayouts/slideLayout6.xml><?xml version="1.0" encoding="utf-8"?>
-<p:sldLayout xmlns:a="http://schemas.openxmlformats.org/drawingml/2006/main" xmlns:r="http://schemas.openxmlformats.org/officeDocument/2006/relationships" xmlns:mc="http://schemas.openxmlformats.org/markup-compatibility/2006" xmlns:mv="urn:schemas-microsoft-com:mac:vml" xmlns:p="http://schemas.openxmlformats.org/presentationml/2006/main" xmlns:c="http://schemas.openxmlformats.org/drawingml/2006/chart" xmlns:dgm="http://schemas.openxmlformats.org/drawingml/2006/diagram" xmlns:o="urn:schemas-microsoft-com:office:office" xmlns:v="urn:schemas-microsoft-com:vml" xmlns:pvml="urn:schemas-microsoft-com:office:powerpoint" xmlns:com="http://schemas.openxmlformats.org/drawingml/2006/compatibility" xmlns:p14="http://schemas.microsoft.com/office/powerpoint/2010/main">
+<p:sldLayout xmlns:a="http://schemas.openxmlformats.org/drawingml/2006/main" xmlns:r="http://schemas.openxmlformats.org/officeDocument/2006/relationships" xmlns:p="http://schemas.openxmlformats.org/presentationml/2006/main">
   <p:cSld name="One column text">
     <p:spTree>
       <p:nvGrpSpPr>
-        <p:cNvPr id="31" name="Shape 31"/>
+        <p:cNvPr id="1" name="Shape 31"/>
         <p:cNvGrpSpPr/>
         <p:nvPr/>
       </p:nvGrpSpPr>
@@ -3525,7 +3666,9 @@
       <p:sp>
         <p:nvSpPr>
           <p:cNvPr id="32" name="Shape 32"/>
-          <p:cNvSpPr txBox="1"/>
+          <p:cNvSpPr txBox="1">
+            <a:spLocks noGrp="1"/>
+          </p:cNvSpPr>
           <p:nvPr>
             <p:ph type="title"/>
           </p:nvPr>
@@ -3540,7 +3683,7 @@
           </a:prstGeom>
         </p:spPr>
         <p:txBody>
-          <a:bodyPr anchorCtr="0" anchor="b" bIns="91425" lIns="91425" rIns="91425" tIns="91425"/>
+          <a:bodyPr lIns="91425" tIns="91425" rIns="91425" bIns="91425" anchor="b" anchorCtr="0"/>
           <a:lstStyle>
             <a:lvl1pPr>
               <a:spcBef>
@@ -3606,15 +3749,19 @@
               <a:defRPr sz="2400"/>
             </a:lvl9pPr>
           </a:lstStyle>
-          <a:p/>
+          <a:p>
+            <a:endParaRPr/>
+          </a:p>
         </p:txBody>
       </p:sp>
       <p:sp>
         <p:nvSpPr>
           <p:cNvPr id="33" name="Shape 33"/>
-          <p:cNvSpPr txBox="1"/>
+          <p:cNvSpPr txBox="1">
+            <a:spLocks noGrp="1"/>
+          </p:cNvSpPr>
           <p:nvPr>
-            <p:ph idx="1" type="body"/>
+            <p:ph type="body" idx="1"/>
           </p:nvPr>
         </p:nvSpPr>
         <p:spPr>
@@ -3627,7 +3774,7 @@
           </a:prstGeom>
         </p:spPr>
         <p:txBody>
-          <a:bodyPr anchorCtr="0" anchor="t" bIns="91425" lIns="91425" rIns="91425" tIns="91425"/>
+          <a:bodyPr lIns="91425" tIns="91425" rIns="91425" bIns="91425" anchor="t" anchorCtr="0"/>
           <a:lstStyle>
             <a:lvl1pPr>
               <a:spcBef>
@@ -3693,15 +3840,19 @@
               <a:defRPr sz="1200"/>
             </a:lvl9pPr>
           </a:lstStyle>
-          <a:p/>
+          <a:p>
+            <a:endParaRPr/>
+          </a:p>
         </p:txBody>
       </p:sp>
       <p:sp>
         <p:nvSpPr>
           <p:cNvPr id="34" name="Shape 34"/>
-          <p:cNvSpPr txBox="1"/>
+          <p:cNvSpPr txBox="1">
+            <a:spLocks noGrp="1"/>
+          </p:cNvSpPr>
           <p:nvPr>
-            <p:ph idx="12" type="sldNum"/>
+            <p:ph type="sldNum" idx="12"/>
           </p:nvPr>
         </p:nvSpPr>
         <p:spPr>
@@ -3714,7 +3865,7 @@
           </a:prstGeom>
         </p:spPr>
         <p:txBody>
-          <a:bodyPr anchorCtr="0" anchor="ctr" bIns="91425" lIns="91425" rIns="91425" tIns="91425">
+          <a:bodyPr lIns="91425" tIns="91425" rIns="91425" bIns="91425" anchor="ctr" anchorCtr="0">
             <a:noAutofit/>
           </a:bodyPr>
           <a:lstStyle/>
@@ -3729,6 +3880,7 @@
               <a:rPr lang="en"/>
               <a:t>‹#›</a:t>
             </a:fld>
+            <a:endParaRPr lang="en"/>
           </a:p>
         </p:txBody>
       </p:sp>
@@ -3741,18 +3893,19 @@
 </file>
 
 <file path=ppt/slideLayouts/slideLayout7.xml><?xml version="1.0" encoding="utf-8"?>
-<p:sldLayout xmlns:a="http://schemas.openxmlformats.org/drawingml/2006/main" xmlns:r="http://schemas.openxmlformats.org/officeDocument/2006/relationships" xmlns:mc="http://schemas.openxmlformats.org/markup-compatibility/2006" xmlns:mv="urn:schemas-microsoft-com:mac:vml" xmlns:p="http://schemas.openxmlformats.org/presentationml/2006/main" xmlns:c="http://schemas.openxmlformats.org/drawingml/2006/chart" xmlns:dgm="http://schemas.openxmlformats.org/drawingml/2006/diagram" xmlns:o="urn:schemas-microsoft-com:office:office" xmlns:v="urn:schemas-microsoft-com:vml" xmlns:pvml="urn:schemas-microsoft-com:office:powerpoint" xmlns:com="http://schemas.openxmlformats.org/drawingml/2006/compatibility" xmlns:p14="http://schemas.microsoft.com/office/powerpoint/2010/main">
+<p:sldLayout xmlns:a="http://schemas.openxmlformats.org/drawingml/2006/main" xmlns:r="http://schemas.openxmlformats.org/officeDocument/2006/relationships" xmlns:p="http://schemas.openxmlformats.org/presentationml/2006/main">
   <p:cSld name="Main point">
     <p:bg>
       <p:bgPr>
         <a:solidFill>
           <a:schemeClr val="lt2"/>
         </a:solidFill>
+        <a:effectLst/>
       </p:bgPr>
     </p:bg>
     <p:spTree>
       <p:nvGrpSpPr>
-        <p:cNvPr id="35" name="Shape 35"/>
+        <p:cNvPr id="1" name="Shape 35"/>
         <p:cNvGrpSpPr/>
         <p:nvPr/>
       </p:nvGrpSpPr>
@@ -3767,7 +3920,9 @@
       <p:sp>
         <p:nvSpPr>
           <p:cNvPr id="36" name="Shape 36"/>
-          <p:cNvSpPr txBox="1"/>
+          <p:cNvSpPr txBox="1">
+            <a:spLocks noGrp="1"/>
+          </p:cNvSpPr>
           <p:nvPr>
             <p:ph type="title"/>
           </p:nvPr>
@@ -3782,7 +3937,7 @@
           </a:prstGeom>
         </p:spPr>
         <p:txBody>
-          <a:bodyPr anchorCtr="0" anchor="ctr" bIns="91425" lIns="91425" rIns="91425" tIns="91425"/>
+          <a:bodyPr lIns="91425" tIns="91425" rIns="91425" bIns="91425" anchor="ctr" anchorCtr="0"/>
           <a:lstStyle>
             <a:lvl1pPr>
               <a:spcBef>
@@ -3911,15 +4066,19 @@
               </a:defRPr>
             </a:lvl9pPr>
           </a:lstStyle>
-          <a:p/>
+          <a:p>
+            <a:endParaRPr/>
+          </a:p>
         </p:txBody>
       </p:sp>
       <p:sp>
         <p:nvSpPr>
           <p:cNvPr id="37" name="Shape 37"/>
-          <p:cNvSpPr txBox="1"/>
+          <p:cNvSpPr txBox="1">
+            <a:spLocks noGrp="1"/>
+          </p:cNvSpPr>
           <p:nvPr>
-            <p:ph idx="12" type="sldNum"/>
+            <p:ph type="sldNum" idx="12"/>
           </p:nvPr>
         </p:nvSpPr>
         <p:spPr>
@@ -3932,7 +4091,7 @@
           </a:prstGeom>
         </p:spPr>
         <p:txBody>
-          <a:bodyPr anchorCtr="0" anchor="ctr" bIns="91425" lIns="91425" rIns="91425" tIns="91425">
+          <a:bodyPr lIns="91425" tIns="91425" rIns="91425" bIns="91425" anchor="ctr" anchorCtr="0">
             <a:noAutofit/>
           </a:bodyPr>
           <a:lstStyle/>
@@ -3951,6 +4110,11 @@
               </a:rPr>
               <a:t>‹#›</a:t>
             </a:fld>
+            <a:endParaRPr lang="en">
+              <a:solidFill>
+                <a:schemeClr val="accent1"/>
+              </a:solidFill>
+            </a:endParaRPr>
           </a:p>
         </p:txBody>
       </p:sp>
@@ -3963,11 +4127,11 @@
 </file>
 
 <file path=ppt/slideLayouts/slideLayout8.xml><?xml version="1.0" encoding="utf-8"?>
-<p:sldLayout xmlns:a="http://schemas.openxmlformats.org/drawingml/2006/main" xmlns:r="http://schemas.openxmlformats.org/officeDocument/2006/relationships" xmlns:mc="http://schemas.openxmlformats.org/markup-compatibility/2006" xmlns:mv="urn:schemas-microsoft-com:mac:vml" xmlns:p="http://schemas.openxmlformats.org/presentationml/2006/main" xmlns:c="http://schemas.openxmlformats.org/drawingml/2006/chart" xmlns:dgm="http://schemas.openxmlformats.org/drawingml/2006/diagram" xmlns:o="urn:schemas-microsoft-com:office:office" xmlns:v="urn:schemas-microsoft-com:vml" xmlns:pvml="urn:schemas-microsoft-com:office:powerpoint" xmlns:com="http://schemas.openxmlformats.org/drawingml/2006/compatibility" xmlns:p14="http://schemas.microsoft.com/office/powerpoint/2010/main">
+<p:sldLayout xmlns:a="http://schemas.openxmlformats.org/drawingml/2006/main" xmlns:r="http://schemas.openxmlformats.org/officeDocument/2006/relationships" xmlns:p="http://schemas.openxmlformats.org/presentationml/2006/main">
   <p:cSld name="Section title and description">
     <p:spTree>
       <p:nvGrpSpPr>
-        <p:cNvPr id="38" name="Shape 38"/>
+        <p:cNvPr id="1" name="Shape 38"/>
         <p:cNvGrpSpPr/>
         <p:nvPr/>
       </p:nvGrpSpPr>
@@ -4001,7 +4165,7 @@
           </a:ln>
         </p:spPr>
         <p:txBody>
-          <a:bodyPr anchorCtr="0" anchor="ctr" bIns="91425" lIns="91425" rIns="91425" tIns="91425">
+          <a:bodyPr lIns="91425" tIns="91425" rIns="91425" bIns="91425" anchor="ctr" anchorCtr="0">
             <a:noAutofit/>
           </a:bodyPr>
           <a:lstStyle/>
@@ -4012,9 +4176,6 @@
               </a:spcBef>
               <a:buNone/>
             </a:pPr>
-            <a:r>
-              <a:t/>
-            </a:r>
             <a:endParaRPr/>
           </a:p>
         </p:txBody>
@@ -4034,21 +4195,23 @@
             <a:avLst/>
           </a:prstGeom>
           <a:noFill/>
-          <a:ln cap="flat" cmpd="sng" w="19050">
+          <a:ln w="19050" cap="flat" cmpd="sng">
             <a:solidFill>
               <a:schemeClr val="lt2"/>
             </a:solidFill>
             <a:prstDash val="solid"/>
             <a:round/>
-            <a:headEnd len="med" w="med" type="none"/>
-            <a:tailEnd len="med" w="med" type="none"/>
+            <a:headEnd type="none" w="med" len="med"/>
+            <a:tailEnd type="none" w="med" len="med"/>
           </a:ln>
         </p:spPr>
       </p:cxnSp>
       <p:sp>
         <p:nvSpPr>
           <p:cNvPr id="41" name="Shape 41"/>
-          <p:cNvSpPr txBox="1"/>
+          <p:cNvSpPr txBox="1">
+            <a:spLocks noGrp="1"/>
+          </p:cNvSpPr>
           <p:nvPr>
             <p:ph type="title"/>
           </p:nvPr>
@@ -4063,7 +4226,7 @@
           </a:prstGeom>
         </p:spPr>
         <p:txBody>
-          <a:bodyPr anchorCtr="0" anchor="b" bIns="91425" lIns="91425" rIns="91425" tIns="91425"/>
+          <a:bodyPr lIns="91425" tIns="91425" rIns="91425" bIns="91425" anchor="b" anchorCtr="0"/>
           <a:lstStyle>
             <a:lvl1pPr algn="ctr">
               <a:spcBef>
@@ -4192,15 +4355,19 @@
               </a:defRPr>
             </a:lvl9pPr>
           </a:lstStyle>
-          <a:p/>
+          <a:p>
+            <a:endParaRPr/>
+          </a:p>
         </p:txBody>
       </p:sp>
       <p:sp>
         <p:nvSpPr>
           <p:cNvPr id="42" name="Shape 42"/>
-          <p:cNvSpPr txBox="1"/>
+          <p:cNvSpPr txBox="1">
+            <a:spLocks noGrp="1"/>
+          </p:cNvSpPr>
           <p:nvPr>
-            <p:ph idx="1" type="subTitle"/>
+            <p:ph type="subTitle" idx="1"/>
           </p:nvPr>
         </p:nvSpPr>
         <p:spPr>
@@ -4213,7 +4380,7 @@
           </a:prstGeom>
         </p:spPr>
         <p:txBody>
-          <a:bodyPr anchorCtr="0" anchor="t" bIns="91425" lIns="91425" rIns="91425" tIns="91425"/>
+          <a:bodyPr lIns="91425" tIns="91425" rIns="91425" bIns="91425" anchor="t" anchorCtr="0"/>
           <a:lstStyle>
             <a:lvl1pPr algn="ctr">
               <a:lnSpc>
@@ -4342,15 +4509,19 @@
               <a:defRPr sz="2100"/>
             </a:lvl9pPr>
           </a:lstStyle>
-          <a:p/>
+          <a:p>
+            <a:endParaRPr/>
+          </a:p>
         </p:txBody>
       </p:sp>
       <p:sp>
         <p:nvSpPr>
           <p:cNvPr id="43" name="Shape 43"/>
-          <p:cNvSpPr txBox="1"/>
+          <p:cNvSpPr txBox="1">
+            <a:spLocks noGrp="1"/>
+          </p:cNvSpPr>
           <p:nvPr>
-            <p:ph idx="2" type="body"/>
+            <p:ph type="body" idx="2"/>
           </p:nvPr>
         </p:nvSpPr>
         <p:spPr>
@@ -4363,7 +4534,7 @@
           </a:prstGeom>
         </p:spPr>
         <p:txBody>
-          <a:bodyPr anchorCtr="0" anchor="ctr" bIns="91425" lIns="91425" rIns="91425" tIns="91425"/>
+          <a:bodyPr lIns="91425" tIns="91425" rIns="91425" bIns="91425" anchor="ctr" anchorCtr="0"/>
           <a:lstStyle>
             <a:lvl1pPr>
               <a:spcBef>
@@ -4483,15 +4654,19 @@
               </a:defRPr>
             </a:lvl9pPr>
           </a:lstStyle>
-          <a:p/>
+          <a:p>
+            <a:endParaRPr/>
+          </a:p>
         </p:txBody>
       </p:sp>
       <p:sp>
         <p:nvSpPr>
           <p:cNvPr id="44" name="Shape 44"/>
-          <p:cNvSpPr txBox="1"/>
+          <p:cNvSpPr txBox="1">
+            <a:spLocks noGrp="1"/>
+          </p:cNvSpPr>
           <p:nvPr>
-            <p:ph idx="12" type="sldNum"/>
+            <p:ph type="sldNum" idx="12"/>
           </p:nvPr>
         </p:nvSpPr>
         <p:spPr>
@@ -4504,7 +4679,7 @@
           </a:prstGeom>
         </p:spPr>
         <p:txBody>
-          <a:bodyPr anchorCtr="0" anchor="ctr" bIns="91425" lIns="91425" rIns="91425" tIns="91425">
+          <a:bodyPr lIns="91425" tIns="91425" rIns="91425" bIns="91425" anchor="ctr" anchorCtr="0">
             <a:noAutofit/>
           </a:bodyPr>
           <a:lstStyle/>
@@ -4523,6 +4698,11 @@
               </a:rPr>
               <a:t>‹#›</a:t>
             </a:fld>
+            <a:endParaRPr lang="en">
+              <a:solidFill>
+                <a:schemeClr val="accent1"/>
+              </a:solidFill>
+            </a:endParaRPr>
           </a:p>
         </p:txBody>
       </p:sp>
@@ -4535,11 +4715,11 @@
 </file>
 
 <file path=ppt/slideLayouts/slideLayout9.xml><?xml version="1.0" encoding="utf-8"?>
-<p:sldLayout xmlns:a="http://schemas.openxmlformats.org/drawingml/2006/main" xmlns:r="http://schemas.openxmlformats.org/officeDocument/2006/relationships" xmlns:mc="http://schemas.openxmlformats.org/markup-compatibility/2006" xmlns:mv="urn:schemas-microsoft-com:mac:vml" xmlns:p="http://schemas.openxmlformats.org/presentationml/2006/main" xmlns:c="http://schemas.openxmlformats.org/drawingml/2006/chart" xmlns:dgm="http://schemas.openxmlformats.org/drawingml/2006/diagram" xmlns:o="urn:schemas-microsoft-com:office:office" xmlns:v="urn:schemas-microsoft-com:vml" xmlns:pvml="urn:schemas-microsoft-com:office:powerpoint" xmlns:com="http://schemas.openxmlformats.org/drawingml/2006/compatibility" xmlns:p14="http://schemas.microsoft.com/office/powerpoint/2010/main">
+<p:sldLayout xmlns:a="http://schemas.openxmlformats.org/drawingml/2006/main" xmlns:r="http://schemas.openxmlformats.org/officeDocument/2006/relationships" xmlns:p="http://schemas.openxmlformats.org/presentationml/2006/main">
   <p:cSld name="Caption">
     <p:spTree>
       <p:nvGrpSpPr>
-        <p:cNvPr id="45" name="Shape 45"/>
+        <p:cNvPr id="1" name="Shape 45"/>
         <p:cNvGrpSpPr/>
         <p:nvPr/>
       </p:nvGrpSpPr>
@@ -4554,9 +4734,11 @@
       <p:sp>
         <p:nvSpPr>
           <p:cNvPr id="46" name="Shape 46"/>
-          <p:cNvSpPr txBox="1"/>
+          <p:cNvSpPr txBox="1">
+            <a:spLocks noGrp="1"/>
+          </p:cNvSpPr>
           <p:nvPr>
-            <p:ph idx="1" type="body"/>
+            <p:ph type="body" idx="1"/>
           </p:nvPr>
         </p:nvSpPr>
         <p:spPr>
@@ -4569,7 +4751,7 @@
           </a:prstGeom>
         </p:spPr>
         <p:txBody>
-          <a:bodyPr anchorCtr="0" anchor="ctr" bIns="91425" lIns="91425" rIns="91425" tIns="91425"/>
+          <a:bodyPr lIns="91425" tIns="91425" rIns="91425" bIns="91425" anchor="ctr" anchorCtr="0"/>
           <a:lstStyle>
             <a:lvl1pPr>
               <a:lnSpc>
@@ -4585,15 +4767,19 @@
               <a:defRPr/>
             </a:lvl1pPr>
           </a:lstStyle>
-          <a:p/>
+          <a:p>
+            <a:endParaRPr/>
+          </a:p>
         </p:txBody>
       </p:sp>
       <p:sp>
         <p:nvSpPr>
           <p:cNvPr id="47" name="Shape 47"/>
-          <p:cNvSpPr txBox="1"/>
+          <p:cNvSpPr txBox="1">
+            <a:spLocks noGrp="1"/>
+          </p:cNvSpPr>
           <p:nvPr>
-            <p:ph idx="12" type="sldNum"/>
+            <p:ph type="sldNum" idx="12"/>
           </p:nvPr>
         </p:nvSpPr>
         <p:spPr>
@@ -4606,7 +4792,7 @@
           </a:prstGeom>
         </p:spPr>
         <p:txBody>
-          <a:bodyPr anchorCtr="0" anchor="ctr" bIns="91425" lIns="91425" rIns="91425" tIns="91425">
+          <a:bodyPr lIns="91425" tIns="91425" rIns="91425" bIns="91425" anchor="ctr" anchorCtr="0">
             <a:noAutofit/>
           </a:bodyPr>
           <a:lstStyle/>
@@ -4621,6 +4807,7 @@
               <a:rPr lang="en"/>
               <a:t>‹#›</a:t>
             </a:fld>
+            <a:endParaRPr lang="en"/>
           </a:p>
         </p:txBody>
       </p:sp>
@@ -4633,18 +4820,19 @@
 </file>
 
 <file path=ppt/slideMasters/slideMaster1.xml><?xml version="1.0" encoding="utf-8"?>
-<p:sldMaster xmlns:a="http://schemas.openxmlformats.org/drawingml/2006/main" xmlns:r="http://schemas.openxmlformats.org/officeDocument/2006/relationships" xmlns:mc="http://schemas.openxmlformats.org/markup-compatibility/2006" xmlns:mv="urn:schemas-microsoft-com:mac:vml" xmlns:p="http://schemas.openxmlformats.org/presentationml/2006/main" xmlns:c="http://schemas.openxmlformats.org/drawingml/2006/chart" xmlns:dgm="http://schemas.openxmlformats.org/drawingml/2006/diagram" xmlns:o="urn:schemas-microsoft-com:office:office" xmlns:v="urn:schemas-microsoft-com:vml" xmlns:pvml="urn:schemas-microsoft-com:office:powerpoint" xmlns:com="http://schemas.openxmlformats.org/drawingml/2006/compatibility" xmlns:p14="http://schemas.microsoft.com/office/powerpoint/2010/main">
+<p:sldMaster xmlns:a="http://schemas.openxmlformats.org/drawingml/2006/main" xmlns:r="http://schemas.openxmlformats.org/officeDocument/2006/relationships" xmlns:p="http://schemas.openxmlformats.org/presentationml/2006/main">
   <p:cSld>
     <p:bg>
       <p:bgPr>
         <a:solidFill>
           <a:schemeClr val="accent1"/>
         </a:solidFill>
+        <a:effectLst/>
       </p:bgPr>
     </p:bg>
     <p:spTree>
       <p:nvGrpSpPr>
-        <p:cNvPr id="4" name="Shape 4"/>
+        <p:cNvPr id="1" name="Shape 4"/>
         <p:cNvGrpSpPr/>
         <p:nvPr/>
       </p:nvGrpSpPr>
@@ -4659,7 +4847,9 @@
       <p:sp>
         <p:nvSpPr>
           <p:cNvPr id="5" name="Shape 5"/>
-          <p:cNvSpPr txBox="1"/>
+          <p:cNvSpPr txBox="1">
+            <a:spLocks noGrp="1"/>
+          </p:cNvSpPr>
           <p:nvPr>
             <p:ph type="title"/>
           </p:nvPr>
@@ -4678,7 +4868,7 @@
           </a:ln>
         </p:spPr>
         <p:txBody>
-          <a:bodyPr anchorCtr="0" anchor="t" bIns="91425" lIns="91425" rIns="91425" tIns="91425"/>
+          <a:bodyPr lIns="91425" tIns="91425" rIns="91425" bIns="91425" anchor="t" anchorCtr="0"/>
           <a:lstStyle>
             <a:lvl1pPr>
               <a:spcBef>
@@ -4861,15 +5051,19 @@
               </a:defRPr>
             </a:lvl9pPr>
           </a:lstStyle>
-          <a:p/>
+          <a:p>
+            <a:endParaRPr/>
+          </a:p>
         </p:txBody>
       </p:sp>
       <p:sp>
         <p:nvSpPr>
           <p:cNvPr id="6" name="Shape 6"/>
-          <p:cNvSpPr txBox="1"/>
+          <p:cNvSpPr txBox="1">
+            <a:spLocks noGrp="1"/>
+          </p:cNvSpPr>
           <p:nvPr>
-            <p:ph idx="1" type="body"/>
+            <p:ph type="body" idx="1"/>
           </p:nvPr>
         </p:nvSpPr>
         <p:spPr>
@@ -4886,7 +5080,7 @@
           </a:ln>
         </p:spPr>
         <p:txBody>
-          <a:bodyPr anchorCtr="0" anchor="t" bIns="91425" lIns="91425" rIns="91425" tIns="91425"/>
+          <a:bodyPr lIns="91425" tIns="91425" rIns="91425" bIns="91425" anchor="t" anchorCtr="0"/>
           <a:lstStyle>
             <a:lvl1pPr>
               <a:lnSpc>
@@ -5106,15 +5300,19 @@
               </a:defRPr>
             </a:lvl9pPr>
           </a:lstStyle>
-          <a:p/>
+          <a:p>
+            <a:endParaRPr/>
+          </a:p>
         </p:txBody>
       </p:sp>
       <p:sp>
         <p:nvSpPr>
           <p:cNvPr id="7" name="Shape 7"/>
-          <p:cNvSpPr txBox="1"/>
+          <p:cNvSpPr txBox="1">
+            <a:spLocks noGrp="1"/>
+          </p:cNvSpPr>
           <p:nvPr>
-            <p:ph idx="12" type="sldNum"/>
+            <p:ph type="sldNum" idx="12"/>
           </p:nvPr>
         </p:nvSpPr>
         <p:spPr>
@@ -5131,7 +5329,7 @@
           </a:ln>
         </p:spPr>
         <p:txBody>
-          <a:bodyPr anchorCtr="0" anchor="ctr" bIns="91425" lIns="91425" rIns="91425" tIns="91425">
+          <a:bodyPr lIns="91425" tIns="91425" rIns="91425" bIns="91425" anchor="ctr" anchorCtr="0">
             <a:noAutofit/>
           </a:bodyPr>
           <a:lstStyle/>
@@ -5154,12 +5352,21 @@
               </a:rPr>
               <a:t>‹#›</a:t>
             </a:fld>
+            <a:endParaRPr lang="en" sz="1000">
+              <a:solidFill>
+                <a:schemeClr val="dk1"/>
+              </a:solidFill>
+              <a:latin typeface="Old Standard TT"/>
+              <a:ea typeface="Old Standard TT"/>
+              <a:cs typeface="Old Standard TT"/>
+              <a:sym typeface="Old Standard TT"/>
+            </a:endParaRPr>
           </a:p>
         </p:txBody>
       </p:sp>
     </p:spTree>
   </p:cSld>
-  <p:clrMap accent1="accent1" accent2="accent2" accent3="accent3" accent4="accent4" accent5="accent5" accent6="accent6" bg1="lt1" bg2="dk2" tx1="dk1" tx2="lt2" folHlink="folHlink" hlink="hlink"/>
+  <p:clrMap bg1="lt1" tx1="dk1" bg2="dk2" tx2="lt2" accent1="accent1" accent2="accent2" accent3="accent3" accent4="accent4" accent5="accent5" accent6="accent6" hlink="hlink" folHlink="folHlink"/>
   <p:sldLayoutIdLst>
     <p:sldLayoutId id="2147483648" r:id="rId1"/>
     <p:sldLayoutId id="2147483649" r:id="rId2"/>
@@ -5173,10 +5380,10 @@
     <p:sldLayoutId id="2147483657" r:id="rId10"/>
     <p:sldLayoutId id="2147483658" r:id="rId11"/>
   </p:sldLayoutIdLst>
-  <p:hf dt="0" ftr="0" hdr="0" sldNum="0"/>
+  <p:hf sldNum="0" hdr="0" ftr="0" dt="0"/>
   <p:txStyles>
     <p:titleStyle>
-      <a:defPPr marR="0" rtl="0" algn="l">
+      <a:defPPr marR="0" algn="l" rtl="0">
         <a:lnSpc>
           <a:spcPct val="100000"/>
         </a:lnSpc>
@@ -5187,7 +5394,7 @@
           <a:spcPts val="0"/>
         </a:spcAft>
       </a:defPPr>
-      <a:lvl1pPr marR="0" rtl="0" algn="l">
+      <a:lvl1pPr marR="0" algn="l" rtl="0">
         <a:lnSpc>
           <a:spcPct val="100000"/>
         </a:lnSpc>
@@ -5198,7 +5405,7 @@
           <a:spcPts val="0"/>
         </a:spcAft>
         <a:buNone/>
-        <a:defRPr b="0" baseline="0" i="0" sz="1400" u="none" cap="none" strike="noStrike">
+        <a:defRPr sz="1400" b="0" i="0" u="none" strike="noStrike" cap="none" baseline="0">
           <a:solidFill>
             <a:srgbClr val="000000"/>
           </a:solidFill>
@@ -5211,7 +5418,7 @@
       </a:lvl1pPr>
     </p:titleStyle>
     <p:bodyStyle>
-      <a:defPPr marR="0" rtl="0" algn="l">
+      <a:defPPr marR="0" algn="l" rtl="0">
         <a:lnSpc>
           <a:spcPct val="100000"/>
         </a:lnSpc>
@@ -5222,7 +5429,7 @@
           <a:spcPts val="0"/>
         </a:spcAft>
       </a:defPPr>
-      <a:lvl1pPr marR="0" rtl="0" algn="l">
+      <a:lvl1pPr marR="0" algn="l" rtl="0">
         <a:lnSpc>
           <a:spcPct val="100000"/>
         </a:lnSpc>
@@ -5233,7 +5440,7 @@
           <a:spcPts val="0"/>
         </a:spcAft>
         <a:buNone/>
-        <a:defRPr b="0" baseline="0" i="0" sz="1400" u="none" cap="none" strike="noStrike">
+        <a:defRPr sz="1400" b="0" i="0" u="none" strike="noStrike" cap="none" baseline="0">
           <a:solidFill>
             <a:srgbClr val="000000"/>
           </a:solidFill>
@@ -5244,7 +5451,7 @@
           <a:rtl val="0"/>
         </a:defRPr>
       </a:lvl1pPr>
-      <a:lvl2pPr marR="0" rtl="0" algn="l">
+      <a:lvl2pPr marR="0" algn="l" rtl="0">
         <a:lnSpc>
           <a:spcPct val="100000"/>
         </a:lnSpc>
@@ -5255,7 +5462,7 @@
           <a:spcPts val="0"/>
         </a:spcAft>
         <a:buNone/>
-        <a:defRPr b="0" baseline="0" i="0" sz="1400" u="none" cap="none" strike="noStrike">
+        <a:defRPr sz="1400" b="0" i="0" u="none" strike="noStrike" cap="none" baseline="0">
           <a:solidFill>
             <a:srgbClr val="000000"/>
           </a:solidFill>
@@ -5266,7 +5473,7 @@
           <a:rtl val="0"/>
         </a:defRPr>
       </a:lvl2pPr>
-      <a:lvl3pPr marR="0" rtl="0" algn="l">
+      <a:lvl3pPr marR="0" algn="l" rtl="0">
         <a:lnSpc>
           <a:spcPct val="100000"/>
         </a:lnSpc>
@@ -5277,7 +5484,7 @@
           <a:spcPts val="0"/>
         </a:spcAft>
         <a:buNone/>
-        <a:defRPr b="0" baseline="0" i="0" sz="1400" u="none" cap="none" strike="noStrike">
+        <a:defRPr sz="1400" b="0" i="0" u="none" strike="noStrike" cap="none" baseline="0">
           <a:solidFill>
             <a:srgbClr val="000000"/>
           </a:solidFill>
@@ -5288,7 +5495,7 @@
           <a:rtl val="0"/>
         </a:defRPr>
       </a:lvl3pPr>
-      <a:lvl4pPr marR="0" rtl="0" algn="l">
+      <a:lvl4pPr marR="0" algn="l" rtl="0">
         <a:lnSpc>
           <a:spcPct val="100000"/>
         </a:lnSpc>
@@ -5299,7 +5506,7 @@
           <a:spcPts val="0"/>
         </a:spcAft>
         <a:buNone/>
-        <a:defRPr b="0" baseline="0" i="0" sz="1400" u="none" cap="none" strike="noStrike">
+        <a:defRPr sz="1400" b="0" i="0" u="none" strike="noStrike" cap="none" baseline="0">
           <a:solidFill>
             <a:srgbClr val="000000"/>
           </a:solidFill>
@@ -5310,7 +5517,7 @@
           <a:rtl val="0"/>
         </a:defRPr>
       </a:lvl4pPr>
-      <a:lvl5pPr marR="0" rtl="0" algn="l">
+      <a:lvl5pPr marR="0" algn="l" rtl="0">
         <a:lnSpc>
           <a:spcPct val="100000"/>
         </a:lnSpc>
@@ -5321,7 +5528,7 @@
           <a:spcPts val="0"/>
         </a:spcAft>
         <a:buNone/>
-        <a:defRPr b="0" baseline="0" i="0" sz="1400" u="none" cap="none" strike="noStrike">
+        <a:defRPr sz="1400" b="0" i="0" u="none" strike="noStrike" cap="none" baseline="0">
           <a:solidFill>
             <a:srgbClr val="000000"/>
           </a:solidFill>
@@ -5332,7 +5539,7 @@
           <a:rtl val="0"/>
         </a:defRPr>
       </a:lvl5pPr>
-      <a:lvl6pPr marR="0" rtl="0" algn="l">
+      <a:lvl6pPr marR="0" algn="l" rtl="0">
         <a:lnSpc>
           <a:spcPct val="100000"/>
         </a:lnSpc>
@@ -5343,7 +5550,7 @@
           <a:spcPts val="0"/>
         </a:spcAft>
         <a:buNone/>
-        <a:defRPr b="0" baseline="0" i="0" sz="1400" u="none" cap="none" strike="noStrike">
+        <a:defRPr sz="1400" b="0" i="0" u="none" strike="noStrike" cap="none" baseline="0">
           <a:solidFill>
             <a:srgbClr val="000000"/>
           </a:solidFill>
@@ -5354,7 +5561,7 @@
           <a:rtl val="0"/>
         </a:defRPr>
       </a:lvl6pPr>
-      <a:lvl7pPr marR="0" rtl="0" algn="l">
+      <a:lvl7pPr marR="0" algn="l" rtl="0">
         <a:lnSpc>
           <a:spcPct val="100000"/>
         </a:lnSpc>
@@ -5365,7 +5572,7 @@
           <a:spcPts val="0"/>
         </a:spcAft>
         <a:buNone/>
-        <a:defRPr b="0" baseline="0" i="0" sz="1400" u="none" cap="none" strike="noStrike">
+        <a:defRPr sz="1400" b="0" i="0" u="none" strike="noStrike" cap="none" baseline="0">
           <a:solidFill>
             <a:srgbClr val="000000"/>
           </a:solidFill>
@@ -5376,7 +5583,7 @@
           <a:rtl val="0"/>
         </a:defRPr>
       </a:lvl7pPr>
-      <a:lvl8pPr marR="0" rtl="0" algn="l">
+      <a:lvl8pPr marR="0" algn="l" rtl="0">
         <a:lnSpc>
           <a:spcPct val="100000"/>
         </a:lnSpc>
@@ -5387,7 +5594,7 @@
           <a:spcPts val="0"/>
         </a:spcAft>
         <a:buNone/>
-        <a:defRPr b="0" baseline="0" i="0" sz="1400" u="none" cap="none" strike="noStrike">
+        <a:defRPr sz="1400" b="0" i="0" u="none" strike="noStrike" cap="none" baseline="0">
           <a:solidFill>
             <a:srgbClr val="000000"/>
           </a:solidFill>
@@ -5398,7 +5605,7 @@
           <a:rtl val="0"/>
         </a:defRPr>
       </a:lvl8pPr>
-      <a:lvl9pPr marR="0" rtl="0" algn="l">
+      <a:lvl9pPr marR="0" algn="l" rtl="0">
         <a:lnSpc>
           <a:spcPct val="100000"/>
         </a:lnSpc>
@@ -5409,7 +5616,7 @@
           <a:spcPts val="0"/>
         </a:spcAft>
         <a:buNone/>
-        <a:defRPr b="0" baseline="0" i="0" sz="1400" u="none" cap="none" strike="noStrike">
+        <a:defRPr sz="1400" b="0" i="0" u="none" strike="noStrike" cap="none" baseline="0">
           <a:solidFill>
             <a:srgbClr val="000000"/>
           </a:solidFill>
@@ -5422,7 +5629,7 @@
       </a:lvl9pPr>
     </p:bodyStyle>
     <p:otherStyle>
-      <a:defPPr marR="0" rtl="0" algn="l">
+      <a:defPPr marR="0" algn="l" rtl="0">
         <a:lnSpc>
           <a:spcPct val="100000"/>
         </a:lnSpc>
@@ -5433,7 +5640,7 @@
           <a:spcPts val="0"/>
         </a:spcAft>
       </a:defPPr>
-      <a:lvl1pPr marR="0" rtl="0" algn="l">
+      <a:lvl1pPr marR="0" algn="l" rtl="0">
         <a:lnSpc>
           <a:spcPct val="100000"/>
         </a:lnSpc>
@@ -5444,7 +5651,7 @@
           <a:spcPts val="0"/>
         </a:spcAft>
         <a:buNone/>
-        <a:defRPr b="0" baseline="0" i="0" sz="1400" u="none" cap="none" strike="noStrike">
+        <a:defRPr sz="1400" b="0" i="0" u="none" strike="noStrike" cap="none" baseline="0">
           <a:solidFill>
             <a:srgbClr val="000000"/>
           </a:solidFill>
@@ -5455,7 +5662,7 @@
           <a:rtl val="0"/>
         </a:defRPr>
       </a:lvl1pPr>
-      <a:lvl2pPr marR="0" rtl="0" algn="l">
+      <a:lvl2pPr marR="0" algn="l" rtl="0">
         <a:lnSpc>
           <a:spcPct val="100000"/>
         </a:lnSpc>
@@ -5466,7 +5673,7 @@
           <a:spcPts val="0"/>
         </a:spcAft>
         <a:buNone/>
-        <a:defRPr b="0" baseline="0" i="0" sz="1400" u="none" cap="none" strike="noStrike">
+        <a:defRPr sz="1400" b="0" i="0" u="none" strike="noStrike" cap="none" baseline="0">
           <a:solidFill>
             <a:srgbClr val="000000"/>
           </a:solidFill>
@@ -5477,7 +5684,7 @@
           <a:rtl val="0"/>
         </a:defRPr>
       </a:lvl2pPr>
-      <a:lvl3pPr marR="0" rtl="0" algn="l">
+      <a:lvl3pPr marR="0" algn="l" rtl="0">
         <a:lnSpc>
           <a:spcPct val="100000"/>
         </a:lnSpc>
@@ -5488,7 +5695,7 @@
           <a:spcPts val="0"/>
         </a:spcAft>
         <a:buNone/>
-        <a:defRPr b="0" baseline="0" i="0" sz="1400" u="none" cap="none" strike="noStrike">
+        <a:defRPr sz="1400" b="0" i="0" u="none" strike="noStrike" cap="none" baseline="0">
           <a:solidFill>
             <a:srgbClr val="000000"/>
           </a:solidFill>
@@ -5499,7 +5706,7 @@
           <a:rtl val="0"/>
         </a:defRPr>
       </a:lvl3pPr>
-      <a:lvl4pPr marR="0" rtl="0" algn="l">
+      <a:lvl4pPr marR="0" algn="l" rtl="0">
         <a:lnSpc>
           <a:spcPct val="100000"/>
         </a:lnSpc>
@@ -5510,7 +5717,7 @@
           <a:spcPts val="0"/>
         </a:spcAft>
         <a:buNone/>
-        <a:defRPr b="0" baseline="0" i="0" sz="1400" u="none" cap="none" strike="noStrike">
+        <a:defRPr sz="1400" b="0" i="0" u="none" strike="noStrike" cap="none" baseline="0">
           <a:solidFill>
             <a:srgbClr val="000000"/>
           </a:solidFill>
@@ -5521,7 +5728,7 @@
           <a:rtl val="0"/>
         </a:defRPr>
       </a:lvl4pPr>
-      <a:lvl5pPr marR="0" rtl="0" algn="l">
+      <a:lvl5pPr marR="0" algn="l" rtl="0">
         <a:lnSpc>
           <a:spcPct val="100000"/>
         </a:lnSpc>
@@ -5532,7 +5739,7 @@
           <a:spcPts val="0"/>
         </a:spcAft>
         <a:buNone/>
-        <a:defRPr b="0" baseline="0" i="0" sz="1400" u="none" cap="none" strike="noStrike">
+        <a:defRPr sz="1400" b="0" i="0" u="none" strike="noStrike" cap="none" baseline="0">
           <a:solidFill>
             <a:srgbClr val="000000"/>
           </a:solidFill>
@@ -5543,7 +5750,7 @@
           <a:rtl val="0"/>
         </a:defRPr>
       </a:lvl5pPr>
-      <a:lvl6pPr marR="0" rtl="0" algn="l">
+      <a:lvl6pPr marR="0" algn="l" rtl="0">
         <a:lnSpc>
           <a:spcPct val="100000"/>
         </a:lnSpc>
@@ -5554,7 +5761,7 @@
           <a:spcPts val="0"/>
         </a:spcAft>
         <a:buNone/>
-        <a:defRPr b="0" baseline="0" i="0" sz="1400" u="none" cap="none" strike="noStrike">
+        <a:defRPr sz="1400" b="0" i="0" u="none" strike="noStrike" cap="none" baseline="0">
           <a:solidFill>
             <a:srgbClr val="000000"/>
           </a:solidFill>
@@ -5565,7 +5772,7 @@
           <a:rtl val="0"/>
         </a:defRPr>
       </a:lvl6pPr>
-      <a:lvl7pPr marR="0" rtl="0" algn="l">
+      <a:lvl7pPr marR="0" algn="l" rtl="0">
         <a:lnSpc>
           <a:spcPct val="100000"/>
         </a:lnSpc>
@@ -5576,7 +5783,7 @@
           <a:spcPts val="0"/>
         </a:spcAft>
         <a:buNone/>
-        <a:defRPr b="0" baseline="0" i="0" sz="1400" u="none" cap="none" strike="noStrike">
+        <a:defRPr sz="1400" b="0" i="0" u="none" strike="noStrike" cap="none" baseline="0">
           <a:solidFill>
             <a:srgbClr val="000000"/>
           </a:solidFill>
@@ -5587,7 +5794,7 @@
           <a:rtl val="0"/>
         </a:defRPr>
       </a:lvl7pPr>
-      <a:lvl8pPr marR="0" rtl="0" algn="l">
+      <a:lvl8pPr marR="0" algn="l" rtl="0">
         <a:lnSpc>
           <a:spcPct val="100000"/>
         </a:lnSpc>
@@ -5598,7 +5805,7 @@
           <a:spcPts val="0"/>
         </a:spcAft>
         <a:buNone/>
-        <a:defRPr b="0" baseline="0" i="0" sz="1400" u="none" cap="none" strike="noStrike">
+        <a:defRPr sz="1400" b="0" i="0" u="none" strike="noStrike" cap="none" baseline="0">
           <a:solidFill>
             <a:srgbClr val="000000"/>
           </a:solidFill>
@@ -5609,7 +5816,7 @@
           <a:rtl val="0"/>
         </a:defRPr>
       </a:lvl8pPr>
-      <a:lvl9pPr marR="0" rtl="0" algn="l">
+      <a:lvl9pPr marR="0" algn="l" rtl="0">
         <a:lnSpc>
           <a:spcPct val="100000"/>
         </a:lnSpc>
@@ -5620,7 +5827,7 @@
           <a:spcPts val="0"/>
         </a:spcAft>
         <a:buNone/>
-        <a:defRPr b="0" baseline="0" i="0" sz="1400" u="none" cap="none" strike="noStrike">
+        <a:defRPr sz="1400" b="0" i="0" u="none" strike="noStrike" cap="none" baseline="0">
           <a:solidFill>
             <a:srgbClr val="000000"/>
           </a:solidFill>
@@ -5637,11 +5844,11 @@
 </file>
 
 <file path=ppt/slides/slide1.xml><?xml version="1.0" encoding="utf-8"?>
-<p:sld xmlns:a="http://schemas.openxmlformats.org/drawingml/2006/main" xmlns:r="http://schemas.openxmlformats.org/officeDocument/2006/relationships" xmlns:mc="http://schemas.openxmlformats.org/markup-compatibility/2006" xmlns:mv="urn:schemas-microsoft-com:mac:vml" xmlns:p="http://schemas.openxmlformats.org/presentationml/2006/main" xmlns:c="http://schemas.openxmlformats.org/drawingml/2006/chart" xmlns:dgm="http://schemas.openxmlformats.org/drawingml/2006/diagram" xmlns:o="urn:schemas-microsoft-com:office:office" xmlns:v="urn:schemas-microsoft-com:vml" xmlns:pvml="urn:schemas-microsoft-com:office:powerpoint" xmlns:com="http://schemas.openxmlformats.org/drawingml/2006/compatibility" xmlns:p14="http://schemas.microsoft.com/office/powerpoint/2010/main">
+<p:sld xmlns:a="http://schemas.openxmlformats.org/drawingml/2006/main" xmlns:r="http://schemas.openxmlformats.org/officeDocument/2006/relationships" xmlns:p="http://schemas.openxmlformats.org/presentationml/2006/main">
   <p:cSld>
     <p:spTree>
       <p:nvGrpSpPr>
-        <p:cNvPr id="57" name="Shape 57"/>
+        <p:cNvPr id="1" name="Shape 57"/>
         <p:cNvGrpSpPr/>
         <p:nvPr/>
       </p:nvGrpSpPr>
@@ -5656,7 +5863,9 @@
       <p:sp>
         <p:nvSpPr>
           <p:cNvPr id="58" name="Shape 58"/>
-          <p:cNvSpPr txBox="1"/>
+          <p:cNvSpPr txBox="1">
+            <a:spLocks noGrp="1"/>
+          </p:cNvSpPr>
           <p:nvPr>
             <p:ph type="ctrTitle"/>
           </p:nvPr>
@@ -5671,7 +5880,7 @@
           </a:prstGeom>
         </p:spPr>
         <p:txBody>
-          <a:bodyPr anchorCtr="0" anchor="b" bIns="91425" lIns="91425" rIns="91425" tIns="91425">
+          <a:bodyPr lIns="91425" tIns="91425" rIns="91425" bIns="91425" anchor="b" anchorCtr="0">
             <a:noAutofit/>
           </a:bodyPr>
           <a:lstStyle/>
@@ -5692,9 +5901,11 @@
       <p:sp>
         <p:nvSpPr>
           <p:cNvPr id="59" name="Shape 59"/>
-          <p:cNvSpPr txBox="1"/>
+          <p:cNvSpPr txBox="1">
+            <a:spLocks noGrp="1"/>
+          </p:cNvSpPr>
           <p:nvPr>
-            <p:ph idx="1" type="subTitle"/>
+            <p:ph type="subTitle" idx="1"/>
           </p:nvPr>
         </p:nvSpPr>
         <p:spPr>
@@ -5707,7 +5918,7 @@
           </a:prstGeom>
         </p:spPr>
         <p:txBody>
-          <a:bodyPr anchorCtr="0" anchor="t" bIns="91425" lIns="91425" rIns="91425" tIns="91425">
+          <a:bodyPr lIns="91425" tIns="91425" rIns="91425" bIns="91425" anchor="t" anchorCtr="0">
             <a:noAutofit/>
           </a:bodyPr>
           <a:lstStyle/>
@@ -5742,18 +5953,18 @@
   <p:clrMapOvr>
     <a:masterClrMapping/>
   </p:clrMapOvr>
-  <p:transition spd="slow">
+  <p:transition xmlns:p14="http://schemas.microsoft.com/office/powerpoint/2010/main" spd="slow">
     <p:cut/>
   </p:transition>
 </p:sld>
 </file>
 
 <file path=ppt/slides/slide10.xml><?xml version="1.0" encoding="utf-8"?>
-<p:sld xmlns:a="http://schemas.openxmlformats.org/drawingml/2006/main" xmlns:r="http://schemas.openxmlformats.org/officeDocument/2006/relationships" xmlns:mc="http://schemas.openxmlformats.org/markup-compatibility/2006" xmlns:mv="urn:schemas-microsoft-com:mac:vml" xmlns:p="http://schemas.openxmlformats.org/presentationml/2006/main" xmlns:c="http://schemas.openxmlformats.org/drawingml/2006/chart" xmlns:dgm="http://schemas.openxmlformats.org/drawingml/2006/diagram" xmlns:o="urn:schemas-microsoft-com:office:office" xmlns:v="urn:schemas-microsoft-com:vml" xmlns:pvml="urn:schemas-microsoft-com:office:powerpoint" xmlns:com="http://schemas.openxmlformats.org/drawingml/2006/compatibility" xmlns:p14="http://schemas.microsoft.com/office/powerpoint/2010/main">
+<p:sld xmlns:a="http://schemas.openxmlformats.org/drawingml/2006/main" xmlns:r="http://schemas.openxmlformats.org/officeDocument/2006/relationships" xmlns:p="http://schemas.openxmlformats.org/presentationml/2006/main">
   <p:cSld>
     <p:spTree>
       <p:nvGrpSpPr>
-        <p:cNvPr id="125" name="Shape 125"/>
+        <p:cNvPr id="1" name="Shape 123"/>
         <p:cNvGrpSpPr/>
         <p:nvPr/>
       </p:nvGrpSpPr>
@@ -5767,15 +5978,17 @@
       </p:grpSpPr>
       <p:sp>
         <p:nvSpPr>
-          <p:cNvPr id="126" name="Shape 126"/>
-          <p:cNvSpPr txBox="1"/>
+          <p:cNvPr id="124" name="Shape 124"/>
+          <p:cNvSpPr txBox="1">
+            <a:spLocks noGrp="1"/>
+          </p:cNvSpPr>
           <p:nvPr>
             <p:ph type="title"/>
           </p:nvPr>
         </p:nvSpPr>
         <p:spPr>
           <a:xfrm>
-            <a:off x="260575" y="202225"/>
+            <a:off x="311700" y="445025"/>
             <a:ext cx="8520599" cy="613200"/>
           </a:xfrm>
           <a:prstGeom prst="rect">
@@ -5783,7 +5996,7 @@
           </a:prstGeom>
         </p:spPr>
         <p:txBody>
-          <a:bodyPr anchorCtr="0" anchor="t" bIns="91425" lIns="91425" rIns="91425" tIns="91425">
+          <a:bodyPr lIns="91425" tIns="91425" rIns="91425" bIns="91425" anchor="t" anchorCtr="0">
             <a:noAutofit/>
           </a:bodyPr>
           <a:lstStyle/>
@@ -5803,10 +6016,12 @@
       </p:sp>
       <p:sp>
         <p:nvSpPr>
-          <p:cNvPr id="127" name="Shape 127"/>
-          <p:cNvSpPr txBox="1"/>
+          <p:cNvPr id="125" name="Shape 125"/>
+          <p:cNvSpPr txBox="1">
+            <a:spLocks noGrp="1"/>
+          </p:cNvSpPr>
           <p:nvPr>
-            <p:ph idx="1" type="body"/>
+            <p:ph type="body" idx="1"/>
           </p:nvPr>
         </p:nvSpPr>
         <p:spPr>
@@ -5819,7 +6034,7 @@
           </a:prstGeom>
         </p:spPr>
         <p:txBody>
-          <a:bodyPr anchorCtr="0" anchor="t" bIns="91425" lIns="91425" rIns="91425" tIns="91425">
+          <a:bodyPr lIns="91425" tIns="91425" rIns="91425" bIns="91425" anchor="t" anchorCtr="0">
             <a:noAutofit/>
           </a:bodyPr>
           <a:lstStyle/>
@@ -5850,7 +6065,7 @@
       </p:sp>
       <p:pic>
         <p:nvPicPr>
-          <p:cNvPr id="128" name="Shape 128"/>
+          <p:cNvPr id="126" name="Shape 126"/>
           <p:cNvPicPr preferRelativeResize="0"/>
           <p:nvPr/>
         </p:nvPicPr>
@@ -5871,14 +6086,8 @@
             <a:avLst/>
           </a:prstGeom>
           <a:noFill/>
-          <a:ln cap="flat" cmpd="sng" w="9525">
-            <a:solidFill>
-              <a:srgbClr val="000000"/>
-            </a:solidFill>
-            <a:prstDash val="solid"/>
-            <a:round/>
-            <a:headEnd len="med" w="med" type="none"/>
-            <a:tailEnd len="med" w="med" type="none"/>
+          <a:ln>
+            <a:noFill/>
           </a:ln>
         </p:spPr>
       </p:pic>
@@ -5887,18 +6096,18 @@
   <p:clrMapOvr>
     <a:masterClrMapping/>
   </p:clrMapOvr>
-  <p:transition spd="slow">
+  <p:transition xmlns:p14="http://schemas.microsoft.com/office/powerpoint/2010/main" spd="slow">
     <p:cut/>
   </p:transition>
 </p:sld>
 </file>
 
 <file path=ppt/slides/slide11.xml><?xml version="1.0" encoding="utf-8"?>
-<p:sld xmlns:a="http://schemas.openxmlformats.org/drawingml/2006/main" xmlns:r="http://schemas.openxmlformats.org/officeDocument/2006/relationships" xmlns:mc="http://schemas.openxmlformats.org/markup-compatibility/2006" xmlns:mv="urn:schemas-microsoft-com:mac:vml" xmlns:p="http://schemas.openxmlformats.org/presentationml/2006/main" xmlns:c="http://schemas.openxmlformats.org/drawingml/2006/chart" xmlns:dgm="http://schemas.openxmlformats.org/drawingml/2006/diagram" xmlns:o="urn:schemas-microsoft-com:office:office" xmlns:v="urn:schemas-microsoft-com:vml" xmlns:pvml="urn:schemas-microsoft-com:office:powerpoint" xmlns:com="http://schemas.openxmlformats.org/drawingml/2006/compatibility" xmlns:p14="http://schemas.microsoft.com/office/powerpoint/2010/main">
+<p:sld xmlns:a="http://schemas.openxmlformats.org/drawingml/2006/main" xmlns:r="http://schemas.openxmlformats.org/officeDocument/2006/relationships" xmlns:p="http://schemas.openxmlformats.org/presentationml/2006/main">
   <p:cSld>
     <p:spTree>
       <p:nvGrpSpPr>
-        <p:cNvPr id="132" name="Shape 132"/>
+        <p:cNvPr id="1" name="Shape 130"/>
         <p:cNvGrpSpPr/>
         <p:nvPr/>
       </p:nvGrpSpPr>
@@ -5912,15 +6121,17 @@
       </p:grpSpPr>
       <p:sp>
         <p:nvSpPr>
-          <p:cNvPr id="133" name="Shape 133"/>
-          <p:cNvSpPr txBox="1"/>
+          <p:cNvPr id="131" name="Shape 131"/>
+          <p:cNvSpPr txBox="1">
+            <a:spLocks noGrp="1"/>
+          </p:cNvSpPr>
           <p:nvPr>
             <p:ph type="title"/>
           </p:nvPr>
         </p:nvSpPr>
         <p:spPr>
           <a:xfrm>
-            <a:off x="311700" y="310850"/>
+            <a:off x="311700" y="445025"/>
             <a:ext cx="8520599" cy="613200"/>
           </a:xfrm>
           <a:prstGeom prst="rect">
@@ -5928,7 +6139,7 @@
           </a:prstGeom>
         </p:spPr>
         <p:txBody>
-          <a:bodyPr anchorCtr="0" anchor="t" bIns="91425" lIns="91425" rIns="91425" tIns="91425">
+          <a:bodyPr lIns="91425" tIns="91425" rIns="91425" bIns="91425" anchor="t" anchorCtr="0">
             <a:noAutofit/>
           </a:bodyPr>
           <a:lstStyle/>
@@ -5948,10 +6159,12 @@
       </p:sp>
       <p:sp>
         <p:nvSpPr>
-          <p:cNvPr id="134" name="Shape 134"/>
-          <p:cNvSpPr txBox="1"/>
+          <p:cNvPr id="132" name="Shape 132"/>
+          <p:cNvSpPr txBox="1">
+            <a:spLocks noGrp="1"/>
+          </p:cNvSpPr>
           <p:nvPr>
-            <p:ph idx="1" type="body"/>
+            <p:ph type="body" idx="1"/>
           </p:nvPr>
         </p:nvSpPr>
         <p:spPr>
@@ -5964,7 +6177,7 @@
           </a:prstGeom>
         </p:spPr>
         <p:txBody>
-          <a:bodyPr anchorCtr="0" anchor="t" bIns="91425" lIns="91425" rIns="91425" tIns="91425">
+          <a:bodyPr lIns="91425" tIns="91425" rIns="91425" bIns="91425" anchor="t" anchorCtr="0">
             <a:noAutofit/>
           </a:bodyPr>
           <a:lstStyle/>
@@ -5995,7 +6208,7 @@
       </p:sp>
       <p:pic>
         <p:nvPicPr>
-          <p:cNvPr id="135" name="Shape 135"/>
+          <p:cNvPr id="133" name="Shape 133"/>
           <p:cNvPicPr preferRelativeResize="0"/>
           <p:nvPr/>
         </p:nvPicPr>
@@ -6026,18 +6239,18 @@
   <p:clrMapOvr>
     <a:masterClrMapping/>
   </p:clrMapOvr>
-  <p:transition spd="slow">
+  <p:transition xmlns:p14="http://schemas.microsoft.com/office/powerpoint/2010/main" spd="slow">
     <p:cut/>
   </p:transition>
 </p:sld>
 </file>
 
 <file path=ppt/slides/slide12.xml><?xml version="1.0" encoding="utf-8"?>
-<p:sld xmlns:a="http://schemas.openxmlformats.org/drawingml/2006/main" xmlns:r="http://schemas.openxmlformats.org/officeDocument/2006/relationships" xmlns:mc="http://schemas.openxmlformats.org/markup-compatibility/2006" xmlns:mv="urn:schemas-microsoft-com:mac:vml" xmlns:p="http://schemas.openxmlformats.org/presentationml/2006/main" xmlns:c="http://schemas.openxmlformats.org/drawingml/2006/chart" xmlns:dgm="http://schemas.openxmlformats.org/drawingml/2006/diagram" xmlns:o="urn:schemas-microsoft-com:office:office" xmlns:v="urn:schemas-microsoft-com:vml" xmlns:pvml="urn:schemas-microsoft-com:office:powerpoint" xmlns:com="http://schemas.openxmlformats.org/drawingml/2006/compatibility" xmlns:p14="http://schemas.microsoft.com/office/powerpoint/2010/main">
+<p:sld xmlns:a="http://schemas.openxmlformats.org/drawingml/2006/main" xmlns:r="http://schemas.openxmlformats.org/officeDocument/2006/relationships" xmlns:p="http://schemas.openxmlformats.org/presentationml/2006/main">
   <p:cSld>
     <p:spTree>
       <p:nvGrpSpPr>
-        <p:cNvPr id="139" name="Shape 139"/>
+        <p:cNvPr id="1" name="Shape 137"/>
         <p:cNvGrpSpPr/>
         <p:nvPr/>
       </p:nvGrpSpPr>
@@ -6051,15 +6264,17 @@
       </p:grpSpPr>
       <p:sp>
         <p:nvSpPr>
-          <p:cNvPr id="140" name="Shape 140"/>
-          <p:cNvSpPr txBox="1"/>
+          <p:cNvPr id="138" name="Shape 138"/>
+          <p:cNvSpPr txBox="1">
+            <a:spLocks noGrp="1"/>
+          </p:cNvSpPr>
           <p:nvPr>
             <p:ph type="title"/>
           </p:nvPr>
         </p:nvSpPr>
         <p:spPr>
           <a:xfrm>
-            <a:off x="311700" y="195825"/>
+            <a:off x="311700" y="445025"/>
             <a:ext cx="8520599" cy="613200"/>
           </a:xfrm>
           <a:prstGeom prst="rect">
@@ -6067,7 +6282,7 @@
           </a:prstGeom>
         </p:spPr>
         <p:txBody>
-          <a:bodyPr anchorCtr="0" anchor="t" bIns="91425" lIns="91425" rIns="91425" tIns="91425">
+          <a:bodyPr lIns="91425" tIns="91425" rIns="91425" bIns="91425" anchor="t" anchorCtr="0">
             <a:noAutofit/>
           </a:bodyPr>
           <a:lstStyle/>
@@ -6087,10 +6302,12 @@
       </p:sp>
       <p:sp>
         <p:nvSpPr>
-          <p:cNvPr id="141" name="Shape 141"/>
-          <p:cNvSpPr txBox="1"/>
+          <p:cNvPr id="139" name="Shape 139"/>
+          <p:cNvSpPr txBox="1">
+            <a:spLocks noGrp="1"/>
+          </p:cNvSpPr>
           <p:nvPr>
-            <p:ph idx="1" type="body"/>
+            <p:ph type="body" idx="1"/>
           </p:nvPr>
         </p:nvSpPr>
         <p:spPr>
@@ -6103,7 +6320,7 @@
           </a:prstGeom>
         </p:spPr>
         <p:txBody>
-          <a:bodyPr anchorCtr="0" anchor="t" bIns="91425" lIns="91425" rIns="91425" tIns="91425">
+          <a:bodyPr lIns="91425" tIns="91425" rIns="91425" bIns="91425" anchor="t" anchorCtr="0">
             <a:noAutofit/>
           </a:bodyPr>
           <a:lstStyle/>
@@ -6134,7 +6351,7 @@
       </p:sp>
       <p:pic>
         <p:nvPicPr>
-          <p:cNvPr id="142" name="Shape 142"/>
+          <p:cNvPr id="140" name="Shape 140"/>
           <p:cNvPicPr preferRelativeResize="0"/>
           <p:nvPr/>
         </p:nvPicPr>
@@ -6165,18 +6382,18 @@
   <p:clrMapOvr>
     <a:masterClrMapping/>
   </p:clrMapOvr>
-  <p:transition spd="slow">
+  <p:transition xmlns:p14="http://schemas.microsoft.com/office/powerpoint/2010/main" spd="slow">
     <p:cut/>
   </p:transition>
 </p:sld>
 </file>
 
 <file path=ppt/slides/slide13.xml><?xml version="1.0" encoding="utf-8"?>
-<p:sld xmlns:a="http://schemas.openxmlformats.org/drawingml/2006/main" xmlns:r="http://schemas.openxmlformats.org/officeDocument/2006/relationships" xmlns:mc="http://schemas.openxmlformats.org/markup-compatibility/2006" xmlns:mv="urn:schemas-microsoft-com:mac:vml" xmlns:p="http://schemas.openxmlformats.org/presentationml/2006/main" xmlns:c="http://schemas.openxmlformats.org/drawingml/2006/chart" xmlns:dgm="http://schemas.openxmlformats.org/drawingml/2006/diagram" xmlns:o="urn:schemas-microsoft-com:office:office" xmlns:v="urn:schemas-microsoft-com:vml" xmlns:pvml="urn:schemas-microsoft-com:office:powerpoint" xmlns:com="http://schemas.openxmlformats.org/drawingml/2006/compatibility" xmlns:p14="http://schemas.microsoft.com/office/powerpoint/2010/main">
+<p:sld xmlns:a="http://schemas.openxmlformats.org/drawingml/2006/main" xmlns:r="http://schemas.openxmlformats.org/officeDocument/2006/relationships" xmlns:p="http://schemas.openxmlformats.org/presentationml/2006/main">
   <p:cSld>
     <p:spTree>
       <p:nvGrpSpPr>
-        <p:cNvPr id="146" name="Shape 146"/>
+        <p:cNvPr id="1" name=""/>
         <p:cNvGrpSpPr/>
         <p:nvPr/>
       </p:nvGrpSpPr>
@@ -6190,217 +6407,123 @@
       </p:grpSpPr>
       <p:sp>
         <p:nvSpPr>
-          <p:cNvPr id="147" name="Shape 147"/>
-          <p:cNvSpPr txBox="1"/>
+          <p:cNvPr id="2" name="Title 1"/>
+          <p:cNvSpPr>
+            <a:spLocks noGrp="1"/>
+          </p:cNvSpPr>
           <p:nvPr>
             <p:ph type="title"/>
           </p:nvPr>
         </p:nvSpPr>
-        <p:spPr>
-          <a:xfrm>
-            <a:off x="311700" y="168825"/>
-            <a:ext cx="8520599" cy="495299"/>
-          </a:xfrm>
-          <a:prstGeom prst="rect">
-            <a:avLst/>
-          </a:prstGeom>
-        </p:spPr>
+        <p:spPr/>
         <p:txBody>
-          <a:bodyPr anchorCtr="0" anchor="t" bIns="91425" lIns="91425" rIns="91425" tIns="91425">
-            <a:noAutofit/>
-          </a:bodyPr>
+          <a:bodyPr/>
           <a:lstStyle/>
           <a:p>
-            <a:pPr>
-              <a:spcBef>
-                <a:spcPts val="0"/>
-              </a:spcBef>
-              <a:buNone/>
-            </a:pPr>
             <a:r>
-              <a:rPr lang="en"/>
-              <a:t>Conclusion</a:t>
+              <a:rPr lang="en-US" dirty="0" smtClean="0"/>
+              <a:t>Lessons Learned</a:t>
             </a:r>
+            <a:endParaRPr lang="en-US" dirty="0"/>
           </a:p>
         </p:txBody>
       </p:sp>
       <p:sp>
         <p:nvSpPr>
-          <p:cNvPr id="148" name="Shape 148"/>
-          <p:cNvSpPr txBox="1"/>
+          <p:cNvPr id="3" name="Text Placeholder 2"/>
+          <p:cNvSpPr>
+            <a:spLocks noGrp="1"/>
+          </p:cNvSpPr>
           <p:nvPr>
-            <p:ph idx="1" type="body"/>
+            <p:ph type="body" idx="1"/>
           </p:nvPr>
         </p:nvSpPr>
-        <p:spPr>
-          <a:xfrm>
-            <a:off x="311700" y="873150"/>
-            <a:ext cx="8520599" cy="4157700"/>
-          </a:xfrm>
-          <a:prstGeom prst="rect">
-            <a:avLst/>
-          </a:prstGeom>
-        </p:spPr>
+        <p:spPr/>
         <p:txBody>
-          <a:bodyPr anchorCtr="0" anchor="t" bIns="91425" lIns="91425" rIns="91425" tIns="91425">
-            <a:noAutofit/>
-          </a:bodyPr>
+          <a:bodyPr/>
           <a:lstStyle/>
           <a:p>
-            <a:pPr indent="-228600" lvl="0" marL="457200" rtl="0">
-              <a:spcBef>
-                <a:spcPts val="0"/>
-              </a:spcBef>
-              <a:buSzPct val="77777"/>
+            <a:pPr marL="285750" indent="-285750">
+              <a:buFont typeface="Arial"/>
+              <a:buChar char="•"/>
             </a:pPr>
             <a:r>
-              <a:rPr lang="en"/>
-              <a:t>We learned how to work well through the following setbacks:</a:t>
+              <a:rPr lang="en-US" dirty="0" smtClean="0"/>
+              <a:t>Repository Clashes</a:t>
             </a:r>
           </a:p>
           <a:p>
-            <a:pPr indent="-228600" lvl="1" marL="914400" rtl="0">
-              <a:spcBef>
-                <a:spcPts val="0"/>
-              </a:spcBef>
+            <a:pPr marL="285750" indent="-285750">
+              <a:buFont typeface="Arial"/>
+              <a:buChar char="•"/>
             </a:pPr>
             <a:r>
-              <a:rPr lang="en"/>
-              <a:t>Conflicting schedules</a:t>
+              <a:rPr lang="en-US" dirty="0" smtClean="0"/>
+              <a:t>Different versions of software and installation locations</a:t>
             </a:r>
           </a:p>
           <a:p>
-            <a:pPr indent="-228600" lvl="1" marL="914400" rtl="0">
-              <a:spcBef>
-                <a:spcPts val="0"/>
-              </a:spcBef>
+            <a:pPr marL="285750" indent="-285750">
+              <a:buFont typeface="Arial"/>
+              <a:buChar char="•"/>
             </a:pPr>
             <a:r>
-              <a:rPr lang="en"/>
-              <a:t>Repository clashes</a:t>
+              <a:rPr lang="en-US" dirty="0" smtClean="0"/>
+              <a:t>Remembering and learning languages</a:t>
             </a:r>
           </a:p>
           <a:p>
-            <a:pPr indent="-228600" lvl="1" marL="914400" rtl="0">
-              <a:spcBef>
-                <a:spcPts val="0"/>
-              </a:spcBef>
+            <a:pPr marL="285750" indent="-285750">
+              <a:buFont typeface="Arial"/>
+              <a:buChar char="•"/>
             </a:pPr>
             <a:r>
-              <a:rPr lang="en"/>
-              <a:t>Limited experience with Linux</a:t>
+              <a:rPr lang="en-US" dirty="0" smtClean="0"/>
+              <a:t>Importance of testing</a:t>
             </a:r>
           </a:p>
           <a:p>
-            <a:pPr indent="-228600" lvl="1" marL="914400" rtl="0">
-              <a:spcBef>
-                <a:spcPts val="0"/>
-              </a:spcBef>
+            <a:pPr marL="285750" indent="-285750">
+              <a:buFont typeface="Arial"/>
+              <a:buChar char="•"/>
             </a:pPr>
             <a:r>
-              <a:rPr lang="en"/>
-              <a:t>Limited experience with HTML5</a:t>
+              <a:rPr lang="en-US" dirty="0" smtClean="0"/>
+              <a:t>No single framework design will fit every systems needs</a:t>
             </a:r>
           </a:p>
           <a:p>
-            <a:pPr lvl="0" rtl="0">
-              <a:lnSpc>
-                <a:spcPct val="100000"/>
-              </a:lnSpc>
-              <a:spcBef>
-                <a:spcPts val="0"/>
-              </a:spcBef>
-              <a:spcAft>
-                <a:spcPts val="0"/>
-              </a:spcAft>
-              <a:buNone/>
-            </a:pPr>
-            <a:r>
-              <a:t/>
-            </a:r>
-            <a:endParaRPr sz="1400"/>
-          </a:p>
-          <a:p>
-            <a:pPr indent="-317500" lvl="0" marL="457200" rtl="0">
-              <a:lnSpc>
-                <a:spcPct val="100000"/>
-              </a:lnSpc>
-              <a:spcBef>
-                <a:spcPts val="0"/>
-              </a:spcBef>
-              <a:spcAft>
-                <a:spcPts val="0"/>
-              </a:spcAft>
-              <a:buSzPct val="100000"/>
-              <a:buChar char="●"/>
-            </a:pPr>
-            <a:r>
-              <a:rPr lang="en" sz="1400"/>
-              <a:t>We learned that testing is both an important and difficult task and that there is in no way a perfect multi use testing framework. Each one must be individually tailored to the system they run on. However, the principles we learned have strengthened our understanding of what a good testing framework looks like</a:t>
-            </a:r>
-          </a:p>
-          <a:p>
-            <a:pPr indent="0" marL="0" rtl="0">
-              <a:spcBef>
-                <a:spcPts val="0"/>
-              </a:spcBef>
-              <a:buNone/>
-            </a:pPr>
-            <a:r>
-              <a:t/>
-            </a:r>
-            <a:endParaRPr/>
-          </a:p>
-          <a:p>
-            <a:pPr indent="0" lvl="0" marL="0" rtl="0">
-              <a:spcBef>
-                <a:spcPts val="0"/>
-              </a:spcBef>
-              <a:buNone/>
-            </a:pPr>
-            <a:r>
-              <a:t/>
-            </a:r>
-            <a:endParaRPr/>
-          </a:p>
-          <a:p>
-            <a:pPr lvl="0">
-              <a:spcBef>
-                <a:spcPts val="0"/>
-              </a:spcBef>
-              <a:buNone/>
-            </a:pPr>
-            <a:r>
-              <a:t/>
-            </a:r>
-            <a:endParaRPr sz="1400"/>
+            <a:endParaRPr lang="en-US" dirty="0" smtClean="0"/>
           </a:p>
         </p:txBody>
       </p:sp>
     </p:spTree>
+    <p:extLst>
+      <p:ext uri="{BB962C8B-B14F-4D97-AF65-F5344CB8AC3E}">
+        <p14:creationId xmlns:p14="http://schemas.microsoft.com/office/powerpoint/2010/main" val="2631526358"/>
+      </p:ext>
+    </p:extLst>
   </p:cSld>
   <p:clrMapOvr>
     <a:masterClrMapping/>
   </p:clrMapOvr>
-  <p:transition spd="slow">
-    <p:cut/>
-  </p:transition>
 </p:sld>
 </file>
 
 <file path=ppt/slides/slide2.xml><?xml version="1.0" encoding="utf-8"?>
-<p:sld xmlns:a="http://schemas.openxmlformats.org/drawingml/2006/main" xmlns:r="http://schemas.openxmlformats.org/officeDocument/2006/relationships" xmlns:mc="http://schemas.openxmlformats.org/markup-compatibility/2006" xmlns:mv="urn:schemas-microsoft-com:mac:vml" xmlns:p="http://schemas.openxmlformats.org/presentationml/2006/main" xmlns:c="http://schemas.openxmlformats.org/drawingml/2006/chart" xmlns:dgm="http://schemas.openxmlformats.org/drawingml/2006/diagram" xmlns:o="urn:schemas-microsoft-com:office:office" xmlns:v="urn:schemas-microsoft-com:vml" xmlns:pvml="urn:schemas-microsoft-com:office:powerpoint" xmlns:com="http://schemas.openxmlformats.org/drawingml/2006/compatibility" xmlns:p14="http://schemas.microsoft.com/office/powerpoint/2010/main">
+<p:sld xmlns:a="http://schemas.openxmlformats.org/drawingml/2006/main" xmlns:r="http://schemas.openxmlformats.org/officeDocument/2006/relationships" xmlns:p="http://schemas.openxmlformats.org/presentationml/2006/main">
   <p:cSld>
     <p:bg>
       <p:bgPr>
         <a:solidFill>
           <a:srgbClr val="EFEFEF"/>
         </a:solidFill>
+        <a:effectLst/>
       </p:bgPr>
     </p:bg>
     <p:spTree>
       <p:nvGrpSpPr>
-        <p:cNvPr id="63" name="Shape 63"/>
+        <p:cNvPr id="1" name="Shape 63"/>
         <p:cNvGrpSpPr/>
         <p:nvPr/>
       </p:nvGrpSpPr>
@@ -6415,7 +6538,9 @@
       <p:sp>
         <p:nvSpPr>
           <p:cNvPr id="64" name="Shape 64"/>
-          <p:cNvSpPr txBox="1"/>
+          <p:cNvSpPr txBox="1">
+            <a:spLocks noGrp="1"/>
+          </p:cNvSpPr>
           <p:nvPr>
             <p:ph type="title"/>
           </p:nvPr>
@@ -6430,7 +6555,7 @@
           </a:prstGeom>
         </p:spPr>
         <p:txBody>
-          <a:bodyPr anchorCtr="0" anchor="t" bIns="91425" lIns="91425" rIns="91425" tIns="91425">
+          <a:bodyPr lIns="91425" tIns="91425" rIns="91425" bIns="91425" anchor="t" anchorCtr="0">
             <a:noAutofit/>
           </a:bodyPr>
           <a:lstStyle/>
@@ -6468,7 +6593,7 @@
           </a:ln>
         </p:spPr>
         <p:txBody>
-          <a:bodyPr anchorCtr="0" anchor="t" bIns="91425" lIns="91425" rIns="91425" tIns="91425">
+          <a:bodyPr lIns="91425" tIns="91425" rIns="91425" bIns="91425" anchor="t" anchorCtr="0">
             <a:noAutofit/>
           </a:bodyPr>
           <a:lstStyle/>
@@ -6479,10 +6604,7 @@
               </a:spcBef>
               <a:buNone/>
             </a:pPr>
-            <a:r>
-              <a:t/>
-            </a:r>
-            <a:endParaRPr sz="2400">
+            <a:endParaRPr sz="2400" dirty="0">
               <a:latin typeface="Old Standard TT"/>
               <a:ea typeface="Old Standard TT"/>
               <a:cs typeface="Old Standard TT"/>
@@ -6490,15 +6612,15 @@
             </a:endParaRPr>
           </a:p>
           <a:p>
-            <a:pPr indent="-228600" lvl="0" marL="457200" rtl="0">
-              <a:spcBef>
-                <a:spcPts val="0"/>
-              </a:spcBef>
-              <a:buFont typeface="Old Standard TT"/>
-              <a:buChar char="●"/>
+            <a:pPr marL="571500" lvl="0" indent="-342900" rtl="0">
+              <a:spcBef>
+                <a:spcPts val="0"/>
+              </a:spcBef>
+              <a:buFont typeface="Arial"/>
+              <a:buChar char="•"/>
             </a:pPr>
             <a:r>
-              <a:rPr lang="en" sz="2400">
+              <a:rPr lang="en" sz="2400" dirty="0">
                 <a:latin typeface="Old Standard TT"/>
                 <a:ea typeface="Old Standard TT"/>
                 <a:cs typeface="Old Standard TT"/>
@@ -6508,15 +6630,15 @@
             </a:r>
           </a:p>
           <a:p>
-            <a:pPr indent="-228600" lvl="0" marL="457200" rtl="0">
-              <a:spcBef>
-                <a:spcPts val="0"/>
-              </a:spcBef>
-              <a:buFont typeface="Old Standard TT"/>
-              <a:buChar char="●"/>
+            <a:pPr marL="571500" lvl="0" indent="-342900" rtl="0">
+              <a:spcBef>
+                <a:spcPts val="0"/>
+              </a:spcBef>
+              <a:buFont typeface="Arial"/>
+              <a:buChar char="•"/>
             </a:pPr>
             <a:r>
-              <a:rPr lang="en" sz="2400">
+              <a:rPr lang="en" sz="2400" dirty="0">
                 <a:latin typeface="Old Standard TT"/>
                 <a:ea typeface="Old Standard TT"/>
                 <a:cs typeface="Old Standard TT"/>
@@ -6526,15 +6648,15 @@
             </a:r>
           </a:p>
           <a:p>
-            <a:pPr indent="-228600" lvl="1" marL="914400" rtl="0">
-              <a:spcBef>
-                <a:spcPts val="0"/>
-              </a:spcBef>
-              <a:buFont typeface="Old Standard TT"/>
-              <a:buChar char="○"/>
+            <a:pPr marL="1028700" lvl="1" indent="-342900" rtl="0">
+              <a:spcBef>
+                <a:spcPts val="0"/>
+              </a:spcBef>
+              <a:buFont typeface="Arial"/>
+              <a:buChar char="•"/>
             </a:pPr>
             <a:r>
-              <a:rPr lang="en" sz="2400">
+              <a:rPr lang="en" sz="2400" dirty="0">
                 <a:latin typeface="Old Standard TT"/>
                 <a:ea typeface="Old Standard TT"/>
                 <a:cs typeface="Old Standard TT"/>
@@ -6544,15 +6666,15 @@
             </a:r>
           </a:p>
           <a:p>
-            <a:pPr indent="-228600" lvl="0" marL="457200" rtl="0">
-              <a:spcBef>
-                <a:spcPts val="0"/>
-              </a:spcBef>
-              <a:buFont typeface="Old Standard TT"/>
-              <a:buChar char="●"/>
+            <a:pPr marL="571500" lvl="0" indent="-342900" rtl="0">
+              <a:spcBef>
+                <a:spcPts val="0"/>
+              </a:spcBef>
+              <a:buFont typeface="Arial"/>
+              <a:buChar char="•"/>
             </a:pPr>
             <a:r>
-              <a:rPr lang="en" sz="2400">
+              <a:rPr lang="en" sz="2400" dirty="0">
                 <a:latin typeface="Old Standard TT"/>
                 <a:ea typeface="Old Standard TT"/>
                 <a:cs typeface="Old Standard TT"/>
@@ -6562,15 +6684,15 @@
             </a:r>
           </a:p>
           <a:p>
-            <a:pPr indent="-228600" lvl="1" marL="914400" rtl="0">
-              <a:spcBef>
-                <a:spcPts val="0"/>
-              </a:spcBef>
-              <a:buFont typeface="Old Standard TT"/>
-              <a:buChar char="○"/>
+            <a:pPr marL="1028700" lvl="1" indent="-342900" rtl="0">
+              <a:spcBef>
+                <a:spcPts val="0"/>
+              </a:spcBef>
+              <a:buFont typeface="Arial"/>
+              <a:buChar char="•"/>
             </a:pPr>
             <a:r>
-              <a:rPr lang="en" sz="2400">
+              <a:rPr lang="en" sz="2400" dirty="0">
                 <a:latin typeface="Old Standard TT"/>
                 <a:ea typeface="Old Standard TT"/>
                 <a:cs typeface="Old Standard TT"/>
@@ -6580,15 +6702,15 @@
             </a:r>
           </a:p>
           <a:p>
-            <a:pPr indent="-228600" lvl="1" marL="914400" rtl="0">
-              <a:spcBef>
-                <a:spcPts val="0"/>
-              </a:spcBef>
-              <a:buFont typeface="Old Standard TT"/>
-              <a:buChar char="○"/>
+            <a:pPr marL="1028700" lvl="1" indent="-342900" rtl="0">
+              <a:spcBef>
+                <a:spcPts val="0"/>
+              </a:spcBef>
+              <a:buFont typeface="Arial"/>
+              <a:buChar char="•"/>
             </a:pPr>
             <a:r>
-              <a:rPr lang="en" sz="2400">
+              <a:rPr lang="en" sz="2400" dirty="0">
                 <a:latin typeface="Old Standard TT"/>
                 <a:ea typeface="Old Standard TT"/>
                 <a:cs typeface="Old Standard TT"/>
@@ -6598,15 +6720,15 @@
             </a:r>
           </a:p>
           <a:p>
-            <a:pPr indent="-228600" lvl="0" marL="457200" rtl="0">
-              <a:spcBef>
-                <a:spcPts val="0"/>
-              </a:spcBef>
-              <a:buFont typeface="Old Standard TT"/>
-              <a:buChar char="●"/>
+            <a:pPr marL="571500" lvl="0" indent="-342900" rtl="0">
+              <a:spcBef>
+                <a:spcPts val="0"/>
+              </a:spcBef>
+              <a:buFont typeface="Arial"/>
+              <a:buChar char="•"/>
             </a:pPr>
             <a:r>
-              <a:rPr lang="en" sz="2400">
+              <a:rPr lang="en" sz="2400" dirty="0">
                 <a:latin typeface="Old Standard TT"/>
                 <a:ea typeface="Old Standard TT"/>
                 <a:cs typeface="Old Standard TT"/>
@@ -6624,7 +6746,7 @@
           <p:nvPr/>
         </p:nvCxnSpPr>
         <p:spPr>
-          <a:xfrm flipH="1" rot="10800000">
+          <a:xfrm rot="10800000" flipH="1">
             <a:off x="7973025" y="23999"/>
             <a:ext cx="12000" cy="5119500"/>
           </a:xfrm>
@@ -6632,14 +6754,14 @@
             <a:avLst/>
           </a:prstGeom>
           <a:noFill/>
-          <a:ln cap="flat" cmpd="sng" w="228600">
+          <a:ln w="228600" cap="flat" cmpd="sng">
             <a:solidFill>
               <a:schemeClr val="lt2"/>
             </a:solidFill>
             <a:prstDash val="solid"/>
             <a:round/>
-            <a:headEnd len="lg" w="lg" type="none"/>
-            <a:tailEnd len="lg" w="lg" type="none"/>
+            <a:headEnd type="none" w="lg" len="lg"/>
+            <a:tailEnd type="none" w="lg" len="lg"/>
           </a:ln>
         </p:spPr>
       </p:cxnSp>
@@ -6658,14 +6780,14 @@
             <a:avLst/>
           </a:prstGeom>
           <a:noFill/>
-          <a:ln cap="flat" cmpd="sng" w="152400">
+          <a:ln w="152400" cap="flat" cmpd="sng">
             <a:solidFill>
               <a:schemeClr val="lt2"/>
             </a:solidFill>
             <a:prstDash val="solid"/>
             <a:round/>
-            <a:headEnd len="lg" w="lg" type="none"/>
-            <a:tailEnd len="lg" w="lg" type="none"/>
+            <a:headEnd type="none" w="lg" len="lg"/>
+            <a:tailEnd type="none" w="lg" len="lg"/>
           </a:ln>
         </p:spPr>
       </p:cxnSp>
@@ -6684,14 +6806,14 @@
             <a:avLst/>
           </a:prstGeom>
           <a:noFill/>
-          <a:ln cap="flat" cmpd="sng" w="152400">
+          <a:ln w="152400" cap="flat" cmpd="sng">
             <a:solidFill>
               <a:schemeClr val="lt2"/>
             </a:solidFill>
             <a:prstDash val="solid"/>
             <a:round/>
-            <a:headEnd len="lg" w="lg" type="none"/>
-            <a:tailEnd len="lg" w="lg" type="none"/>
+            <a:headEnd type="none" w="lg" len="lg"/>
+            <a:tailEnd type="none" w="lg" len="lg"/>
           </a:ln>
         </p:spPr>
       </p:cxnSp>
@@ -6700,25 +6822,26 @@
   <p:clrMapOvr>
     <a:masterClrMapping/>
   </p:clrMapOvr>
-  <p:transition spd="slow">
+  <p:transition xmlns:p14="http://schemas.microsoft.com/office/powerpoint/2010/main" spd="slow">
     <p:cut/>
   </p:transition>
 </p:sld>
 </file>
 
 <file path=ppt/slides/slide3.xml><?xml version="1.0" encoding="utf-8"?>
-<p:sld xmlns:a="http://schemas.openxmlformats.org/drawingml/2006/main" xmlns:r="http://schemas.openxmlformats.org/officeDocument/2006/relationships" xmlns:mc="http://schemas.openxmlformats.org/markup-compatibility/2006" xmlns:mv="urn:schemas-microsoft-com:mac:vml" xmlns:p="http://schemas.openxmlformats.org/presentationml/2006/main" xmlns:c="http://schemas.openxmlformats.org/drawingml/2006/chart" xmlns:dgm="http://schemas.openxmlformats.org/drawingml/2006/diagram" xmlns:o="urn:schemas-microsoft-com:office:office" xmlns:v="urn:schemas-microsoft-com:vml" xmlns:pvml="urn:schemas-microsoft-com:office:powerpoint" xmlns:com="http://schemas.openxmlformats.org/drawingml/2006/compatibility" xmlns:p14="http://schemas.microsoft.com/office/powerpoint/2010/main">
+<p:sld xmlns:a="http://schemas.openxmlformats.org/drawingml/2006/main" xmlns:r="http://schemas.openxmlformats.org/officeDocument/2006/relationships" xmlns:p="http://schemas.openxmlformats.org/presentationml/2006/main">
   <p:cSld>
     <p:bg>
       <p:bgPr>
         <a:solidFill>
           <a:schemeClr val="lt2"/>
         </a:solidFill>
+        <a:effectLst/>
       </p:bgPr>
     </p:bg>
     <p:spTree>
       <p:nvGrpSpPr>
-        <p:cNvPr id="72" name="Shape 72"/>
+        <p:cNvPr id="1" name="Shape 72"/>
         <p:cNvGrpSpPr/>
         <p:nvPr/>
       </p:nvGrpSpPr>
@@ -6733,7 +6856,9 @@
       <p:sp>
         <p:nvSpPr>
           <p:cNvPr id="73" name="Shape 73"/>
-          <p:cNvSpPr txBox="1"/>
+          <p:cNvSpPr txBox="1">
+            <a:spLocks noGrp="1"/>
+          </p:cNvSpPr>
           <p:nvPr>
             <p:ph type="title"/>
           </p:nvPr>
@@ -6748,7 +6873,7 @@
           </a:prstGeom>
         </p:spPr>
         <p:txBody>
-          <a:bodyPr anchorCtr="0" anchor="ctr" bIns="91425" lIns="91425" rIns="91425" tIns="91425">
+          <a:bodyPr lIns="91425" tIns="91425" rIns="91425" bIns="91425" anchor="ctr" anchorCtr="0">
             <a:noAutofit/>
           </a:bodyPr>
           <a:lstStyle/>
@@ -6814,21 +6939,21 @@
           </a:ln>
         </p:spPr>
         <p:txBody>
-          <a:bodyPr anchorCtr="0" anchor="t" bIns="91425" lIns="91425" rIns="91425" tIns="91425">
+          <a:bodyPr lIns="91425" tIns="91425" rIns="91425" bIns="91425" anchor="t" anchorCtr="0">
             <a:noAutofit/>
           </a:bodyPr>
           <a:lstStyle/>
           <a:p>
-            <a:pPr indent="-304800" lvl="0" marL="457200" rtl="0">
+            <a:pPr marL="438150" lvl="0" indent="-285750" rtl="0">
               <a:spcBef>
                 <a:spcPts val="0"/>
               </a:spcBef>
               <a:buSzPct val="66666"/>
-              <a:buFont typeface="Old Standard TT"/>
-              <a:buChar char="●"/>
+              <a:buFont typeface="Arial"/>
+              <a:buChar char="•"/>
             </a:pPr>
             <a:r>
-              <a:rPr b="1" lang="en" sz="1800">
+              <a:rPr lang="en" sz="1800" b="1" dirty="0">
                 <a:latin typeface="Old Standard TT"/>
                 <a:ea typeface="Old Standard TT"/>
                 <a:cs typeface="Old Standard TT"/>
@@ -6838,16 +6963,16 @@
             </a:r>
           </a:p>
           <a:p>
-            <a:pPr indent="-304800" lvl="0" marL="457200" rtl="0">
+            <a:pPr marL="438150" lvl="0" indent="-285750" rtl="0">
               <a:spcBef>
                 <a:spcPts val="0"/>
               </a:spcBef>
               <a:buSzPct val="66666"/>
-              <a:buFont typeface="Old Standard TT"/>
-              <a:buChar char="●"/>
+              <a:buFont typeface="Arial"/>
+              <a:buChar char="•"/>
             </a:pPr>
             <a:r>
-              <a:rPr b="1" lang="en" sz="1800">
+              <a:rPr lang="en" sz="1800" b="1" dirty="0">
                 <a:latin typeface="Old Standard TT"/>
                 <a:ea typeface="Old Standard TT"/>
                 <a:cs typeface="Old Standard TT"/>
@@ -6857,16 +6982,16 @@
             </a:r>
           </a:p>
           <a:p>
-            <a:pPr indent="-304800" lvl="0" marL="457200" rtl="0">
+            <a:pPr marL="438150" lvl="0" indent="-285750" rtl="0">
               <a:spcBef>
                 <a:spcPts val="0"/>
               </a:spcBef>
               <a:buSzPct val="66666"/>
-              <a:buFont typeface="Old Standard TT"/>
-              <a:buChar char="●"/>
+              <a:buFont typeface="Arial"/>
+              <a:buChar char="•"/>
             </a:pPr>
             <a:r>
-              <a:rPr b="1" lang="en" sz="1800">
+              <a:rPr lang="en" sz="1800" b="1" dirty="0">
                 <a:latin typeface="Old Standard TT"/>
                 <a:ea typeface="Old Standard TT"/>
                 <a:cs typeface="Old Standard TT"/>
@@ -6876,16 +7001,16 @@
             </a:r>
           </a:p>
           <a:p>
-            <a:pPr indent="-304800" lvl="0" marL="457200" rtl="0">
+            <a:pPr marL="438150" lvl="0" indent="-285750" rtl="0">
               <a:spcBef>
                 <a:spcPts val="0"/>
               </a:spcBef>
               <a:buSzPct val="66666"/>
-              <a:buFont typeface="Old Standard TT"/>
-              <a:buChar char="●"/>
+              <a:buFont typeface="Arial"/>
+              <a:buChar char="•"/>
             </a:pPr>
             <a:r>
-              <a:rPr b="1" lang="en" sz="1800">
+              <a:rPr lang="en" sz="1800" b="1" dirty="0">
                 <a:latin typeface="Old Standard TT"/>
                 <a:ea typeface="Old Standard TT"/>
                 <a:cs typeface="Old Standard TT"/>
@@ -6895,16 +7020,16 @@
             </a:r>
           </a:p>
           <a:p>
-            <a:pPr indent="-304800" lvl="1" marL="914400" rtl="0">
+            <a:pPr marL="895350" lvl="1" indent="-285750" rtl="0">
               <a:spcBef>
                 <a:spcPts val="0"/>
               </a:spcBef>
               <a:buSzPct val="66666"/>
-              <a:buFont typeface="Old Standard TT"/>
-              <a:buChar char="○"/>
+              <a:buFont typeface="Arial"/>
+              <a:buChar char="•"/>
             </a:pPr>
             <a:r>
-              <a:rPr b="1" lang="en" sz="1800">
+              <a:rPr lang="en" sz="1800" b="1" dirty="0">
                 <a:latin typeface="Old Standard TT"/>
                 <a:ea typeface="Old Standard TT"/>
                 <a:cs typeface="Old Standard TT"/>
@@ -6914,16 +7039,16 @@
             </a:r>
           </a:p>
           <a:p>
-            <a:pPr indent="-304800" lvl="1" marL="914400" rtl="0">
+            <a:pPr marL="895350" lvl="1" indent="-285750" rtl="0">
               <a:spcBef>
                 <a:spcPts val="0"/>
               </a:spcBef>
               <a:buSzPct val="66666"/>
-              <a:buFont typeface="Old Standard TT"/>
-              <a:buChar char="○"/>
+              <a:buFont typeface="Arial"/>
+              <a:buChar char="•"/>
             </a:pPr>
             <a:r>
-              <a:rPr b="1" lang="en" sz="1800">
+              <a:rPr lang="en" sz="1800" b="1" dirty="0">
                 <a:latin typeface="Old Standard TT"/>
                 <a:ea typeface="Old Standard TT"/>
                 <a:cs typeface="Old Standard TT"/>
@@ -6933,35 +7058,35 @@
             </a:r>
           </a:p>
           <a:p>
-            <a:pPr indent="-304800" lvl="1" marL="914400" rtl="0">
+            <a:pPr marL="895350" lvl="1" indent="-285750" rtl="0">
               <a:spcBef>
                 <a:spcPts val="0"/>
               </a:spcBef>
               <a:buSzPct val="66666"/>
-              <a:buFont typeface="Old Standard TT"/>
-              <a:buChar char="○"/>
+              <a:buFont typeface="Arial"/>
+              <a:buChar char="•"/>
             </a:pPr>
             <a:r>
-              <a:rPr b="1" lang="en" sz="1800">
+              <a:rPr lang="en" sz="1800" b="1" dirty="0">
                 <a:latin typeface="Old Standard TT"/>
                 <a:ea typeface="Old Standard TT"/>
                 <a:cs typeface="Old Standard TT"/>
                 <a:sym typeface="Old Standard TT"/>
               </a:rPr>
-              <a:t>Timor-Leste Disaster Risk Management Portal</a:t>
+              <a:t>Timor-Liste Disaster Risk Management Portal</a:t>
             </a:r>
           </a:p>
           <a:p>
-            <a:pPr indent="-304800" lvl="1" marL="914400" rtl="0">
+            <a:pPr marL="895350" lvl="1" indent="-285750" rtl="0">
               <a:spcBef>
                 <a:spcPts val="0"/>
               </a:spcBef>
               <a:buSzPct val="66666"/>
-              <a:buFont typeface="Old Standard TT"/>
-              <a:buChar char="○"/>
+              <a:buFont typeface="Arial"/>
+              <a:buChar char="•"/>
             </a:pPr>
             <a:r>
-              <a:rPr b="1" lang="en" sz="1800">
+              <a:rPr lang="en" sz="1800" b="1" dirty="0">
                 <a:latin typeface="Old Standard TT"/>
                 <a:ea typeface="Old Standard TT"/>
                 <a:cs typeface="Old Standard TT"/>
@@ -6971,16 +7096,16 @@
             </a:r>
           </a:p>
           <a:p>
-            <a:pPr indent="-304800" lvl="1" marL="914400" rtl="0">
+            <a:pPr marL="895350" lvl="1" indent="-285750" rtl="0">
               <a:spcBef>
                 <a:spcPts val="0"/>
               </a:spcBef>
               <a:buSzPct val="66666"/>
-              <a:buFont typeface="Old Standard TT"/>
-              <a:buChar char="○"/>
+              <a:buFont typeface="Arial"/>
+              <a:buChar char="•"/>
             </a:pPr>
             <a:r>
-              <a:rPr b="1" lang="en" sz="1800">
+              <a:rPr lang="en" sz="1800" b="1" dirty="0">
                 <a:latin typeface="Old Standard TT"/>
                 <a:ea typeface="Old Standard TT"/>
                 <a:cs typeface="Old Standard TT"/>
@@ -6990,16 +7115,13 @@
             </a:r>
           </a:p>
           <a:p>
-            <a:pPr indent="0" lvl="0" marL="0" rtl="0">
+            <a:pPr marL="0" lvl="0" indent="0" rtl="0">
               <a:spcBef>
                 <a:spcPts val="0"/>
               </a:spcBef>
               <a:buNone/>
             </a:pPr>
-            <a:r>
-              <a:t/>
-            </a:r>
-            <a:endParaRPr sz="1800">
+            <a:endParaRPr sz="1800" dirty="0">
               <a:latin typeface="Old Standard TT"/>
               <a:ea typeface="Old Standard TT"/>
               <a:cs typeface="Old Standard TT"/>
@@ -7013,18 +7135,18 @@
   <p:clrMapOvr>
     <a:masterClrMapping/>
   </p:clrMapOvr>
-  <p:transition spd="slow">
+  <p:transition xmlns:p14="http://schemas.microsoft.com/office/powerpoint/2010/main" spd="slow">
     <p:cut/>
   </p:transition>
 </p:sld>
 </file>
 
 <file path=ppt/slides/slide4.xml><?xml version="1.0" encoding="utf-8"?>
-<p:sld xmlns:a="http://schemas.openxmlformats.org/drawingml/2006/main" xmlns:r="http://schemas.openxmlformats.org/officeDocument/2006/relationships" xmlns:mc="http://schemas.openxmlformats.org/markup-compatibility/2006" xmlns:mv="urn:schemas-microsoft-com:mac:vml" xmlns:p="http://schemas.openxmlformats.org/presentationml/2006/main" xmlns:c="http://schemas.openxmlformats.org/drawingml/2006/chart" xmlns:dgm="http://schemas.openxmlformats.org/drawingml/2006/diagram" xmlns:o="urn:schemas-microsoft-com:office:office" xmlns:v="urn:schemas-microsoft-com:vml" xmlns:pvml="urn:schemas-microsoft-com:office:powerpoint" xmlns:com="http://schemas.openxmlformats.org/drawingml/2006/compatibility" xmlns:p14="http://schemas.microsoft.com/office/powerpoint/2010/main">
+<p:sld xmlns:a="http://schemas.openxmlformats.org/drawingml/2006/main" xmlns:r="http://schemas.openxmlformats.org/officeDocument/2006/relationships" xmlns:p="http://schemas.openxmlformats.org/presentationml/2006/main">
   <p:cSld>
     <p:spTree>
       <p:nvGrpSpPr>
-        <p:cNvPr id="79" name="Shape 79"/>
+        <p:cNvPr id="1" name="Shape 79"/>
         <p:cNvGrpSpPr/>
         <p:nvPr/>
       </p:nvGrpSpPr>
@@ -7039,7 +7161,9 @@
       <p:sp>
         <p:nvSpPr>
           <p:cNvPr id="80" name="Shape 80"/>
-          <p:cNvSpPr txBox="1"/>
+          <p:cNvSpPr txBox="1">
+            <a:spLocks noGrp="1"/>
+          </p:cNvSpPr>
           <p:nvPr>
             <p:ph type="title"/>
           </p:nvPr>
@@ -7054,7 +7178,7 @@
           </a:prstGeom>
         </p:spPr>
         <p:txBody>
-          <a:bodyPr anchorCtr="0" anchor="b" bIns="91425" lIns="91425" rIns="91425" tIns="91425">
+          <a:bodyPr lIns="91425" tIns="91425" rIns="91425" bIns="91425" anchor="b" anchorCtr="0">
             <a:noAutofit/>
           </a:bodyPr>
           <a:lstStyle/>
@@ -7092,7 +7216,7 @@
           </a:ln>
         </p:spPr>
         <p:txBody>
-          <a:bodyPr anchorCtr="0" anchor="t" bIns="91425" lIns="91425" rIns="91425" tIns="91425">
+          <a:bodyPr lIns="91425" tIns="91425" rIns="91425" bIns="91425" anchor="t" anchorCtr="0">
             <a:noAutofit/>
           </a:bodyPr>
           <a:lstStyle/>
@@ -7101,10 +7225,9 @@
               <a:spcBef>
                 <a:spcPts val="0"/>
               </a:spcBef>
-              <a:buNone/>
             </a:pPr>
             <a:r>
-              <a:rPr lang="en" sz="2400">
+              <a:rPr lang="en" sz="2400" dirty="0">
                 <a:solidFill>
                   <a:srgbClr val="FFFFFF"/>
                 </a:solidFill>
@@ -7117,7 +7240,7 @@
             </a:r>
           </a:p>
           <a:p>
-            <a:pPr indent="-342900" lvl="0" marL="457200" rtl="0">
+            <a:pPr marL="457200" lvl="0" indent="-342900" rtl="0">
               <a:spcBef>
                 <a:spcPts val="0"/>
               </a:spcBef>
@@ -7125,11 +7248,11 @@
                 <a:srgbClr val="FFFFFF"/>
               </a:buClr>
               <a:buSzPct val="75000"/>
-              <a:buFont typeface="Old Standard TT"/>
-              <a:buChar char="●"/>
+              <a:buFont typeface="Arial"/>
+              <a:buChar char="•"/>
             </a:pPr>
             <a:r>
-              <a:rPr lang="en" sz="2400">
+              <a:rPr lang="en" sz="2400" dirty="0">
                 <a:solidFill>
                   <a:srgbClr val="FFFFFF"/>
                 </a:solidFill>
@@ -7142,7 +7265,7 @@
             </a:r>
           </a:p>
           <a:p>
-            <a:pPr indent="-342900" lvl="0" marL="457200" rtl="0">
+            <a:pPr marL="457200" lvl="0" indent="-342900" rtl="0">
               <a:spcBef>
                 <a:spcPts val="0"/>
               </a:spcBef>
@@ -7150,11 +7273,11 @@
                 <a:srgbClr val="FFFFFF"/>
               </a:buClr>
               <a:buSzPct val="75000"/>
-              <a:buFont typeface="Old Standard TT"/>
-              <a:buChar char="●"/>
+              <a:buFont typeface="Arial"/>
+              <a:buChar char="•"/>
             </a:pPr>
             <a:r>
-              <a:rPr lang="en" sz="2400">
+              <a:rPr lang="en" sz="2400" dirty="0">
                 <a:solidFill>
                   <a:srgbClr val="FFFFFF"/>
                 </a:solidFill>
@@ -7167,7 +7290,7 @@
             </a:r>
           </a:p>
           <a:p>
-            <a:pPr indent="-342900" lvl="0" marL="457200" rtl="0">
+            <a:pPr marL="457200" lvl="0" indent="-342900" rtl="0">
               <a:spcBef>
                 <a:spcPts val="0"/>
               </a:spcBef>
@@ -7175,11 +7298,11 @@
                 <a:srgbClr val="FFFFFF"/>
               </a:buClr>
               <a:buSzPct val="75000"/>
-              <a:buFont typeface="Old Standard TT"/>
-              <a:buChar char="●"/>
+              <a:buFont typeface="Arial"/>
+              <a:buChar char="•"/>
             </a:pPr>
             <a:r>
-              <a:rPr lang="en" sz="2400">
+              <a:rPr lang="en" sz="2400" dirty="0">
                 <a:solidFill>
                   <a:srgbClr val="FFFFFF"/>
                 </a:solidFill>
@@ -7192,7 +7315,7 @@
             </a:r>
           </a:p>
           <a:p>
-            <a:pPr indent="-342900" lvl="0" marL="457200" rtl="0">
+            <a:pPr marL="457200" lvl="0" indent="-342900" rtl="0">
               <a:spcBef>
                 <a:spcPts val="0"/>
               </a:spcBef>
@@ -7200,11 +7323,11 @@
                 <a:srgbClr val="FFFFFF"/>
               </a:buClr>
               <a:buSzPct val="75000"/>
-              <a:buFont typeface="Old Standard TT"/>
-              <a:buChar char="●"/>
+              <a:buFont typeface="Arial"/>
+              <a:buChar char="•"/>
             </a:pPr>
             <a:r>
-              <a:rPr lang="en" sz="2400">
+              <a:rPr lang="en" sz="2400" dirty="0">
                 <a:solidFill>
                   <a:srgbClr val="FFFFFF"/>
                 </a:solidFill>
@@ -7217,7 +7340,7 @@
             </a:r>
           </a:p>
           <a:p>
-            <a:pPr indent="-342900" lvl="0" marL="457200" rtl="0">
+            <a:pPr marL="457200" lvl="0" indent="-342900" rtl="0">
               <a:spcBef>
                 <a:spcPts val="0"/>
               </a:spcBef>
@@ -7225,11 +7348,11 @@
                 <a:srgbClr val="FFFFFF"/>
               </a:buClr>
               <a:buSzPct val="75000"/>
-              <a:buFont typeface="Old Standard TT"/>
-              <a:buChar char="●"/>
+              <a:buFont typeface="Arial"/>
+              <a:buChar char="•"/>
             </a:pPr>
             <a:r>
-              <a:rPr lang="en" sz="2400">
+              <a:rPr lang="en" sz="2400" dirty="0">
                 <a:solidFill>
                   <a:srgbClr val="FFFFFF"/>
                 </a:solidFill>
@@ -7260,18 +7383,18 @@
           <a:solidFill>
             <a:srgbClr val="000000"/>
           </a:solidFill>
-          <a:ln cap="flat" cmpd="sng" w="9525">
+          <a:ln w="9525" cap="flat" cmpd="sng">
             <a:solidFill>
               <a:srgbClr val="000000"/>
             </a:solidFill>
             <a:prstDash val="solid"/>
             <a:round/>
-            <a:headEnd len="med" w="med" type="none"/>
-            <a:tailEnd len="med" w="med" type="none"/>
+            <a:headEnd type="none" w="med" len="med"/>
+            <a:tailEnd type="none" w="med" len="med"/>
           </a:ln>
         </p:spPr>
         <p:txBody>
-          <a:bodyPr anchorCtr="0" anchor="ctr" bIns="91425" lIns="91425" rIns="91425" tIns="91425">
+          <a:bodyPr lIns="91425" tIns="91425" rIns="91425" bIns="91425" anchor="ctr" anchorCtr="0">
             <a:noAutofit/>
           </a:bodyPr>
           <a:lstStyle/>
@@ -7282,9 +7405,6 @@
               </a:spcBef>
               <a:buNone/>
             </a:pPr>
-            <a:r>
-              <a:t/>
-            </a:r>
             <a:endParaRPr/>
           </a:p>
         </p:txBody>
@@ -7304,14 +7424,14 @@
             <a:avLst/>
           </a:prstGeom>
           <a:noFill/>
-          <a:ln cap="flat" cmpd="sng" w="19050">
+          <a:ln w="19050" cap="flat" cmpd="sng">
             <a:solidFill>
               <a:schemeClr val="lt2"/>
             </a:solidFill>
             <a:prstDash val="solid"/>
             <a:round/>
-            <a:headEnd len="lg" w="lg" type="none"/>
-            <a:tailEnd len="lg" w="lg" type="none"/>
+            <a:headEnd type="none" w="lg" len="lg"/>
+            <a:tailEnd type="none" w="lg" len="lg"/>
           </a:ln>
         </p:spPr>
       </p:cxnSp>
@@ -7328,18 +7448,18 @@
           </a:xfrm>
           <a:prstGeom prst="bentConnector3">
             <a:avLst>
-              <a:gd fmla="val 50000" name="adj1"/>
+              <a:gd name="adj1" fmla="val 50000"/>
             </a:avLst>
           </a:prstGeom>
           <a:noFill/>
-          <a:ln cap="flat" cmpd="sng" w="19050">
+          <a:ln w="19050" cap="flat" cmpd="sng">
             <a:solidFill>
               <a:schemeClr val="lt2"/>
             </a:solidFill>
             <a:prstDash val="solid"/>
             <a:round/>
-            <a:headEnd len="lg" w="lg" type="none"/>
-            <a:tailEnd len="lg" w="lg" type="none"/>
+            <a:headEnd type="none" w="lg" len="lg"/>
+            <a:tailEnd type="none" w="lg" len="lg"/>
           </a:ln>
         </p:spPr>
       </p:cxnSp>
@@ -7348,18 +7468,18 @@
   <p:clrMapOvr>
     <a:masterClrMapping/>
   </p:clrMapOvr>
-  <p:transition spd="slow">
+  <p:transition xmlns:p14="http://schemas.microsoft.com/office/powerpoint/2010/main" spd="slow">
     <p:cut/>
   </p:transition>
 </p:sld>
 </file>
 
 <file path=ppt/slides/slide5.xml><?xml version="1.0" encoding="utf-8"?>
-<p:sld xmlns:a="http://schemas.openxmlformats.org/drawingml/2006/main" xmlns:r="http://schemas.openxmlformats.org/officeDocument/2006/relationships" xmlns:mc="http://schemas.openxmlformats.org/markup-compatibility/2006" xmlns:mv="urn:schemas-microsoft-com:mac:vml" xmlns:p="http://schemas.openxmlformats.org/presentationml/2006/main" xmlns:c="http://schemas.openxmlformats.org/drawingml/2006/chart" xmlns:dgm="http://schemas.openxmlformats.org/drawingml/2006/diagram" xmlns:o="urn:schemas-microsoft-com:office:office" xmlns:v="urn:schemas-microsoft-com:vml" xmlns:pvml="urn:schemas-microsoft-com:office:powerpoint" xmlns:com="http://schemas.openxmlformats.org/drawingml/2006/compatibility" xmlns:p14="http://schemas.microsoft.com/office/powerpoint/2010/main">
+<p:sld xmlns:a="http://schemas.openxmlformats.org/drawingml/2006/main" xmlns:r="http://schemas.openxmlformats.org/officeDocument/2006/relationships" xmlns:p="http://schemas.openxmlformats.org/presentationml/2006/main">
   <p:cSld>
     <p:spTree>
       <p:nvGrpSpPr>
-        <p:cNvPr id="88" name="Shape 88"/>
+        <p:cNvPr id="1" name="Shape 88"/>
         <p:cNvGrpSpPr/>
         <p:nvPr/>
       </p:nvGrpSpPr>
@@ -7374,41 +7494,46 @@
       <p:sp>
         <p:nvSpPr>
           <p:cNvPr id="89" name="Shape 89"/>
-          <p:cNvSpPr txBox="1"/>
+          <p:cNvSpPr txBox="1">
+            <a:spLocks noGrp="1"/>
+          </p:cNvSpPr>
           <p:nvPr>
-            <p:ph idx="1" type="body"/>
+            <p:ph type="body" idx="1"/>
           </p:nvPr>
         </p:nvSpPr>
         <p:spPr>
           <a:xfrm>
-            <a:off x="311700" y="2733625"/>
-            <a:ext cx="4728299" cy="2337600"/>
+            <a:off x="311700" y="2971873"/>
+            <a:ext cx="4728299" cy="2099352"/>
           </a:xfrm>
           <a:prstGeom prst="rect">
             <a:avLst/>
           </a:prstGeom>
         </p:spPr>
         <p:txBody>
-          <a:bodyPr anchorCtr="0" anchor="t" bIns="91425" lIns="91425" rIns="91425" tIns="91425">
+          <a:bodyPr lIns="91425" tIns="91425" rIns="91425" bIns="91425" anchor="t" anchorCtr="0">
             <a:noAutofit/>
           </a:bodyPr>
           <a:lstStyle/>
           <a:p>
             <a:pPr lvl="0" rtl="0">
+              <a:lnSpc>
+                <a:spcPct val="100000"/>
+              </a:lnSpc>
               <a:spcBef>
                 <a:spcPts val="0"/>
               </a:spcBef>
               <a:buNone/>
             </a:pPr>
             <a:r>
-              <a:rPr lang="en" sz="1600"/>
+              <a:rPr lang="en" sz="1600" dirty="0"/>
               <a:t>Python Driver</a:t>
             </a:r>
           </a:p>
           <a:p>
-            <a:pPr indent="-228600" lvl="0" marL="457200" rtl="0">
+            <a:pPr marL="514350" lvl="0" indent="-285750" rtl="0">
               <a:lnSpc>
-                <a:spcPct val="138000"/>
+                <a:spcPct val="100000"/>
               </a:lnSpc>
               <a:spcBef>
                 <a:spcPts val="0"/>
@@ -7417,16 +7542,18 @@
                 <a:spcPts val="0"/>
               </a:spcAft>
               <a:buSzPct val="62500"/>
+              <a:buFont typeface="Arial"/>
+              <a:buChar char="•"/>
             </a:pPr>
             <a:r>
-              <a:rPr lang="en" sz="1600"/>
+              <a:rPr lang="en" sz="1600" dirty="0"/>
               <a:t>Parses the test cases </a:t>
             </a:r>
           </a:p>
           <a:p>
-            <a:pPr indent="-228600" lvl="0" marL="457200" rtl="0">
+            <a:pPr marL="514350" lvl="0" indent="-285750" rtl="0">
               <a:lnSpc>
-                <a:spcPct val="138000"/>
+                <a:spcPct val="100000"/>
               </a:lnSpc>
               <a:spcBef>
                 <a:spcPts val="0"/>
@@ -7435,16 +7562,18 @@
                 <a:spcPts val="0"/>
               </a:spcAft>
               <a:buSzPct val="62500"/>
+              <a:buFont typeface="Arial"/>
+              <a:buChar char="•"/>
             </a:pPr>
             <a:r>
-              <a:rPr lang="en" sz="1600"/>
+              <a:rPr lang="en" sz="1600" dirty="0"/>
               <a:t>Calls the class and methods </a:t>
             </a:r>
           </a:p>
           <a:p>
-            <a:pPr indent="-228600" lvl="0" marL="457200" rtl="0">
+            <a:pPr marL="514350" lvl="0" indent="-285750" rtl="0">
               <a:lnSpc>
-                <a:spcPct val="138000"/>
+                <a:spcPct val="100000"/>
               </a:lnSpc>
               <a:spcBef>
                 <a:spcPts val="0"/>
@@ -7453,16 +7582,18 @@
                 <a:spcPts val="0"/>
               </a:spcAft>
               <a:buSzPct val="62500"/>
+              <a:buFont typeface="Arial"/>
+              <a:buChar char="•"/>
             </a:pPr>
             <a:r>
-              <a:rPr lang="en" sz="1600"/>
+              <a:rPr lang="en" sz="1600" dirty="0"/>
               <a:t>Passes in parameters </a:t>
             </a:r>
           </a:p>
           <a:p>
-            <a:pPr indent="-228600" lvl="0" marL="457200" rtl="0">
+            <a:pPr marL="514350" lvl="0" indent="-285750" rtl="0">
               <a:lnSpc>
-                <a:spcPct val="138000"/>
+                <a:spcPct val="100000"/>
               </a:lnSpc>
               <a:spcBef>
                 <a:spcPts val="0"/>
@@ -7471,54 +7602,58 @@
                 <a:spcPts val="0"/>
               </a:spcAft>
               <a:buSzPct val="62500"/>
+              <a:buFont typeface="Arial"/>
+              <a:buChar char="•"/>
             </a:pPr>
             <a:r>
-              <a:rPr lang="en" sz="1600"/>
+              <a:rPr lang="en" sz="1600" dirty="0"/>
               <a:t>Collects results</a:t>
             </a:r>
           </a:p>
           <a:p>
             <a:pPr lvl="0" rtl="0">
+              <a:lnSpc>
+                <a:spcPct val="100000"/>
+              </a:lnSpc>
               <a:spcBef>
                 <a:spcPts val="0"/>
               </a:spcBef>
               <a:buNone/>
             </a:pPr>
-            <a:r>
-              <a:t/>
-            </a:r>
-            <a:endParaRPr/>
+            <a:endParaRPr dirty="0"/>
           </a:p>
           <a:p>
             <a:pPr lvl="0" rtl="0">
+              <a:lnSpc>
+                <a:spcPct val="100000"/>
+              </a:lnSpc>
               <a:spcBef>
                 <a:spcPts val="0"/>
               </a:spcBef>
               <a:buNone/>
             </a:pPr>
-            <a:r>
-              <a:t/>
-            </a:r>
-            <a:endParaRPr/>
+            <a:endParaRPr dirty="0"/>
           </a:p>
           <a:p>
             <a:pPr lvl="0" rtl="0">
+              <a:lnSpc>
+                <a:spcPct val="100000"/>
+              </a:lnSpc>
               <a:spcBef>
                 <a:spcPts val="0"/>
               </a:spcBef>
               <a:buNone/>
             </a:pPr>
-            <a:r>
-              <a:t/>
-            </a:r>
-            <a:endParaRPr/>
+            <a:endParaRPr dirty="0"/>
           </a:p>
         </p:txBody>
       </p:sp>
       <p:sp>
         <p:nvSpPr>
           <p:cNvPr id="90" name="Shape 90"/>
-          <p:cNvSpPr txBox="1"/>
+          <p:cNvSpPr txBox="1">
+            <a:spLocks noGrp="1"/>
+          </p:cNvSpPr>
           <p:nvPr>
             <p:ph type="title"/>
           </p:nvPr>
@@ -7533,15 +7668,12 @@
           </a:prstGeom>
         </p:spPr>
         <p:txBody>
-          <a:bodyPr anchorCtr="0" anchor="t" bIns="91425" lIns="91425" rIns="91425" tIns="91425">
+          <a:bodyPr lIns="91425" tIns="91425" rIns="91425" bIns="91425" anchor="t" anchorCtr="0">
             <a:noAutofit/>
           </a:bodyPr>
           <a:lstStyle/>
           <a:p>
             <a:pPr lvl="0" rtl="0">
-              <a:lnSpc>
-                <a:spcPct val="115000"/>
-              </a:lnSpc>
               <a:spcBef>
                 <a:spcPts val="0"/>
               </a:spcBef>
@@ -7562,12 +7694,42 @@
           </a:p>
         </p:txBody>
       </p:sp>
+      <p:pic>
+        <p:nvPicPr>
+          <p:cNvPr id="91" name="Shape 91"/>
+          <p:cNvPicPr preferRelativeResize="0"/>
+          <p:nvPr/>
+        </p:nvPicPr>
+        <p:blipFill>
+          <a:blip r:embed="rId3">
+            <a:alphaModFix/>
+          </a:blip>
+          <a:stretch>
+            <a:fillRect/>
+          </a:stretch>
+        </p:blipFill>
+        <p:spPr>
+          <a:xfrm>
+            <a:off x="5495375" y="822723"/>
+            <a:ext cx="3251750" cy="4248400"/>
+          </a:xfrm>
+          <a:prstGeom prst="rect">
+            <a:avLst/>
+          </a:prstGeom>
+          <a:noFill/>
+          <a:ln>
+            <a:noFill/>
+          </a:ln>
+        </p:spPr>
+      </p:pic>
       <p:sp>
         <p:nvSpPr>
-          <p:cNvPr id="91" name="Shape 91"/>
-          <p:cNvSpPr txBox="1"/>
+          <p:cNvPr id="92" name="Shape 92"/>
+          <p:cNvSpPr txBox="1">
+            <a:spLocks noGrp="1"/>
+          </p:cNvSpPr>
           <p:nvPr>
-            <p:ph idx="2" type="body"/>
+            <p:ph type="body" idx="2"/>
           </p:nvPr>
         </p:nvSpPr>
         <p:spPr>
@@ -7580,39 +7742,76 @@
           </a:prstGeom>
         </p:spPr>
         <p:txBody>
-          <a:bodyPr anchorCtr="0" anchor="t" bIns="91425" lIns="91425" rIns="91425" tIns="91425">
+          <a:bodyPr lIns="91425" tIns="91425" rIns="91425" bIns="91425" anchor="t" anchorCtr="0">
             <a:noAutofit/>
           </a:bodyPr>
           <a:lstStyle/>
           <a:p>
             <a:pPr lvl="0" rtl="0">
+              <a:lnSpc>
+                <a:spcPct val="100000"/>
+              </a:lnSpc>
               <a:spcBef>
                 <a:spcPts val="0"/>
               </a:spcBef>
               <a:buNone/>
             </a:pPr>
             <a:r>
-              <a:rPr lang="en" sz="1600"/>
+              <a:rPr lang="en" sz="1600" dirty="0"/>
               <a:t>Shell Runner</a:t>
             </a:r>
           </a:p>
           <a:p>
-            <a:pPr indent="-292100" lvl="0" marL="457200" rtl="0">
+            <a:pPr marL="450850" lvl="0" indent="-285750" rtl="0">
+              <a:lnSpc>
+                <a:spcPct val="100000"/>
+              </a:lnSpc>
               <a:spcBef>
                 <a:spcPts val="0"/>
               </a:spcBef>
               <a:buSzPct val="62500"/>
-              <a:buChar char="●"/>
+              <a:buFont typeface="Arial"/>
+              <a:buChar char="•"/>
             </a:pPr>
             <a:r>
-              <a:rPr lang="en" sz="1600"/>
-              <a:t>Located in Team6/scripts/runAllTests.sh</a:t>
+              <a:rPr lang="en" sz="1600" dirty="0"/>
+              <a:t>Located in </a:t>
             </a:r>
-          </a:p>
-          <a:p>
-            <a:pPr indent="-228600" lvl="0" marL="457200" rtl="0">
+            <a:r>
+              <a:rPr lang="en" sz="1600" dirty="0" smtClean="0"/>
+              <a:t>Team6/scripts/runAllTests.sh</a:t>
+            </a:r>
+            <a:endParaRPr lang="en-US" sz="1600" dirty="0" smtClean="0"/>
+          </a:p>
+          <a:p>
+            <a:pPr marL="450850" lvl="0" indent="-285750" rtl="0">
               <a:lnSpc>
-                <a:spcPct val="138000"/>
+                <a:spcPct val="100000"/>
+              </a:lnSpc>
+              <a:spcBef>
+                <a:spcPts val="0"/>
+              </a:spcBef>
+              <a:buSzPct val="62500"/>
+              <a:buFont typeface="Arial"/>
+              <a:buChar char="•"/>
+            </a:pPr>
+            <a:r>
+              <a:rPr lang="en" sz="1600" dirty="0" smtClean="0"/>
+              <a:t>Executes </a:t>
+            </a:r>
+            <a:r>
+              <a:rPr lang="en" sz="1600" dirty="0"/>
+              <a:t>the testing framework which </a:t>
+            </a:r>
+            <a:r>
+              <a:rPr lang="en" sz="1600" dirty="0" smtClean="0"/>
+              <a:t>access:</a:t>
+            </a:r>
+          </a:p>
+          <a:p>
+            <a:pPr marL="971550" lvl="1" indent="-285750" rtl="0">
+              <a:lnSpc>
+                <a:spcPct val="100000"/>
               </a:lnSpc>
               <a:spcBef>
                 <a:spcPts val="0"/>
@@ -7621,16 +7820,18 @@
                 <a:spcPts val="0"/>
               </a:spcAft>
               <a:buSzPct val="62500"/>
+              <a:buFont typeface="Arial"/>
+              <a:buChar char="•"/>
             </a:pPr>
             <a:r>
-              <a:rPr lang="en" sz="1600"/>
-              <a:t>Executes the testing framework which access:</a:t>
+              <a:rPr lang="en" sz="1600" dirty="0"/>
+              <a:t>Python Driver</a:t>
             </a:r>
           </a:p>
           <a:p>
-            <a:pPr indent="-228600" lvl="1" marL="914400" rtl="0">
+            <a:pPr marL="971550" lvl="1" indent="-285750" rtl="0">
               <a:lnSpc>
-                <a:spcPct val="138000"/>
+                <a:spcPct val="100000"/>
               </a:lnSpc>
               <a:spcBef>
                 <a:spcPts val="0"/>
@@ -7639,180 +7840,79 @@
                 <a:spcPts val="0"/>
               </a:spcAft>
               <a:buSzPct val="62500"/>
+              <a:buFont typeface="Arial"/>
+              <a:buChar char="•"/>
             </a:pPr>
             <a:r>
-              <a:rPr lang="en" sz="1600"/>
-              <a:t>Python Driver</a:t>
+              <a:rPr lang="en" sz="1600" dirty="0" smtClean="0"/>
+              <a:t>Web </a:t>
             </a:r>
-          </a:p>
-          <a:p>
-            <a:pPr indent="-228600" lvl="1" marL="914400" rtl="0">
+            <a:r>
+              <a:rPr lang="en" sz="1600" dirty="0"/>
+              <a:t>Report Builder</a:t>
+            </a:r>
+          </a:p>
+          <a:p>
+            <a:pPr lvl="0" rtl="0">
               <a:lnSpc>
-                <a:spcPct val="138000"/>
+                <a:spcPct val="100000"/>
               </a:lnSpc>
               <a:spcBef>
                 <a:spcPts val="0"/>
               </a:spcBef>
-              <a:spcAft>
-                <a:spcPts val="0"/>
-              </a:spcAft>
-              <a:buSzPct val="62500"/>
+              <a:buNone/>
+            </a:pPr>
+            <a:endParaRPr dirty="0"/>
+          </a:p>
+          <a:p>
+            <a:pPr lvl="0" rtl="0">
+              <a:lnSpc>
+                <a:spcPct val="100000"/>
+              </a:lnSpc>
+              <a:spcBef>
+                <a:spcPts val="0"/>
+              </a:spcBef>
+              <a:buNone/>
             </a:pPr>
             <a:r>
-              <a:rPr lang="en" sz="1600"/>
-              <a:t>Web Report Builder</a:t>
-            </a:r>
-          </a:p>
-          <a:p>
-            <a:pPr lvl="0" rtl="0">
-              <a:spcBef>
-                <a:spcPts val="0"/>
-              </a:spcBef>
-              <a:buNone/>
-            </a:pPr>
-            <a:r>
-              <a:t/>
-            </a:r>
-            <a:endParaRPr/>
-          </a:p>
-          <a:p>
-            <a:pPr lvl="0" rtl="0">
-              <a:spcBef>
-                <a:spcPts val="0"/>
-              </a:spcBef>
-              <a:buNone/>
-            </a:pPr>
-            <a:r>
-              <a:rPr lang="en" sz="1000"/>
+              <a:rPr lang="en" sz="1000" dirty="0"/>
               <a:t>     </a:t>
             </a:r>
           </a:p>
           <a:p>
             <a:pPr lvl="0" rtl="0">
+              <a:lnSpc>
+                <a:spcPct val="100000"/>
+              </a:lnSpc>
               <a:spcBef>
                 <a:spcPts val="0"/>
               </a:spcBef>
               <a:buNone/>
             </a:pPr>
             <a:r>
-              <a:rPr lang="en" sz="1000"/>
+              <a:rPr lang="en" sz="1000" dirty="0"/>
               <a:t>              </a:t>
             </a:r>
           </a:p>
         </p:txBody>
       </p:sp>
-      <p:grpSp>
-        <p:nvGrpSpPr>
-          <p:cNvPr id="92" name="Shape 92"/>
-          <p:cNvGrpSpPr/>
-          <p:nvPr/>
-        </p:nvGrpSpPr>
-        <p:grpSpPr>
-          <a:xfrm>
-            <a:off x="5451908" y="765925"/>
-            <a:ext cx="3295215" cy="4305199"/>
-            <a:chOff x="5451908" y="765925"/>
-            <a:chExt cx="3295215" cy="4305199"/>
-          </a:xfrm>
-        </p:grpSpPr>
-        <p:pic>
-          <p:nvPicPr>
-            <p:cNvPr id="93" name="Shape 93"/>
-            <p:cNvPicPr preferRelativeResize="0"/>
-            <p:nvPr/>
-          </p:nvPicPr>
-          <p:blipFill>
-            <a:blip r:embed="rId3">
-              <a:alphaModFix/>
-            </a:blip>
-            <a:stretch>
-              <a:fillRect/>
-            </a:stretch>
-          </p:blipFill>
-          <p:spPr>
-            <a:xfrm>
-              <a:off x="5451908" y="765925"/>
-              <a:ext cx="3295215" cy="4305199"/>
-            </a:xfrm>
-            <a:prstGeom prst="rect">
-              <a:avLst/>
-            </a:prstGeom>
-            <a:noFill/>
-            <a:ln cap="flat" cmpd="sng" w="9525">
-              <a:solidFill>
-                <a:srgbClr val="000000"/>
-              </a:solidFill>
-              <a:prstDash val="solid"/>
-              <a:round/>
-              <a:headEnd len="med" w="med" type="none"/>
-              <a:tailEnd len="med" w="med" type="none"/>
-            </a:ln>
-          </p:spPr>
-        </p:pic>
-        <p:sp>
-          <p:nvSpPr>
-            <p:cNvPr id="94" name="Shape 94"/>
-            <p:cNvSpPr/>
-            <p:nvPr/>
-          </p:nvSpPr>
-          <p:spPr>
-            <a:xfrm>
-              <a:off x="5552425" y="1904050"/>
-              <a:ext cx="990299" cy="146999"/>
-            </a:xfrm>
-            <a:prstGeom prst="rect">
-              <a:avLst/>
-            </a:prstGeom>
-            <a:solidFill>
-              <a:srgbClr val="FFFFFF"/>
-            </a:solidFill>
-            <a:ln cap="flat" cmpd="sng" w="9525">
-              <a:solidFill>
-                <a:srgbClr val="FFFFFF"/>
-              </a:solidFill>
-              <a:prstDash val="solid"/>
-              <a:round/>
-              <a:headEnd len="med" w="med" type="none"/>
-              <a:tailEnd len="med" w="med" type="none"/>
-            </a:ln>
-          </p:spPr>
-          <p:txBody>
-            <a:bodyPr anchorCtr="0" anchor="ctr" bIns="91425" lIns="91425" rIns="91425" tIns="91425">
-              <a:noAutofit/>
-            </a:bodyPr>
-            <a:lstStyle/>
-            <a:p>
-              <a:pPr>
-                <a:spcBef>
-                  <a:spcPts val="0"/>
-                </a:spcBef>
-                <a:buNone/>
-              </a:pPr>
-              <a:r>
-                <a:t/>
-              </a:r>
-              <a:endParaRPr/>
-            </a:p>
-          </p:txBody>
-        </p:sp>
-      </p:grpSp>
     </p:spTree>
   </p:cSld>
   <p:clrMapOvr>
     <a:masterClrMapping/>
   </p:clrMapOvr>
-  <p:transition spd="slow">
+  <p:transition xmlns:p14="http://schemas.microsoft.com/office/powerpoint/2010/main" spd="slow">
     <p:cut/>
   </p:transition>
 </p:sld>
 </file>
 
 <file path=ppt/slides/slide6.xml><?xml version="1.0" encoding="utf-8"?>
-<p:sld xmlns:a="http://schemas.openxmlformats.org/drawingml/2006/main" xmlns:r="http://schemas.openxmlformats.org/officeDocument/2006/relationships" xmlns:mc="http://schemas.openxmlformats.org/markup-compatibility/2006" xmlns:mv="urn:schemas-microsoft-com:mac:vml" xmlns:p="http://schemas.openxmlformats.org/presentationml/2006/main" xmlns:c="http://schemas.openxmlformats.org/drawingml/2006/chart" xmlns:dgm="http://schemas.openxmlformats.org/drawingml/2006/diagram" xmlns:o="urn:schemas-microsoft-com:office:office" xmlns:v="urn:schemas-microsoft-com:vml" xmlns:pvml="urn:schemas-microsoft-com:office:powerpoint" xmlns:com="http://schemas.openxmlformats.org/drawingml/2006/compatibility" xmlns:p14="http://schemas.microsoft.com/office/powerpoint/2010/main">
+<p:sld xmlns:a="http://schemas.openxmlformats.org/drawingml/2006/main" xmlns:r="http://schemas.openxmlformats.org/officeDocument/2006/relationships" xmlns:p="http://schemas.openxmlformats.org/presentationml/2006/main">
   <p:cSld>
     <p:spTree>
       <p:nvGrpSpPr>
-        <p:cNvPr id="98" name="Shape 98"/>
+        <p:cNvPr id="1" name="Shape 96"/>
         <p:cNvGrpSpPr/>
         <p:nvPr/>
       </p:nvGrpSpPr>
@@ -7826,10 +7926,12 @@
       </p:grpSpPr>
       <p:sp>
         <p:nvSpPr>
-          <p:cNvPr id="99" name="Shape 99"/>
-          <p:cNvSpPr txBox="1"/>
+          <p:cNvPr id="97" name="Shape 97"/>
+          <p:cNvSpPr txBox="1">
+            <a:spLocks noGrp="1"/>
+          </p:cNvSpPr>
           <p:nvPr>
-            <p:ph idx="1" type="body"/>
+            <p:ph type="body" idx="1"/>
           </p:nvPr>
         </p:nvSpPr>
         <p:spPr>
@@ -7842,136 +7944,192 @@
           </a:prstGeom>
         </p:spPr>
         <p:txBody>
-          <a:bodyPr anchorCtr="0" anchor="t" bIns="91425" lIns="91425" rIns="91425" tIns="91425">
+          <a:bodyPr lIns="91425" tIns="91425" rIns="91425" bIns="91425" anchor="t" anchorCtr="0">
             <a:noAutofit/>
           </a:bodyPr>
           <a:lstStyle/>
           <a:p>
             <a:pPr lvl="0" rtl="0">
+              <a:lnSpc>
+                <a:spcPct val="80000"/>
+              </a:lnSpc>
               <a:spcBef>
                 <a:spcPts val="0"/>
               </a:spcBef>
               <a:buNone/>
             </a:pPr>
             <a:r>
-              <a:rPr lang="en" sz="1600"/>
+              <a:rPr lang="en" sz="1600" dirty="0"/>
               <a:t>Console Reporting</a:t>
             </a:r>
           </a:p>
           <a:p>
-            <a:pPr indent="-228600" lvl="0" marL="457200" rtl="0">
+            <a:pPr marL="514350" lvl="0" indent="-285750" rtl="0">
+              <a:lnSpc>
+                <a:spcPct val="80000"/>
+              </a:lnSpc>
               <a:spcBef>
                 <a:spcPts val="0"/>
               </a:spcBef>
               <a:buSzPct val="62500"/>
+              <a:buFont typeface="Arial"/>
+              <a:buChar char="•"/>
             </a:pPr>
             <a:r>
-              <a:rPr lang="en" sz="1600"/>
-              <a:t>Output to the console:</a:t>
+              <a:rPr lang="en" sz="1600" dirty="0"/>
+              <a:t>Output to the </a:t>
             </a:r>
-          </a:p>
-          <a:p>
-            <a:pPr indent="-228600" lvl="1" marL="914400" rtl="0">
-              <a:spcBef>
-                <a:spcPts val="0"/>
-              </a:spcBef>
-              <a:buSzPct val="62500"/>
-            </a:pPr>
             <a:r>
-              <a:rPr lang="en" sz="1600"/>
+              <a:rPr lang="en" sz="1600" dirty="0" smtClean="0"/>
+              <a:t>console:</a:t>
+            </a:r>
+          </a:p>
+          <a:p>
+            <a:pPr marL="971550" lvl="1" indent="-285750" rtl="0">
+              <a:lnSpc>
+                <a:spcPct val="80000"/>
+              </a:lnSpc>
+              <a:spcBef>
+                <a:spcPts val="0"/>
+              </a:spcBef>
+              <a:buSzPct val="100000"/>
+              <a:buFont typeface="Arial"/>
+              <a:buChar char="•"/>
+            </a:pPr>
+            <a:r>
+              <a:rPr lang="en" sz="1600" dirty="0"/>
               <a:t>Test name and location</a:t>
             </a:r>
           </a:p>
           <a:p>
-            <a:pPr indent="-228600" lvl="1" marL="914400" rtl="0">
-              <a:spcBef>
-                <a:spcPts val="0"/>
-              </a:spcBef>
-              <a:buSzPct val="62500"/>
+            <a:pPr marL="971550" lvl="1" indent="-285750" rtl="0">
+              <a:lnSpc>
+                <a:spcPct val="80000"/>
+              </a:lnSpc>
+              <a:spcBef>
+                <a:spcPts val="0"/>
+              </a:spcBef>
+              <a:buSzPct val="100000"/>
+              <a:buFont typeface="Arial"/>
+              <a:buChar char="•"/>
             </a:pPr>
             <a:r>
-              <a:rPr lang="en" sz="1600"/>
-              <a:t>Class name</a:t>
+              <a:rPr lang="en" sz="1600" dirty="0" smtClean="0"/>
+              <a:t>Class </a:t>
             </a:r>
-          </a:p>
-          <a:p>
-            <a:pPr indent="-228600" lvl="1" marL="914400" rtl="0">
-              <a:spcBef>
-                <a:spcPts val="0"/>
-              </a:spcBef>
-              <a:buSzPct val="62500"/>
-            </a:pPr>
             <a:r>
-              <a:rPr lang="en" sz="1600"/>
+              <a:rPr lang="en" sz="1600" dirty="0"/>
+              <a:t>name</a:t>
+            </a:r>
+          </a:p>
+          <a:p>
+            <a:pPr marL="971550" lvl="1" indent="-285750" rtl="0">
+              <a:lnSpc>
+                <a:spcPct val="80000"/>
+              </a:lnSpc>
+              <a:spcBef>
+                <a:spcPts val="0"/>
+              </a:spcBef>
+              <a:buSzPct val="100000"/>
+              <a:buFont typeface="Arial"/>
+              <a:buChar char="•"/>
+            </a:pPr>
+            <a:r>
+              <a:rPr lang="en" sz="1600" dirty="0"/>
               <a:t>Method name</a:t>
             </a:r>
           </a:p>
           <a:p>
-            <a:pPr indent="-228600" lvl="1" marL="914400" rtl="0">
-              <a:spcBef>
-                <a:spcPts val="0"/>
-              </a:spcBef>
-              <a:buSzPct val="62500"/>
+            <a:pPr marL="971550" lvl="1" indent="-285750" rtl="0">
+              <a:lnSpc>
+                <a:spcPct val="80000"/>
+              </a:lnSpc>
+              <a:spcBef>
+                <a:spcPts val="0"/>
+              </a:spcBef>
+              <a:buSzPct val="100000"/>
+              <a:buFont typeface="Arial"/>
+              <a:buChar char="•"/>
             </a:pPr>
             <a:r>
-              <a:rPr lang="en" sz="1600"/>
+              <a:rPr lang="en" sz="1600" dirty="0"/>
               <a:t>Input given</a:t>
             </a:r>
           </a:p>
           <a:p>
-            <a:pPr indent="-228600" lvl="1" marL="914400" rtl="0">
-              <a:spcBef>
-                <a:spcPts val="0"/>
-              </a:spcBef>
-              <a:buSzPct val="62500"/>
+            <a:pPr marL="971550" lvl="1" indent="-285750" rtl="0">
+              <a:lnSpc>
+                <a:spcPct val="80000"/>
+              </a:lnSpc>
+              <a:spcBef>
+                <a:spcPts val="0"/>
+              </a:spcBef>
+              <a:buSzPct val="100000"/>
+              <a:buFont typeface="Arial"/>
+              <a:buChar char="•"/>
             </a:pPr>
             <a:r>
-              <a:rPr lang="en" sz="1600"/>
+              <a:rPr lang="en" sz="1600" dirty="0"/>
               <a:t>Oracle</a:t>
             </a:r>
           </a:p>
           <a:p>
-            <a:pPr indent="-228600" lvl="1" marL="914400" rtl="0">
-              <a:spcBef>
-                <a:spcPts val="0"/>
-              </a:spcBef>
-              <a:buSzPct val="62500"/>
+            <a:pPr marL="971550" lvl="1" indent="-285750" rtl="0">
+              <a:lnSpc>
+                <a:spcPct val="80000"/>
+              </a:lnSpc>
+              <a:spcBef>
+                <a:spcPts val="0"/>
+              </a:spcBef>
+              <a:buSzPct val="100000"/>
+              <a:buFont typeface="Arial"/>
+              <a:buChar char="•"/>
             </a:pPr>
             <a:r>
-              <a:rPr lang="en" sz="1600"/>
-              <a:t>Test result</a:t>
+              <a:rPr lang="en" sz="1600" dirty="0"/>
+              <a:t>Test </a:t>
             </a:r>
-          </a:p>
-          <a:p>
-            <a:pPr indent="-228600" lvl="2" marL="1371600" rtl="0">
-              <a:spcBef>
-                <a:spcPts val="0"/>
-              </a:spcBef>
-              <a:buChar char="→"/>
-            </a:pPr>
             <a:r>
-              <a:rPr lang="en" sz="1600"/>
+              <a:rPr lang="en" sz="1600" dirty="0" smtClean="0"/>
+              <a:t>result</a:t>
+            </a:r>
+            <a:endParaRPr lang="en-US" sz="1600" dirty="0" smtClean="0"/>
+          </a:p>
+          <a:p>
+            <a:pPr marL="971550" lvl="1" indent="-285750" rtl="0">
+              <a:lnSpc>
+                <a:spcPct val="80000"/>
+              </a:lnSpc>
+              <a:spcBef>
+                <a:spcPts val="0"/>
+              </a:spcBef>
+              <a:buSzPct val="100000"/>
+              <a:buFont typeface="Arial"/>
+              <a:buChar char="•"/>
+            </a:pPr>
+            <a:r>
+              <a:rPr lang="en" sz="1600" dirty="0" smtClean="0"/>
               <a:t>Pass/Fail</a:t>
             </a:r>
-          </a:p>
-          <a:p>
-            <a:pPr indent="0" lvl="0" marL="457200" rtl="0">
+            <a:endParaRPr lang="en" sz="1600" dirty="0"/>
+          </a:p>
+          <a:p>
+            <a:pPr marL="457200" lvl="0" indent="0" rtl="0">
               <a:spcBef>
                 <a:spcPts val="0"/>
               </a:spcBef>
               <a:buNone/>
             </a:pPr>
-            <a:r>
-              <a:t/>
-            </a:r>
-            <a:endParaRPr sz="1600"/>
+            <a:endParaRPr sz="1600" dirty="0"/>
           </a:p>
         </p:txBody>
       </p:sp>
       <p:sp>
         <p:nvSpPr>
-          <p:cNvPr id="100" name="Shape 100"/>
-          <p:cNvSpPr txBox="1"/>
+          <p:cNvPr id="98" name="Shape 98"/>
+          <p:cNvSpPr txBox="1">
+            <a:spLocks noGrp="1"/>
+          </p:cNvSpPr>
           <p:nvPr>
             <p:ph type="title"/>
           </p:nvPr>
@@ -7986,7 +8144,7 @@
           </a:prstGeom>
         </p:spPr>
         <p:txBody>
-          <a:bodyPr anchorCtr="0" anchor="t" bIns="91425" lIns="91425" rIns="91425" tIns="91425">
+          <a:bodyPr lIns="91425" tIns="91425" rIns="91425" bIns="91425" anchor="t" anchorCtr="0">
             <a:noAutofit/>
           </a:bodyPr>
           <a:lstStyle/>
@@ -7998,7 +8156,7 @@
               <a:buNone/>
             </a:pPr>
             <a:r>
-              <a:rPr lang="en"/>
+              <a:rPr lang="en" dirty="0"/>
               <a:t>Reporting</a:t>
             </a:r>
           </a:p>
@@ -8006,7 +8164,7 @@
       </p:sp>
       <p:pic>
         <p:nvPicPr>
-          <p:cNvPr id="101" name="Shape 101"/>
+          <p:cNvPr id="99" name="Shape 99"/>
           <p:cNvPicPr preferRelativeResize="0"/>
           <p:nvPr/>
         </p:nvPicPr>
@@ -8020,21 +8178,15 @@
         </p:blipFill>
         <p:spPr>
           <a:xfrm>
-            <a:off x="3854500" y="438700"/>
-            <a:ext cx="4848750" cy="3970000"/>
+            <a:off x="3699225" y="678075"/>
+            <a:ext cx="5362625" cy="4211849"/>
           </a:xfrm>
           <a:prstGeom prst="rect">
             <a:avLst/>
           </a:prstGeom>
           <a:noFill/>
-          <a:ln cap="flat" cmpd="sng" w="9525">
-            <a:solidFill>
-              <a:srgbClr val="000000"/>
-            </a:solidFill>
-            <a:prstDash val="solid"/>
-            <a:round/>
-            <a:headEnd len="med" w="med" type="none"/>
-            <a:tailEnd len="med" w="med" type="none"/>
+          <a:ln>
+            <a:noFill/>
           </a:ln>
         </p:spPr>
       </p:pic>
@@ -8043,18 +8195,18 @@
   <p:clrMapOvr>
     <a:masterClrMapping/>
   </p:clrMapOvr>
-  <p:transition spd="slow">
+  <p:transition xmlns:p14="http://schemas.microsoft.com/office/powerpoint/2010/main" spd="slow">
     <p:cut/>
   </p:transition>
 </p:sld>
 </file>
 
 <file path=ppt/slides/slide7.xml><?xml version="1.0" encoding="utf-8"?>
-<p:sld xmlns:a="http://schemas.openxmlformats.org/drawingml/2006/main" xmlns:r="http://schemas.openxmlformats.org/officeDocument/2006/relationships" xmlns:mc="http://schemas.openxmlformats.org/markup-compatibility/2006" xmlns:mv="urn:schemas-microsoft-com:mac:vml" xmlns:p="http://schemas.openxmlformats.org/presentationml/2006/main" xmlns:c="http://schemas.openxmlformats.org/drawingml/2006/chart" xmlns:dgm="http://schemas.openxmlformats.org/drawingml/2006/diagram" xmlns:o="urn:schemas-microsoft-com:office:office" xmlns:v="urn:schemas-microsoft-com:vml" xmlns:pvml="urn:schemas-microsoft-com:office:powerpoint" xmlns:com="http://schemas.openxmlformats.org/drawingml/2006/compatibility" xmlns:p14="http://schemas.microsoft.com/office/powerpoint/2010/main">
+<p:sld xmlns:a="http://schemas.openxmlformats.org/drawingml/2006/main" xmlns:r="http://schemas.openxmlformats.org/officeDocument/2006/relationships" xmlns:p="http://schemas.openxmlformats.org/presentationml/2006/main">
   <p:cSld>
     <p:spTree>
       <p:nvGrpSpPr>
-        <p:cNvPr id="105" name="Shape 105"/>
+        <p:cNvPr id="1" name="Shape 103"/>
         <p:cNvGrpSpPr/>
         <p:nvPr/>
       </p:nvGrpSpPr>
@@ -8068,143 +8220,194 @@
       </p:grpSpPr>
       <p:sp>
         <p:nvSpPr>
-          <p:cNvPr id="106" name="Shape 106"/>
-          <p:cNvSpPr txBox="1"/>
+          <p:cNvPr id="104" name="Shape 104"/>
+          <p:cNvSpPr txBox="1">
+            <a:spLocks noGrp="1"/>
+          </p:cNvSpPr>
           <p:nvPr>
-            <p:ph idx="1" type="body"/>
+            <p:ph type="body" idx="1"/>
           </p:nvPr>
         </p:nvSpPr>
         <p:spPr>
           <a:xfrm>
-            <a:off x="364800" y="794675"/>
-            <a:ext cx="7270500" cy="3390300"/>
+            <a:off x="311701" y="956487"/>
+            <a:ext cx="3999899" cy="3857099"/>
           </a:xfrm>
           <a:prstGeom prst="rect">
             <a:avLst/>
           </a:prstGeom>
         </p:spPr>
         <p:txBody>
-          <a:bodyPr anchorCtr="0" anchor="t" bIns="91425" lIns="91425" rIns="91425" tIns="91425">
+          <a:bodyPr lIns="91425" tIns="91425" rIns="91425" bIns="91425" anchor="t" anchorCtr="0">
             <a:noAutofit/>
           </a:bodyPr>
           <a:lstStyle/>
           <a:p>
-            <a:pPr rtl="0">
-              <a:spcBef>
-                <a:spcPts val="0"/>
-              </a:spcBef>
-              <a:buNone/>
+            <a:pPr marL="171450" indent="-171450" rtl="0">
+              <a:lnSpc>
+                <a:spcPct val="100000"/>
+              </a:lnSpc>
+              <a:spcBef>
+                <a:spcPts val="0"/>
+              </a:spcBef>
+              <a:buFont typeface="Arial"/>
+              <a:buChar char="•"/>
             </a:pPr>
             <a:r>
-              <a:rPr lang="en" sz="1600"/>
+              <a:rPr lang="en" sz="1200" dirty="0"/>
               <a:t>HTML Reporting</a:t>
             </a:r>
           </a:p>
           <a:p>
-            <a:pPr indent="-228600" lvl="0" marL="457200" rtl="0">
+            <a:pPr marL="514350" lvl="0" indent="-285750" rtl="0">
+              <a:lnSpc>
+                <a:spcPct val="100000"/>
+              </a:lnSpc>
               <a:spcBef>
                 <a:spcPts val="0"/>
               </a:spcBef>
               <a:buSzPct val="62500"/>
+              <a:buFont typeface="Arial"/>
+              <a:buChar char="•"/>
             </a:pPr>
             <a:r>
-              <a:rPr lang="en" sz="1600"/>
-              <a:t>Driver parses the reporting document into webbuilder.py and builds a web page to display results</a:t>
+              <a:rPr lang="en" sz="1200" dirty="0"/>
+              <a:t>Driver parses the reporting document and builds a web page to display results</a:t>
             </a:r>
           </a:p>
           <a:p>
-            <a:pPr indent="-228600" lvl="0" marL="457200" rtl="0">
+            <a:pPr marL="514350" lvl="0" indent="-285750" rtl="0">
+              <a:lnSpc>
+                <a:spcPct val="100000"/>
+              </a:lnSpc>
               <a:spcBef>
                 <a:spcPts val="0"/>
               </a:spcBef>
               <a:buSzPct val="62500"/>
+              <a:buFont typeface="Arial"/>
+              <a:buChar char="•"/>
             </a:pPr>
             <a:r>
-              <a:rPr lang="en" sz="1600"/>
+              <a:rPr lang="en" sz="1200" dirty="0"/>
               <a:t>Automatically opens a browser</a:t>
             </a:r>
           </a:p>
           <a:p>
-            <a:pPr indent="-228600" lvl="0" marL="457200" rtl="0">
+            <a:pPr marL="514350" lvl="0" indent="-285750" rtl="0">
+              <a:lnSpc>
+                <a:spcPct val="100000"/>
+              </a:lnSpc>
               <a:spcBef>
                 <a:spcPts val="0"/>
               </a:spcBef>
               <a:buSzPct val="62500"/>
+              <a:buFont typeface="Arial"/>
+              <a:buChar char="•"/>
             </a:pPr>
             <a:r>
-              <a:rPr lang="en" sz="1600"/>
+              <a:rPr lang="en" sz="1200" dirty="0"/>
               <a:t>Results:</a:t>
             </a:r>
           </a:p>
           <a:p>
-            <a:pPr indent="-228600" lvl="1" marL="914400" rtl="0">
+            <a:pPr marL="971550" lvl="1" indent="-285750" rtl="0">
+              <a:lnSpc>
+                <a:spcPct val="100000"/>
+              </a:lnSpc>
               <a:spcBef>
                 <a:spcPts val="0"/>
               </a:spcBef>
               <a:buSzPct val="62500"/>
+              <a:buFont typeface="Arial"/>
+              <a:buChar char="•"/>
             </a:pPr>
             <a:r>
-              <a:rPr lang="en" sz="1600"/>
+              <a:rPr lang="en" dirty="0"/>
               <a:t>Class Name</a:t>
             </a:r>
           </a:p>
           <a:p>
-            <a:pPr indent="-228600" lvl="1" marL="914400" rtl="0">
+            <a:pPr marL="971550" lvl="1" indent="-285750" rtl="0">
+              <a:lnSpc>
+                <a:spcPct val="100000"/>
+              </a:lnSpc>
               <a:spcBef>
                 <a:spcPts val="0"/>
               </a:spcBef>
               <a:buSzPct val="62500"/>
+              <a:buFont typeface="Arial"/>
+              <a:buChar char="•"/>
             </a:pPr>
             <a:r>
-              <a:rPr lang="en" sz="1600"/>
+              <a:rPr lang="en" dirty="0"/>
               <a:t>Method</a:t>
             </a:r>
           </a:p>
           <a:p>
-            <a:pPr indent="-228600" lvl="1" marL="914400" rtl="0">
+            <a:pPr marL="971550" lvl="1" indent="-285750" rtl="0">
+              <a:lnSpc>
+                <a:spcPct val="100000"/>
+              </a:lnSpc>
               <a:spcBef>
                 <a:spcPts val="0"/>
               </a:spcBef>
               <a:buSzPct val="62500"/>
+              <a:buFont typeface="Arial"/>
+              <a:buChar char="•"/>
             </a:pPr>
             <a:r>
-              <a:rPr lang="en" sz="1600"/>
+              <a:rPr lang="en" dirty="0"/>
               <a:t>Input</a:t>
             </a:r>
           </a:p>
           <a:p>
-            <a:pPr indent="-228600" lvl="1" marL="914400" rtl="0">
+            <a:pPr marL="914400" lvl="1" indent="-228600" rtl="0">
+              <a:lnSpc>
+                <a:spcPct val="100000"/>
+              </a:lnSpc>
               <a:spcBef>
                 <a:spcPts val="0"/>
               </a:spcBef>
               <a:buSzPct val="62500"/>
+              <a:buFont typeface="Arial"/>
+              <a:buChar char="•"/>
             </a:pPr>
             <a:r>
-              <a:rPr lang="en" sz="1600"/>
+              <a:rPr lang="en" dirty="0"/>
               <a:t>Description</a:t>
             </a:r>
           </a:p>
           <a:p>
-            <a:pPr indent="-228600" lvl="1" marL="914400" rtl="0">
+            <a:pPr marL="914400" lvl="1" indent="-228600" rtl="0">
+              <a:lnSpc>
+                <a:spcPct val="100000"/>
+              </a:lnSpc>
               <a:spcBef>
                 <a:spcPts val="0"/>
               </a:spcBef>
               <a:buSzPct val="62500"/>
+              <a:buFont typeface="Arial"/>
+              <a:buChar char="•"/>
             </a:pPr>
             <a:r>
-              <a:rPr lang="en" sz="1600"/>
+              <a:rPr lang="en" dirty="0"/>
               <a:t>Oracle </a:t>
             </a:r>
           </a:p>
           <a:p>
-            <a:pPr indent="-228600" lvl="1" marL="914400" rtl="0">
+            <a:pPr marL="914400" lvl="1" indent="-228600" rtl="0">
+              <a:lnSpc>
+                <a:spcPct val="100000"/>
+              </a:lnSpc>
               <a:spcBef>
                 <a:spcPts val="0"/>
               </a:spcBef>
               <a:buSzPct val="62500"/>
+              <a:buFont typeface="Arial"/>
+              <a:buChar char="•"/>
             </a:pPr>
             <a:r>
-              <a:rPr lang="en" sz="1600"/>
+              <a:rPr lang="en" dirty="0"/>
               <a:t>Pass/Fail</a:t>
             </a:r>
           </a:p>
@@ -8212,15 +8415,17 @@
       </p:sp>
       <p:sp>
         <p:nvSpPr>
-          <p:cNvPr id="107" name="Shape 107"/>
-          <p:cNvSpPr txBox="1"/>
+          <p:cNvPr id="105" name="Shape 105"/>
+          <p:cNvSpPr txBox="1">
+            <a:spLocks noGrp="1"/>
+          </p:cNvSpPr>
           <p:nvPr>
             <p:ph type="title"/>
           </p:nvPr>
         </p:nvSpPr>
         <p:spPr>
           <a:xfrm>
-            <a:off x="364800" y="111175"/>
+            <a:off x="541250" y="330250"/>
             <a:ext cx="8520599" cy="613200"/>
           </a:xfrm>
           <a:prstGeom prst="rect">
@@ -8228,7 +8433,7 @@
           </a:prstGeom>
         </p:spPr>
         <p:txBody>
-          <a:bodyPr anchorCtr="0" anchor="t" bIns="91425" lIns="91425" rIns="91425" tIns="91425">
+          <a:bodyPr lIns="91425" tIns="91425" rIns="91425" bIns="91425" anchor="t" anchorCtr="0">
             <a:noAutofit/>
           </a:bodyPr>
           <a:lstStyle/>
@@ -8240,7 +8445,7 @@
               <a:buNone/>
             </a:pPr>
             <a:r>
-              <a:rPr lang="en" sz="3600"/>
+              <a:rPr lang="en"/>
               <a:t>Reporting</a:t>
             </a:r>
           </a:p>
@@ -8248,7 +8453,7 @@
       </p:sp>
       <p:pic>
         <p:nvPicPr>
-          <p:cNvPr id="108" name="Shape 108"/>
+          <p:cNvPr id="106" name="Shape 106"/>
           <p:cNvPicPr preferRelativeResize="0"/>
           <p:nvPr/>
         </p:nvPicPr>
@@ -8262,21 +8467,15 @@
         </p:blipFill>
         <p:spPr>
           <a:xfrm>
-            <a:off x="4089275" y="1956500"/>
-            <a:ext cx="4690074" cy="3000750"/>
+            <a:off x="4311600" y="1402887"/>
+            <a:ext cx="4750250" cy="3394672"/>
           </a:xfrm>
           <a:prstGeom prst="rect">
             <a:avLst/>
           </a:prstGeom>
           <a:noFill/>
-          <a:ln cap="flat" cmpd="sng" w="9525">
-            <a:solidFill>
-              <a:srgbClr val="000000"/>
-            </a:solidFill>
-            <a:prstDash val="solid"/>
-            <a:round/>
-            <a:headEnd len="med" w="med" type="none"/>
-            <a:tailEnd len="med" w="med" type="none"/>
+          <a:ln>
+            <a:noFill/>
           </a:ln>
         </p:spPr>
       </p:pic>
@@ -8285,18 +8484,18 @@
   <p:clrMapOvr>
     <a:masterClrMapping/>
   </p:clrMapOvr>
-  <p:transition spd="slow">
+  <p:transition xmlns:p14="http://schemas.microsoft.com/office/powerpoint/2010/main" spd="slow">
     <p:cut/>
   </p:transition>
 </p:sld>
 </file>
 
 <file path=ppt/slides/slide8.xml><?xml version="1.0" encoding="utf-8"?>
-<p:sld xmlns:a="http://schemas.openxmlformats.org/drawingml/2006/main" xmlns:r="http://schemas.openxmlformats.org/officeDocument/2006/relationships" xmlns:mc="http://schemas.openxmlformats.org/markup-compatibility/2006" xmlns:mv="urn:schemas-microsoft-com:mac:vml" xmlns:p="http://schemas.openxmlformats.org/presentationml/2006/main" xmlns:c="http://schemas.openxmlformats.org/drawingml/2006/chart" xmlns:dgm="http://schemas.openxmlformats.org/drawingml/2006/diagram" xmlns:o="urn:schemas-microsoft-com:office:office" xmlns:v="urn:schemas-microsoft-com:vml" xmlns:pvml="urn:schemas-microsoft-com:office:powerpoint" xmlns:com="http://schemas.openxmlformats.org/drawingml/2006/compatibility" xmlns:p14="http://schemas.microsoft.com/office/powerpoint/2010/main">
+<p:sld xmlns:a="http://schemas.openxmlformats.org/drawingml/2006/main" xmlns:r="http://schemas.openxmlformats.org/officeDocument/2006/relationships" xmlns:p="http://schemas.openxmlformats.org/presentationml/2006/main">
   <p:cSld>
     <p:spTree>
       <p:nvGrpSpPr>
-        <p:cNvPr id="112" name="Shape 112"/>
+        <p:cNvPr id="1" name="Shape 110"/>
         <p:cNvGrpSpPr/>
         <p:nvPr/>
       </p:nvGrpSpPr>
@@ -8310,23 +8509,25 @@
       </p:grpSpPr>
       <p:sp>
         <p:nvSpPr>
-          <p:cNvPr id="113" name="Shape 113"/>
-          <p:cNvSpPr txBox="1"/>
+          <p:cNvPr id="111" name="Shape 111"/>
+          <p:cNvSpPr txBox="1">
+            <a:spLocks noGrp="1"/>
+          </p:cNvSpPr>
           <p:nvPr>
-            <p:ph idx="1" type="body"/>
+            <p:ph type="body" idx="1"/>
           </p:nvPr>
         </p:nvSpPr>
         <p:spPr>
           <a:xfrm>
-            <a:off x="205050" y="1341850"/>
-            <a:ext cx="8733899" cy="3279899"/>
+            <a:off x="144750" y="1182100"/>
+            <a:ext cx="8733899" cy="3544199"/>
           </a:xfrm>
           <a:prstGeom prst="rect">
             <a:avLst/>
           </a:prstGeom>
         </p:spPr>
         <p:txBody>
-          <a:bodyPr anchorCtr="0" anchor="t" bIns="91425" lIns="91425" rIns="91425" tIns="91425">
+          <a:bodyPr lIns="91425" tIns="91425" rIns="91425" bIns="91425" anchor="t" anchorCtr="0">
             <a:noAutofit/>
           </a:bodyPr>
           <a:lstStyle/>
@@ -8349,13 +8550,13 @@
               <a:buNone/>
             </a:pPr>
             <a:r>
-              <a:rPr lang="en" sz="1600">
+              <a:rPr lang="en" sz="1600" dirty="0">
                 <a:latin typeface="Arial"/>
                 <a:ea typeface="Arial"/>
                 <a:cs typeface="Arial"/>
                 <a:sym typeface="Arial"/>
               </a:rPr>
-              <a:t>Test 01:05 - Finds the Greatest Common Denominator between two inputs</a:t>
+              <a:t>Test 01:05 - Finds the GCD between two inputs</a:t>
             </a:r>
           </a:p>
           <a:p>
@@ -8372,10 +8573,7 @@
               <a:buFont typeface="Arial"/>
               <a:buNone/>
             </a:pPr>
-            <a:r>
-              <a:t/>
-            </a:r>
-            <a:endParaRPr sz="1600">
+            <a:endParaRPr sz="1600" dirty="0">
               <a:latin typeface="Arial"/>
               <a:ea typeface="Arial"/>
               <a:cs typeface="Arial"/>
@@ -8401,7 +8599,7 @@
               <a:buNone/>
             </a:pPr>
             <a:r>
-              <a:rPr lang="en" sz="1600">
+              <a:rPr lang="en" sz="1600" dirty="0">
                 <a:latin typeface="Arial"/>
                 <a:ea typeface="Arial"/>
                 <a:cs typeface="Arial"/>
@@ -8424,10 +8622,7 @@
               <a:buFont typeface="Arial"/>
               <a:buNone/>
             </a:pPr>
-            <a:r>
-              <a:t/>
-            </a:r>
-            <a:endParaRPr sz="1600">
+            <a:endParaRPr sz="1600" dirty="0">
               <a:latin typeface="Arial"/>
               <a:ea typeface="Arial"/>
               <a:cs typeface="Arial"/>
@@ -8453,7 +8648,7 @@
               <a:buNone/>
             </a:pPr>
             <a:r>
-              <a:rPr lang="en" sz="1600">
+              <a:rPr lang="en" sz="1600" dirty="0">
                 <a:latin typeface="Arial"/>
                 <a:ea typeface="Arial"/>
                 <a:cs typeface="Arial"/>
@@ -8476,10 +8671,7 @@
               <a:buFont typeface="Arial"/>
               <a:buNone/>
             </a:pPr>
-            <a:r>
-              <a:t/>
-            </a:r>
-            <a:endParaRPr sz="1600">
+            <a:endParaRPr sz="1600" dirty="0">
               <a:latin typeface="Arial"/>
               <a:ea typeface="Arial"/>
               <a:cs typeface="Arial"/>
@@ -8487,52 +8679,37 @@
             </a:endParaRPr>
           </a:p>
           <a:p>
-            <a:pPr rtl="0">
+            <a:pPr lvl="0">
               <a:spcBef>
                 <a:spcPts val="0"/>
               </a:spcBef>
               <a:buNone/>
             </a:pPr>
             <a:r>
-              <a:rPr lang="en" sz="1600">
+              <a:rPr lang="en" sz="1600" dirty="0">
                 <a:latin typeface="Arial"/>
                 <a:ea typeface="Arial"/>
                 <a:cs typeface="Arial"/>
                 <a:sym typeface="Arial"/>
               </a:rPr>
-              <a:t>Test 16:20 - Converts the input into an integer</a:t>
-            </a:r>
-          </a:p>
-          <a:p>
-            <a:pPr lvl="0">
-              <a:spcBef>
-                <a:spcPts val="0"/>
-              </a:spcBef>
-              <a:buNone/>
-            </a:pPr>
-            <a:r>
-              <a:rPr lang="en" sz="1600">
-                <a:latin typeface="Arial"/>
-                <a:ea typeface="Arial"/>
-                <a:cs typeface="Arial"/>
-                <a:sym typeface="Arial"/>
-              </a:rPr>
-              <a:t>Test 21:25 Converts the input into a big endian integer</a:t>
+              <a:t>Test 15:20 - Converts the input into an integer</a:t>
             </a:r>
           </a:p>
         </p:txBody>
       </p:sp>
       <p:sp>
         <p:nvSpPr>
-          <p:cNvPr id="114" name="Shape 114"/>
-          <p:cNvSpPr txBox="1"/>
+          <p:cNvPr id="112" name="Shape 112"/>
+          <p:cNvSpPr txBox="1">
+            <a:spLocks noGrp="1"/>
+          </p:cNvSpPr>
           <p:nvPr>
             <p:ph type="title"/>
           </p:nvPr>
         </p:nvSpPr>
         <p:spPr>
           <a:xfrm>
-            <a:off x="205050" y="400300"/>
+            <a:off x="311700" y="445025"/>
             <a:ext cx="8520599" cy="613200"/>
           </a:xfrm>
           <a:prstGeom prst="rect">
@@ -8540,7 +8717,7 @@
           </a:prstGeom>
         </p:spPr>
         <p:txBody>
-          <a:bodyPr anchorCtr="0" anchor="t" bIns="91425" lIns="91425" rIns="91425" tIns="91425">
+          <a:bodyPr lIns="91425" tIns="91425" rIns="91425" bIns="91425" anchor="t" anchorCtr="0">
             <a:noAutofit/>
           </a:bodyPr>
           <a:lstStyle/>
@@ -8563,18 +8740,18 @@
   <p:clrMapOvr>
     <a:masterClrMapping/>
   </p:clrMapOvr>
-  <p:transition spd="slow">
+  <p:transition xmlns:p14="http://schemas.microsoft.com/office/powerpoint/2010/main" spd="slow">
     <p:cut/>
   </p:transition>
 </p:sld>
 </file>
 
 <file path=ppt/slides/slide9.xml><?xml version="1.0" encoding="utf-8"?>
-<p:sld xmlns:a="http://schemas.openxmlformats.org/drawingml/2006/main" xmlns:r="http://schemas.openxmlformats.org/officeDocument/2006/relationships" xmlns:mc="http://schemas.openxmlformats.org/markup-compatibility/2006" xmlns:mv="urn:schemas-microsoft-com:mac:vml" xmlns:p="http://schemas.openxmlformats.org/presentationml/2006/main" xmlns:c="http://schemas.openxmlformats.org/drawingml/2006/chart" xmlns:dgm="http://schemas.openxmlformats.org/drawingml/2006/diagram" xmlns:o="urn:schemas-microsoft-com:office:office" xmlns:v="urn:schemas-microsoft-com:vml" xmlns:pvml="urn:schemas-microsoft-com:office:powerpoint" xmlns:com="http://schemas.openxmlformats.org/drawingml/2006/compatibility" xmlns:p14="http://schemas.microsoft.com/office/powerpoint/2010/main">
+<p:sld xmlns:a="http://schemas.openxmlformats.org/drawingml/2006/main" xmlns:r="http://schemas.openxmlformats.org/officeDocument/2006/relationships" xmlns:p="http://schemas.openxmlformats.org/presentationml/2006/main">
   <p:cSld>
     <p:spTree>
       <p:nvGrpSpPr>
-        <p:cNvPr id="118" name="Shape 118"/>
+        <p:cNvPr id="1" name="Shape 116"/>
         <p:cNvGrpSpPr/>
         <p:nvPr/>
       </p:nvGrpSpPr>
@@ -8588,15 +8765,17 @@
       </p:grpSpPr>
       <p:sp>
         <p:nvSpPr>
-          <p:cNvPr id="119" name="Shape 119"/>
-          <p:cNvSpPr txBox="1"/>
+          <p:cNvPr id="117" name="Shape 117"/>
+          <p:cNvSpPr txBox="1">
+            <a:spLocks noGrp="1"/>
+          </p:cNvSpPr>
           <p:nvPr>
             <p:ph type="title"/>
           </p:nvPr>
         </p:nvSpPr>
         <p:spPr>
           <a:xfrm>
-            <a:off x="311700" y="208600"/>
+            <a:off x="311700" y="445025"/>
             <a:ext cx="8520599" cy="613200"/>
           </a:xfrm>
           <a:prstGeom prst="rect">
@@ -8604,7 +8783,7 @@
           </a:prstGeom>
         </p:spPr>
         <p:txBody>
-          <a:bodyPr anchorCtr="0" anchor="t" bIns="91425" lIns="91425" rIns="91425" tIns="91425">
+          <a:bodyPr lIns="91425" tIns="91425" rIns="91425" bIns="91425" anchor="t" anchorCtr="0">
             <a:noAutofit/>
           </a:bodyPr>
           <a:lstStyle/>
@@ -8624,10 +8803,12 @@
       </p:sp>
       <p:sp>
         <p:nvSpPr>
-          <p:cNvPr id="120" name="Shape 120"/>
-          <p:cNvSpPr txBox="1"/>
+          <p:cNvPr id="118" name="Shape 118"/>
+          <p:cNvSpPr txBox="1">
+            <a:spLocks noGrp="1"/>
+          </p:cNvSpPr>
           <p:nvPr>
-            <p:ph idx="1" type="body"/>
+            <p:ph type="body" idx="1"/>
           </p:nvPr>
         </p:nvSpPr>
         <p:spPr>
@@ -8640,7 +8821,7 @@
           </a:prstGeom>
         </p:spPr>
         <p:txBody>
-          <a:bodyPr anchorCtr="0" anchor="t" bIns="91425" lIns="91425" rIns="91425" tIns="91425">
+          <a:bodyPr lIns="91425" tIns="91425" rIns="91425" bIns="91425" anchor="t" anchorCtr="0">
             <a:noAutofit/>
           </a:bodyPr>
           <a:lstStyle/>
@@ -8676,7 +8857,7 @@
       </p:sp>
       <p:pic>
         <p:nvPicPr>
-          <p:cNvPr id="121" name="Shape 121"/>
+          <p:cNvPr id="119" name="Shape 119"/>
           <p:cNvPicPr preferRelativeResize="0"/>
           <p:nvPr/>
         </p:nvPicPr>
@@ -8697,14 +8878,8 @@
             <a:avLst/>
           </a:prstGeom>
           <a:noFill/>
-          <a:ln cap="flat" cmpd="sng" w="9525">
-            <a:solidFill>
-              <a:srgbClr val="000000"/>
-            </a:solidFill>
-            <a:prstDash val="solid"/>
-            <a:round/>
-            <a:headEnd len="med" w="med" type="none"/>
-            <a:tailEnd len="med" w="med" type="none"/>
+          <a:ln>
+            <a:noFill/>
           </a:ln>
         </p:spPr>
       </p:pic>
@@ -8713,14 +8888,295 @@
   <p:clrMapOvr>
     <a:masterClrMapping/>
   </p:clrMapOvr>
-  <p:transition spd="slow">
+  <p:transition xmlns:p14="http://schemas.microsoft.com/office/powerpoint/2010/main" spd="slow">
     <p:cut/>
   </p:transition>
 </p:sld>
 </file>
 
 <file path=ppt/theme/theme1.xml><?xml version="1.0" encoding="utf-8"?>
-<a:theme xmlns:a="http://schemas.openxmlformats.org/drawingml/2006/main" xmlns:r="http://schemas.openxmlformats.org/officeDocument/2006/relationships" name="Custom Theme">
+<a:theme xmlns:a="http://schemas.openxmlformats.org/drawingml/2006/main" name="paperback">
+  <a:themeElements>
+    <a:clrScheme name="Paperback">
+      <a:dk1>
+        <a:srgbClr val="000000"/>
+      </a:dk1>
+      <a:lt1>
+        <a:srgbClr val="FFFFFF"/>
+      </a:lt1>
+      <a:dk2>
+        <a:srgbClr val="00695C"/>
+      </a:dk2>
+      <a:lt2>
+        <a:srgbClr val="26A69A"/>
+      </a:lt2>
+      <a:accent1>
+        <a:srgbClr val="FFFBF0"/>
+      </a:accent1>
+      <a:accent2>
+        <a:srgbClr val="B7B7B7"/>
+      </a:accent2>
+      <a:accent3>
+        <a:srgbClr val="FB8C00"/>
+      </a:accent3>
+      <a:accent4>
+        <a:srgbClr val="80CBC4"/>
+      </a:accent4>
+      <a:accent5>
+        <a:srgbClr val="AF4345"/>
+      </a:accent5>
+      <a:accent6>
+        <a:srgbClr val="F58F8F"/>
+      </a:accent6>
+      <a:hlink>
+        <a:srgbClr val="AF4345"/>
+      </a:hlink>
+      <a:folHlink>
+        <a:srgbClr val="AF4345"/>
+      </a:folHlink>
+    </a:clrScheme>
+    <a:fontScheme name="Office">
+      <a:majorFont>
+        <a:latin typeface="Arial"/>
+        <a:ea typeface=""/>
+        <a:cs typeface=""/>
+        <a:font script="Jpan" typeface="ＭＳ Ｐゴシック"/>
+        <a:font script="Hang" typeface="맑은 고딕"/>
+        <a:font script="Hans" typeface="宋体"/>
+        <a:font script="Hant" typeface="新細明體"/>
+        <a:font script="Arab" typeface="Times New Roman"/>
+        <a:font script="Hebr" typeface="Times New Roman"/>
+        <a:font script="Thai" typeface="Angsana New"/>
+        <a:font script="Ethi" typeface="Nyala"/>
+        <a:font script="Beng" typeface="Vrinda"/>
+        <a:font script="Gujr" typeface="Shruti"/>
+        <a:font script="Khmr" typeface="MoolBoran"/>
+        <a:font script="Knda" typeface="Tunga"/>
+        <a:font script="Guru" typeface="Raavi"/>
+        <a:font script="Cans" typeface="Euphemia"/>
+        <a:font script="Cher" typeface="Plantagenet Cherokee"/>
+        <a:font script="Yiii" typeface="Microsoft Yi Baiti"/>
+        <a:font script="Tibt" typeface="Microsoft Himalaya"/>
+        <a:font script="Thaa" typeface="MV Boli"/>
+        <a:font script="Deva" typeface="Mangal"/>
+        <a:font script="Telu" typeface="Gautami"/>
+        <a:font script="Taml" typeface="Latha"/>
+        <a:font script="Syrc" typeface="Estrangelo Edessa"/>
+        <a:font script="Orya" typeface="Kalinga"/>
+        <a:font script="Mlym" typeface="Kartika"/>
+        <a:font script="Laoo" typeface="DokChampa"/>
+        <a:font script="Sinh" typeface="Iskoola Pota"/>
+        <a:font script="Mong" typeface="Mongolian Baiti"/>
+        <a:font script="Viet" typeface="Times New Roman"/>
+        <a:font script="Uigh" typeface="Microsoft Uighur"/>
+        <a:font script="Geor" typeface="Sylfaen"/>
+      </a:majorFont>
+      <a:minorFont>
+        <a:latin typeface="Arial"/>
+        <a:ea typeface=""/>
+        <a:cs typeface=""/>
+        <a:font script="Jpan" typeface="ＭＳ Ｐゴシック"/>
+        <a:font script="Hang" typeface="맑은 고딕"/>
+        <a:font script="Hans" typeface="宋体"/>
+        <a:font script="Hant" typeface="新細明體"/>
+        <a:font script="Arab" typeface="Arial"/>
+        <a:font script="Hebr" typeface="Arial"/>
+        <a:font script="Thai" typeface="Cordia New"/>
+        <a:font script="Ethi" typeface="Nyala"/>
+        <a:font script="Beng" typeface="Vrinda"/>
+        <a:font script="Gujr" typeface="Shruti"/>
+        <a:font script="Khmr" typeface="DaunPenh"/>
+        <a:font script="Knda" typeface="Tunga"/>
+        <a:font script="Guru" typeface="Raavi"/>
+        <a:font script="Cans" typeface="Euphemia"/>
+        <a:font script="Cher" typeface="Plantagenet Cherokee"/>
+        <a:font script="Yiii" typeface="Microsoft Yi Baiti"/>
+        <a:font script="Tibt" typeface="Microsoft Himalaya"/>
+        <a:font script="Thaa" typeface="MV Boli"/>
+        <a:font script="Deva" typeface="Mangal"/>
+        <a:font script="Telu" typeface="Gautami"/>
+        <a:font script="Taml" typeface="Latha"/>
+        <a:font script="Syrc" typeface="Estrangelo Edessa"/>
+        <a:font script="Orya" typeface="Kalinga"/>
+        <a:font script="Mlym" typeface="Kartika"/>
+        <a:font script="Laoo" typeface="DokChampa"/>
+        <a:font script="Sinh" typeface="Iskoola Pota"/>
+        <a:font script="Mong" typeface="Mongolian Baiti"/>
+        <a:font script="Viet" typeface="Arial"/>
+        <a:font script="Uigh" typeface="Microsoft Uighur"/>
+        <a:font script="Geor" typeface="Sylfaen"/>
+      </a:minorFont>
+    </a:fontScheme>
+    <a:fmtScheme name="Office">
+      <a:fillStyleLst>
+        <a:solidFill>
+          <a:schemeClr val="phClr"/>
+        </a:solidFill>
+        <a:gradFill rotWithShape="1">
+          <a:gsLst>
+            <a:gs pos="0">
+              <a:schemeClr val="phClr">
+                <a:tint val="50000"/>
+                <a:satMod val="300000"/>
+              </a:schemeClr>
+            </a:gs>
+            <a:gs pos="35000">
+              <a:schemeClr val="phClr">
+                <a:tint val="37000"/>
+                <a:satMod val="300000"/>
+              </a:schemeClr>
+            </a:gs>
+            <a:gs pos="100000">
+              <a:schemeClr val="phClr">
+                <a:tint val="15000"/>
+                <a:satMod val="350000"/>
+              </a:schemeClr>
+            </a:gs>
+          </a:gsLst>
+          <a:lin ang="16200000" scaled="1"/>
+        </a:gradFill>
+        <a:gradFill rotWithShape="1">
+          <a:gsLst>
+            <a:gs pos="0">
+              <a:schemeClr val="phClr">
+                <a:tint val="100000"/>
+                <a:shade val="100000"/>
+                <a:satMod val="130000"/>
+              </a:schemeClr>
+            </a:gs>
+            <a:gs pos="100000">
+              <a:schemeClr val="phClr">
+                <a:tint val="50000"/>
+                <a:shade val="100000"/>
+                <a:satMod val="350000"/>
+              </a:schemeClr>
+            </a:gs>
+          </a:gsLst>
+          <a:lin ang="16200000" scaled="0"/>
+        </a:gradFill>
+      </a:fillStyleLst>
+      <a:lnStyleLst>
+        <a:ln w="9525" cap="flat" cmpd="sng" algn="ctr">
+          <a:solidFill>
+            <a:schemeClr val="phClr">
+              <a:shade val="95000"/>
+              <a:satMod val="105000"/>
+            </a:schemeClr>
+          </a:solidFill>
+          <a:prstDash val="solid"/>
+        </a:ln>
+        <a:ln w="25400" cap="flat" cmpd="sng" algn="ctr">
+          <a:solidFill>
+            <a:schemeClr val="phClr"/>
+          </a:solidFill>
+          <a:prstDash val="solid"/>
+        </a:ln>
+        <a:ln w="38100" cap="flat" cmpd="sng" algn="ctr">
+          <a:solidFill>
+            <a:schemeClr val="phClr"/>
+          </a:solidFill>
+          <a:prstDash val="solid"/>
+        </a:ln>
+      </a:lnStyleLst>
+      <a:effectStyleLst>
+        <a:effectStyle>
+          <a:effectLst>
+            <a:outerShdw blurRad="40000" dist="20000" dir="5400000" rotWithShape="0">
+              <a:srgbClr val="000000">
+                <a:alpha val="38000"/>
+              </a:srgbClr>
+            </a:outerShdw>
+          </a:effectLst>
+        </a:effectStyle>
+        <a:effectStyle>
+          <a:effectLst>
+            <a:outerShdw blurRad="40000" dist="23000" dir="5400000" rotWithShape="0">
+              <a:srgbClr val="000000">
+                <a:alpha val="35000"/>
+              </a:srgbClr>
+            </a:outerShdw>
+          </a:effectLst>
+        </a:effectStyle>
+        <a:effectStyle>
+          <a:effectLst>
+            <a:outerShdw blurRad="40000" dist="23000" dir="5400000" rotWithShape="0">
+              <a:srgbClr val="000000">
+                <a:alpha val="35000"/>
+              </a:srgbClr>
+            </a:outerShdw>
+          </a:effectLst>
+          <a:scene3d>
+            <a:camera prst="orthographicFront">
+              <a:rot lat="0" lon="0" rev="0"/>
+            </a:camera>
+            <a:lightRig rig="threePt" dir="t">
+              <a:rot lat="0" lon="0" rev="1200000"/>
+            </a:lightRig>
+          </a:scene3d>
+          <a:sp3d>
+            <a:bevelT w="63500" h="25400"/>
+          </a:sp3d>
+        </a:effectStyle>
+      </a:effectStyleLst>
+      <a:bgFillStyleLst>
+        <a:solidFill>
+          <a:schemeClr val="phClr"/>
+        </a:solidFill>
+        <a:gradFill rotWithShape="1">
+          <a:gsLst>
+            <a:gs pos="0">
+              <a:schemeClr val="phClr">
+                <a:tint val="40000"/>
+                <a:satMod val="350000"/>
+              </a:schemeClr>
+            </a:gs>
+            <a:gs pos="40000">
+              <a:schemeClr val="phClr">
+                <a:tint val="45000"/>
+                <a:shade val="99000"/>
+                <a:satMod val="350000"/>
+              </a:schemeClr>
+            </a:gs>
+            <a:gs pos="100000">
+              <a:schemeClr val="phClr">
+                <a:shade val="20000"/>
+                <a:satMod val="255000"/>
+              </a:schemeClr>
+            </a:gs>
+          </a:gsLst>
+          <a:path path="circle">
+            <a:fillToRect l="50000" t="-80000" r="50000" b="180000"/>
+          </a:path>
+        </a:gradFill>
+        <a:gradFill rotWithShape="1">
+          <a:gsLst>
+            <a:gs pos="0">
+              <a:schemeClr val="phClr">
+                <a:tint val="80000"/>
+                <a:satMod val="300000"/>
+              </a:schemeClr>
+            </a:gs>
+            <a:gs pos="100000">
+              <a:schemeClr val="phClr">
+                <a:shade val="30000"/>
+                <a:satMod val="200000"/>
+              </a:schemeClr>
+            </a:gs>
+          </a:gsLst>
+          <a:path path="circle">
+            <a:fillToRect l="50000" t="50000" r="50000" b="50000"/>
+          </a:path>
+        </a:gradFill>
+      </a:bgFillStyleLst>
+    </a:fmtScheme>
+  </a:themeElements>
+  <a:objectDefaults/>
+  <a:extraClrSchemeLst/>
+</a:theme>
+</file>
+
+<file path=ppt/theme/theme2.xml><?xml version="1.0" encoding="utf-8"?>
+<a:theme xmlns:a="http://schemas.openxmlformats.org/drawingml/2006/main" name="Custom Theme">
   <a:themeElements>
     <a:clrScheme name="Default">
       <a:dk1>
@@ -8995,284 +9451,7 @@
       </a:bgFillStyleLst>
     </a:fmtScheme>
   </a:themeElements>
-</a:theme>
-</file>
-
-<file path=ppt/theme/theme2.xml><?xml version="1.0" encoding="utf-8"?>
-<a:theme xmlns:a="http://schemas.openxmlformats.org/drawingml/2006/main" xmlns:r="http://schemas.openxmlformats.org/officeDocument/2006/relationships" name="paperback">
-  <a:themeElements>
-    <a:clrScheme name="Paperback">
-      <a:dk1>
-        <a:srgbClr val="000000"/>
-      </a:dk1>
-      <a:lt1>
-        <a:srgbClr val="FFFFFF"/>
-      </a:lt1>
-      <a:dk2>
-        <a:srgbClr val="00695C"/>
-      </a:dk2>
-      <a:lt2>
-        <a:srgbClr val="26A69A"/>
-      </a:lt2>
-      <a:accent1>
-        <a:srgbClr val="FFFBF0"/>
-      </a:accent1>
-      <a:accent2>
-        <a:srgbClr val="B7B7B7"/>
-      </a:accent2>
-      <a:accent3>
-        <a:srgbClr val="FB8C00"/>
-      </a:accent3>
-      <a:accent4>
-        <a:srgbClr val="80CBC4"/>
-      </a:accent4>
-      <a:accent5>
-        <a:srgbClr val="AF4345"/>
-      </a:accent5>
-      <a:accent6>
-        <a:srgbClr val="F58F8F"/>
-      </a:accent6>
-      <a:hlink>
-        <a:srgbClr val="AF4345"/>
-      </a:hlink>
-      <a:folHlink>
-        <a:srgbClr val="AF4345"/>
-      </a:folHlink>
-    </a:clrScheme>
-    <a:fontScheme name="Office">
-      <a:majorFont>
-        <a:latin typeface="Arial"/>
-        <a:ea typeface=""/>
-        <a:cs typeface=""/>
-        <a:font script="Jpan" typeface="ＭＳ Ｐゴシック"/>
-        <a:font script="Hang" typeface="맑은 고딕"/>
-        <a:font script="Hans" typeface="宋体"/>
-        <a:font script="Hant" typeface="新細明體"/>
-        <a:font script="Arab" typeface="Times New Roman"/>
-        <a:font script="Hebr" typeface="Times New Roman"/>
-        <a:font script="Thai" typeface="Angsana New"/>
-        <a:font script="Ethi" typeface="Nyala"/>
-        <a:font script="Beng" typeface="Vrinda"/>
-        <a:font script="Gujr" typeface="Shruti"/>
-        <a:font script="Khmr" typeface="MoolBoran"/>
-        <a:font script="Knda" typeface="Tunga"/>
-        <a:font script="Guru" typeface="Raavi"/>
-        <a:font script="Cans" typeface="Euphemia"/>
-        <a:font script="Cher" typeface="Plantagenet Cherokee"/>
-        <a:font script="Yiii" typeface="Microsoft Yi Baiti"/>
-        <a:font script="Tibt" typeface="Microsoft Himalaya"/>
-        <a:font script="Thaa" typeface="MV Boli"/>
-        <a:font script="Deva" typeface="Mangal"/>
-        <a:font script="Telu" typeface="Gautami"/>
-        <a:font script="Taml" typeface="Latha"/>
-        <a:font script="Syrc" typeface="Estrangelo Edessa"/>
-        <a:font script="Orya" typeface="Kalinga"/>
-        <a:font script="Mlym" typeface="Kartika"/>
-        <a:font script="Laoo" typeface="DokChampa"/>
-        <a:font script="Sinh" typeface="Iskoola Pota"/>
-        <a:font script="Mong" typeface="Mongolian Baiti"/>
-        <a:font script="Viet" typeface="Times New Roman"/>
-        <a:font script="Uigh" typeface="Microsoft Uighur"/>
-        <a:font script="Geor" typeface="Sylfaen"/>
-      </a:majorFont>
-      <a:minorFont>
-        <a:latin typeface="Arial"/>
-        <a:ea typeface=""/>
-        <a:cs typeface=""/>
-        <a:font script="Jpan" typeface="ＭＳ Ｐゴシック"/>
-        <a:font script="Hang" typeface="맑은 고딕"/>
-        <a:font script="Hans" typeface="宋体"/>
-        <a:font script="Hant" typeface="新細明體"/>
-        <a:font script="Arab" typeface="Arial"/>
-        <a:font script="Hebr" typeface="Arial"/>
-        <a:font script="Thai" typeface="Cordia New"/>
-        <a:font script="Ethi" typeface="Nyala"/>
-        <a:font script="Beng" typeface="Vrinda"/>
-        <a:font script="Gujr" typeface="Shruti"/>
-        <a:font script="Khmr" typeface="DaunPenh"/>
-        <a:font script="Knda" typeface="Tunga"/>
-        <a:font script="Guru" typeface="Raavi"/>
-        <a:font script="Cans" typeface="Euphemia"/>
-        <a:font script="Cher" typeface="Plantagenet Cherokee"/>
-        <a:font script="Yiii" typeface="Microsoft Yi Baiti"/>
-        <a:font script="Tibt" typeface="Microsoft Himalaya"/>
-        <a:font script="Thaa" typeface="MV Boli"/>
-        <a:font script="Deva" typeface="Mangal"/>
-        <a:font script="Telu" typeface="Gautami"/>
-        <a:font script="Taml" typeface="Latha"/>
-        <a:font script="Syrc" typeface="Estrangelo Edessa"/>
-        <a:font script="Orya" typeface="Kalinga"/>
-        <a:font script="Mlym" typeface="Kartika"/>
-        <a:font script="Laoo" typeface="DokChampa"/>
-        <a:font script="Sinh" typeface="Iskoola Pota"/>
-        <a:font script="Mong" typeface="Mongolian Baiti"/>
-        <a:font script="Viet" typeface="Arial"/>
-        <a:font script="Uigh" typeface="Microsoft Uighur"/>
-        <a:font script="Geor" typeface="Sylfaen"/>
-      </a:minorFont>
-    </a:fontScheme>
-    <a:fmtScheme name="Office">
-      <a:fillStyleLst>
-        <a:solidFill>
-          <a:schemeClr val="phClr"/>
-        </a:solidFill>
-        <a:gradFill rotWithShape="1">
-          <a:gsLst>
-            <a:gs pos="0">
-              <a:schemeClr val="phClr">
-                <a:tint val="50000"/>
-                <a:satMod val="300000"/>
-              </a:schemeClr>
-            </a:gs>
-            <a:gs pos="35000">
-              <a:schemeClr val="phClr">
-                <a:tint val="37000"/>
-                <a:satMod val="300000"/>
-              </a:schemeClr>
-            </a:gs>
-            <a:gs pos="100000">
-              <a:schemeClr val="phClr">
-                <a:tint val="15000"/>
-                <a:satMod val="350000"/>
-              </a:schemeClr>
-            </a:gs>
-          </a:gsLst>
-          <a:lin ang="16200000" scaled="1"/>
-        </a:gradFill>
-        <a:gradFill rotWithShape="1">
-          <a:gsLst>
-            <a:gs pos="0">
-              <a:schemeClr val="phClr">
-                <a:tint val="100000"/>
-                <a:shade val="100000"/>
-                <a:satMod val="130000"/>
-              </a:schemeClr>
-            </a:gs>
-            <a:gs pos="100000">
-              <a:schemeClr val="phClr">
-                <a:tint val="50000"/>
-                <a:shade val="100000"/>
-                <a:satMod val="350000"/>
-              </a:schemeClr>
-            </a:gs>
-          </a:gsLst>
-          <a:lin ang="16200000" scaled="0"/>
-        </a:gradFill>
-      </a:fillStyleLst>
-      <a:lnStyleLst>
-        <a:ln w="9525" cap="flat" cmpd="sng" algn="ctr">
-          <a:solidFill>
-            <a:schemeClr val="phClr">
-              <a:shade val="95000"/>
-              <a:satMod val="105000"/>
-            </a:schemeClr>
-          </a:solidFill>
-          <a:prstDash val="solid"/>
-        </a:ln>
-        <a:ln w="25400" cap="flat" cmpd="sng" algn="ctr">
-          <a:solidFill>
-            <a:schemeClr val="phClr"/>
-          </a:solidFill>
-          <a:prstDash val="solid"/>
-        </a:ln>
-        <a:ln w="38100" cap="flat" cmpd="sng" algn="ctr">
-          <a:solidFill>
-            <a:schemeClr val="phClr"/>
-          </a:solidFill>
-          <a:prstDash val="solid"/>
-        </a:ln>
-      </a:lnStyleLst>
-      <a:effectStyleLst>
-        <a:effectStyle>
-          <a:effectLst>
-            <a:outerShdw blurRad="40000" dist="20000" dir="5400000" rotWithShape="0">
-              <a:srgbClr val="000000">
-                <a:alpha val="38000"/>
-              </a:srgbClr>
-            </a:outerShdw>
-          </a:effectLst>
-        </a:effectStyle>
-        <a:effectStyle>
-          <a:effectLst>
-            <a:outerShdw blurRad="40000" dist="23000" dir="5400000" rotWithShape="0">
-              <a:srgbClr val="000000">
-                <a:alpha val="35000"/>
-              </a:srgbClr>
-            </a:outerShdw>
-          </a:effectLst>
-        </a:effectStyle>
-        <a:effectStyle>
-          <a:effectLst>
-            <a:outerShdw blurRad="40000" dist="23000" dir="5400000" rotWithShape="0">
-              <a:srgbClr val="000000">
-                <a:alpha val="35000"/>
-              </a:srgbClr>
-            </a:outerShdw>
-          </a:effectLst>
-          <a:scene3d>
-            <a:camera prst="orthographicFront">
-              <a:rot lat="0" lon="0" rev="0"/>
-            </a:camera>
-            <a:lightRig rig="threePt" dir="t">
-              <a:rot lat="0" lon="0" rev="1200000"/>
-            </a:lightRig>
-          </a:scene3d>
-          <a:sp3d>
-            <a:bevelT w="63500" h="25400"/>
-          </a:sp3d>
-        </a:effectStyle>
-      </a:effectStyleLst>
-      <a:bgFillStyleLst>
-        <a:solidFill>
-          <a:schemeClr val="phClr"/>
-        </a:solidFill>
-        <a:gradFill rotWithShape="1">
-          <a:gsLst>
-            <a:gs pos="0">
-              <a:schemeClr val="phClr">
-                <a:tint val="40000"/>
-                <a:satMod val="350000"/>
-              </a:schemeClr>
-            </a:gs>
-            <a:gs pos="40000">
-              <a:schemeClr val="phClr">
-                <a:tint val="45000"/>
-                <a:shade val="99000"/>
-                <a:satMod val="350000"/>
-              </a:schemeClr>
-            </a:gs>
-            <a:gs pos="100000">
-              <a:schemeClr val="phClr">
-                <a:shade val="20000"/>
-                <a:satMod val="255000"/>
-              </a:schemeClr>
-            </a:gs>
-          </a:gsLst>
-          <a:path path="circle">
-            <a:fillToRect l="50000" t="-80000" r="50000" b="180000"/>
-          </a:path>
-        </a:gradFill>
-        <a:gradFill rotWithShape="1">
-          <a:gsLst>
-            <a:gs pos="0">
-              <a:schemeClr val="phClr">
-                <a:tint val="80000"/>
-                <a:satMod val="300000"/>
-              </a:schemeClr>
-            </a:gs>
-            <a:gs pos="100000">
-              <a:schemeClr val="phClr">
-                <a:shade val="30000"/>
-                <a:satMod val="200000"/>
-              </a:schemeClr>
-            </a:gs>
-          </a:gsLst>
-          <a:path path="circle">
-            <a:fillToRect l="50000" t="50000" r="50000" b="50000"/>
-          </a:path>
-        </a:gradFill>
-      </a:bgFillStyleLst>
-    </a:fmtScheme>
-  </a:themeElements>
+  <a:objectDefaults/>
+  <a:extraClrSchemeLst/>
 </a:theme>
 </file>